--- a/slides/03-DivConIntro.pptx
+++ b/slides/03-DivConIntro.pptx
@@ -5,10 +5,10 @@
     <p:sldMasterId id="2147483705" r:id="rId1"/>
   </p:sldMasterIdLst>
   <p:notesMasterIdLst>
-    <p:notesMasterId r:id="rId27"/>
+    <p:notesMasterId r:id="rId32"/>
   </p:notesMasterIdLst>
   <p:handoutMasterIdLst>
-    <p:handoutMasterId r:id="rId28"/>
+    <p:handoutMasterId r:id="rId33"/>
   </p:handoutMasterIdLst>
   <p:sldIdLst>
     <p:sldId id="512" r:id="rId2"/>
@@ -24,23 +24,28 @@
     <p:sldId id="580" r:id="rId12"/>
     <p:sldId id="496" r:id="rId13"/>
     <p:sldId id="581" r:id="rId14"/>
-    <p:sldId id="582" r:id="rId15"/>
-    <p:sldId id="541" r:id="rId16"/>
-    <p:sldId id="419" r:id="rId17"/>
-    <p:sldId id="542" r:id="rId18"/>
-    <p:sldId id="543" r:id="rId19"/>
-    <p:sldId id="544" r:id="rId20"/>
-    <p:sldId id="545" r:id="rId21"/>
-    <p:sldId id="546" r:id="rId22"/>
-    <p:sldId id="547" r:id="rId23"/>
-    <p:sldId id="548" r:id="rId24"/>
-    <p:sldId id="549" r:id="rId25"/>
-    <p:sldId id="538" r:id="rId26"/>
+    <p:sldId id="583" r:id="rId15"/>
+    <p:sldId id="584" r:id="rId16"/>
+    <p:sldId id="582" r:id="rId17"/>
+    <p:sldId id="541" r:id="rId18"/>
+    <p:sldId id="419" r:id="rId19"/>
+    <p:sldId id="542" r:id="rId20"/>
+    <p:sldId id="543" r:id="rId21"/>
+    <p:sldId id="544" r:id="rId22"/>
+    <p:sldId id="545" r:id="rId23"/>
+    <p:sldId id="546" r:id="rId24"/>
+    <p:sldId id="548" r:id="rId25"/>
+    <p:sldId id="585" r:id="rId26"/>
+    <p:sldId id="586" r:id="rId27"/>
+    <p:sldId id="587" r:id="rId28"/>
+    <p:sldId id="588" r:id="rId29"/>
+    <p:sldId id="549" r:id="rId30"/>
+    <p:sldId id="538" r:id="rId31"/>
   </p:sldIdLst>
   <p:sldSz cx="12192000" cy="6858000"/>
   <p:notesSz cx="7315200" cy="9601200"/>
   <p:custDataLst>
-    <p:tags r:id="rId29"/>
+    <p:tags r:id="rId34"/>
   </p:custDataLst>
   <p:defaultTextStyle>
     <a:defPPr>
@@ -1021,7 +1026,7 @@
             <a:fld id="{7AA5AD8F-F3B0-42A1-BADE-3E121779D997}" type="datetime1">
               <a:rPr lang="en-US" smtClean="0"/>
               <a:pPr/>
-              <a:t>8/31/22</a:t>
+              <a:t>9/20/22</a:t>
             </a:fld>
             <a:endParaRPr lang="en-US"/>
           </a:p>
@@ -1381,7 +1386,7 @@
             <a:fld id="{70B371D5-F170-4574-829E-67713AA2AF8B}" type="datetime1">
               <a:rPr lang="en-US" smtClean="0"/>
               <a:pPr/>
-              <a:t>8/31/22</a:t>
+              <a:t>9/20/22</a:t>
             </a:fld>
             <a:endParaRPr lang="en-US"/>
           </a:p>
@@ -1557,7 +1562,7 @@
             <a:fld id="{41DEAF00-D1FE-4F71-8891-85EEE31B7478}" type="datetime1">
               <a:rPr lang="en-US" smtClean="0"/>
               <a:pPr/>
-              <a:t>8/31/22</a:t>
+              <a:t>9/20/22</a:t>
             </a:fld>
             <a:endParaRPr lang="en-US"/>
           </a:p>
@@ -1874,7 +1879,7 @@
             <a:fld id="{94B9C8BD-ED75-4439-AD6B-9DD62AAFC8D9}" type="datetime1">
               <a:rPr lang="en-US" smtClean="0"/>
               <a:pPr/>
-              <a:t>8/31/22</a:t>
+              <a:t>9/20/22</a:t>
             </a:fld>
             <a:endParaRPr lang="en-US"/>
           </a:p>
@@ -2160,7 +2165,7 @@
             <a:fld id="{ECD93607-5884-4A96-A08B-80229D166DF1}" type="datetime1">
               <a:rPr lang="en-US" smtClean="0"/>
               <a:pPr/>
-              <a:t>8/31/22</a:t>
+              <a:t>9/20/22</a:t>
             </a:fld>
             <a:endParaRPr lang="en-US"/>
           </a:p>
@@ -2381,7 +2386,7 @@
             <a:fld id="{6F102B80-C461-45FB-9371-DFC9B0CCC0E5}" type="datetime1">
               <a:rPr lang="en-US" smtClean="0"/>
               <a:pPr/>
-              <a:t>8/31/22</a:t>
+              <a:t>9/20/22</a:t>
             </a:fld>
             <a:endParaRPr lang="en-US"/>
           </a:p>
@@ -2734,7 +2739,7 @@
             <a:fld id="{EA9CD99D-5207-446B-9DC5-D0DDD2D44051}" type="datetime1">
               <a:rPr lang="en-US" smtClean="0"/>
               <a:pPr/>
-              <a:t>8/31/22</a:t>
+              <a:t>9/20/22</a:t>
             </a:fld>
             <a:endParaRPr lang="en-US"/>
           </a:p>
@@ -2967,7 +2972,7 @@
             <a:fld id="{72673F1E-8F53-44C8-9921-41D9D265AD14}" type="datetime1">
               <a:rPr lang="en-US" smtClean="0"/>
               <a:pPr/>
-              <a:t>8/31/22</a:t>
+              <a:t>9/20/22</a:t>
             </a:fld>
             <a:endParaRPr lang="en-US"/>
           </a:p>
@@ -3109,7 +3114,7 @@
             <a:fld id="{E298527C-C606-48C4-B4D5-2567D6898083}" type="datetime1">
               <a:rPr lang="en-US" smtClean="0"/>
               <a:pPr/>
-              <a:t>8/31/22</a:t>
+              <a:t>9/20/22</a:t>
             </a:fld>
             <a:endParaRPr lang="en-US"/>
           </a:p>
@@ -3387,7 +3392,7 @@
             <a:fld id="{1539330C-42EA-483B-AECF-1BED7029D168}" type="datetime1">
               <a:rPr lang="en-US" smtClean="0"/>
               <a:pPr/>
-              <a:t>8/31/22</a:t>
+              <a:t>9/20/22</a:t>
             </a:fld>
             <a:endParaRPr lang="en-US"/>
           </a:p>
@@ -3795,7 +3800,7 @@
             <a:fld id="{6164C552-CBA0-44FF-B21C-CCB2A0CE4F32}" type="datetime1">
               <a:rPr lang="en-US" smtClean="0"/>
               <a:pPr/>
-              <a:t>8/31/22</a:t>
+              <a:t>9/20/22</a:t>
             </a:fld>
             <a:endParaRPr lang="en-US"/>
           </a:p>
@@ -4134,7 +4139,7 @@
             <a:fld id="{616F3C91-9847-4E06-A788-F916DE9E864B}" type="datetime1">
               <a:rPr lang="en-US" smtClean="0"/>
               <a:pPr/>
-              <a:t>8/31/22</a:t>
+              <a:t>9/20/22</a:t>
             </a:fld>
             <a:endParaRPr lang="en-US"/>
           </a:p>
@@ -5166,7 +5171,23 @@
             <a:pPr lvl="2"/>
             <a:r>
               <a:rPr lang="en-US" dirty="0"/>
-              <a:t>Prototype:  void </a:t>
+              <a:t>Prototype:  (</a:t>
+            </a:r>
+            <a:r>
+              <a:rPr lang="en-US" dirty="0" err="1"/>
+              <a:t>int</a:t>
+            </a:r>
+            <a:r>
+              <a:rPr lang="en-US" dirty="0"/>
+              <a:t>, </a:t>
+            </a:r>
+            <a:r>
+              <a:rPr lang="en-US" dirty="0" err="1"/>
+              <a:t>int</a:t>
+            </a:r>
+            <a:r>
+              <a:rPr lang="en-US" dirty="0"/>
+              <a:t>) </a:t>
             </a:r>
             <a:r>
               <a:rPr lang="en-US" dirty="0" err="1"/>
@@ -5174,7 +5195,7 @@
             </a:r>
             <a:r>
               <a:rPr lang="en-US" dirty="0"/>
-              <a:t> (list, first, last, max, max2);</a:t>
+              <a:t> (list, first, last);</a:t>
             </a:r>
           </a:p>
           <a:p>
@@ -5393,7 +5414,7 @@
           <a:p>
             <a:r>
               <a:rPr lang="en-US" dirty="0"/>
-              <a:t>Exercise: Find Max AND Second Max</a:t>
+              <a:t>Recursive calls are OF THE SAME FORM</a:t>
             </a:r>
           </a:p>
         </p:txBody>
@@ -5422,8 +5443,2358 @@
           </a:p>
         </p:txBody>
       </p:sp>
-      <mc:AlternateContent xmlns:mc="http://schemas.openxmlformats.org/markup-compatibility/2006">
-        <mc:Choice xmlns:a14="http://schemas.microsoft.com/office/drawing/2010/main" Requires="a14">
+      <p:sp>
+        <p:nvSpPr>
+          <p:cNvPr id="3" name="Content Placeholder 2">
+            <a:extLst>
+              <a:ext uri="{FF2B5EF4-FFF2-40B4-BE49-F238E27FC236}">
+                <a16:creationId xmlns:a16="http://schemas.microsoft.com/office/drawing/2014/main" id="{2B99920C-C75A-CF43-90F2-BBDBD41F1D92}"/>
+              </a:ext>
+            </a:extLst>
+          </p:cNvPr>
+          <p:cNvSpPr>
+            <a:spLocks noGrp="1"/>
+          </p:cNvSpPr>
+          <p:nvPr>
+            <p:ph sz="quarter" idx="1"/>
+          </p:nvPr>
+        </p:nvSpPr>
+        <p:spPr>
+          <a:xfrm>
+            <a:off x="4047214" y="1219200"/>
+            <a:ext cx="3625796" cy="1126435"/>
+          </a:xfrm>
+        </p:spPr>
+        <p:txBody>
+          <a:bodyPr/>
+          <a:lstStyle/>
+          <a:p>
+            <a:pPr marL="0" indent="0" algn="ctr">
+              <a:buNone/>
+            </a:pPr>
+            <a:r>
+              <a:rPr lang="en-US" dirty="0" err="1">
+                <a:solidFill>
+                  <a:srgbClr val="00B050"/>
+                </a:solidFill>
+              </a:rPr>
+              <a:t>FindMax</a:t>
+            </a:r>
+            <a:r>
+              <a:rPr lang="en-US" dirty="0">
+                <a:solidFill>
+                  <a:srgbClr val="00B050"/>
+                </a:solidFill>
+              </a:rPr>
+              <a:t>(list, 0, n)</a:t>
+            </a:r>
+          </a:p>
+          <a:p>
+            <a:pPr marL="0" indent="0" algn="ctr">
+              <a:buNone/>
+            </a:pPr>
+            <a:r>
+              <a:rPr lang="en-US" dirty="0">
+                <a:solidFill>
+                  <a:srgbClr val="00B050"/>
+                </a:solidFill>
+              </a:rPr>
+              <a:t>[x</a:t>
+            </a:r>
+            <a:r>
+              <a:rPr lang="en-US" baseline="-25000" dirty="0">
+                <a:solidFill>
+                  <a:srgbClr val="00B050"/>
+                </a:solidFill>
+              </a:rPr>
+              <a:t>0</a:t>
+            </a:r>
+            <a:r>
+              <a:rPr lang="en-US" dirty="0">
+                <a:solidFill>
+                  <a:srgbClr val="00B050"/>
+                </a:solidFill>
+              </a:rPr>
+              <a:t>, x</a:t>
+            </a:r>
+            <a:r>
+              <a:rPr lang="en-US" baseline="-25000" dirty="0">
+                <a:solidFill>
+                  <a:srgbClr val="00B050"/>
+                </a:solidFill>
+              </a:rPr>
+              <a:t>1</a:t>
+            </a:r>
+            <a:r>
+              <a:rPr lang="en-US" dirty="0">
+                <a:solidFill>
+                  <a:srgbClr val="00B050"/>
+                </a:solidFill>
+              </a:rPr>
+              <a:t>, x</a:t>
+            </a:r>
+            <a:r>
+              <a:rPr lang="en-US" baseline="-25000" dirty="0">
+                <a:solidFill>
+                  <a:srgbClr val="00B050"/>
+                </a:solidFill>
+              </a:rPr>
+              <a:t>2</a:t>
+            </a:r>
+            <a:r>
+              <a:rPr lang="en-US" dirty="0">
+                <a:solidFill>
+                  <a:srgbClr val="00B050"/>
+                </a:solidFill>
+              </a:rPr>
+              <a:t>, …, </a:t>
+            </a:r>
+            <a:r>
+              <a:rPr lang="en-US" dirty="0" err="1">
+                <a:solidFill>
+                  <a:srgbClr val="00B050"/>
+                </a:solidFill>
+              </a:rPr>
+              <a:t>x</a:t>
+            </a:r>
+            <a:r>
+              <a:rPr lang="en-US" baseline="-25000" dirty="0" err="1">
+                <a:solidFill>
+                  <a:srgbClr val="00B050"/>
+                </a:solidFill>
+              </a:rPr>
+              <a:t>n</a:t>
+            </a:r>
+            <a:r>
+              <a:rPr lang="en-US" dirty="0">
+                <a:solidFill>
+                  <a:srgbClr val="00B050"/>
+                </a:solidFill>
+              </a:rPr>
+              <a:t>]</a:t>
+            </a:r>
+          </a:p>
+          <a:p>
+            <a:pPr marL="0" indent="0" algn="ctr">
+              <a:buNone/>
+            </a:pPr>
+            <a:endParaRPr lang="en-US" dirty="0"/>
+          </a:p>
+          <a:p>
+            <a:pPr marL="0" indent="0" algn="ctr">
+              <a:buNone/>
+            </a:pPr>
+            <a:endParaRPr lang="en-US" dirty="0"/>
+          </a:p>
+        </p:txBody>
+      </p:sp>
+      <p:sp>
+        <p:nvSpPr>
+          <p:cNvPr id="7" name="Content Placeholder 2">
+            <a:extLst>
+              <a:ext uri="{FF2B5EF4-FFF2-40B4-BE49-F238E27FC236}">
+                <a16:creationId xmlns:a16="http://schemas.microsoft.com/office/drawing/2014/main" id="{C6119659-E2C6-BC4F-9156-2C0E162D41D4}"/>
+              </a:ext>
+            </a:extLst>
+          </p:cNvPr>
+          <p:cNvSpPr txBox="1">
+            <a:spLocks/>
+          </p:cNvSpPr>
+          <p:nvPr/>
+        </p:nvSpPr>
+        <p:spPr>
+          <a:xfrm>
+            <a:off x="422744" y="2842589"/>
+            <a:ext cx="3625796" cy="1126435"/>
+          </a:xfrm>
+          <a:prstGeom prst="rect">
+            <a:avLst/>
+          </a:prstGeom>
+        </p:spPr>
+        <p:txBody>
+          <a:bodyPr vert="horz">
+            <a:normAutofit/>
+          </a:bodyPr>
+          <a:lstStyle>
+            <a:lvl1pPr marL="274320" indent="-274320" algn="just" rtl="0" eaLnBrk="1" latinLnBrk="0" hangingPunct="1">
+              <a:spcBef>
+                <a:spcPts val="600"/>
+              </a:spcBef>
+              <a:buClr>
+                <a:schemeClr val="accent1"/>
+              </a:buClr>
+              <a:buSzPct val="76000"/>
+              <a:buFont typeface="Wingdings 3"/>
+              <a:buChar char=""/>
+              <a:defRPr kumimoji="0" sz="2600" kern="1200">
+                <a:solidFill>
+                  <a:schemeClr val="tx1"/>
+                </a:solidFill>
+                <a:latin typeface="+mn-lt"/>
+                <a:ea typeface="+mn-ea"/>
+                <a:cs typeface="+mn-cs"/>
+              </a:defRPr>
+            </a:lvl1pPr>
+            <a:lvl2pPr marL="548640" indent="-274320" algn="just" rtl="0" eaLnBrk="1" latinLnBrk="0" hangingPunct="1">
+              <a:spcBef>
+                <a:spcPts val="500"/>
+              </a:spcBef>
+              <a:buClr>
+                <a:schemeClr val="accent2"/>
+              </a:buClr>
+              <a:buSzPct val="76000"/>
+              <a:buFont typeface="Wingdings 3"/>
+              <a:buChar char=""/>
+              <a:defRPr kumimoji="0" sz="2300" kern="1200">
+                <a:solidFill>
+                  <a:schemeClr val="tx2"/>
+                </a:solidFill>
+                <a:latin typeface="+mn-lt"/>
+                <a:ea typeface="+mn-ea"/>
+                <a:cs typeface="+mn-cs"/>
+              </a:defRPr>
+            </a:lvl2pPr>
+            <a:lvl3pPr marL="822960" indent="-228600" algn="just" rtl="0" eaLnBrk="1" latinLnBrk="0" hangingPunct="1">
+              <a:spcBef>
+                <a:spcPts val="500"/>
+              </a:spcBef>
+              <a:buClr>
+                <a:schemeClr val="bg1">
+                  <a:shade val="50000"/>
+                </a:schemeClr>
+              </a:buClr>
+              <a:buSzPct val="76000"/>
+              <a:buFont typeface="Wingdings 3"/>
+              <a:buChar char=""/>
+              <a:defRPr kumimoji="0" sz="2000" kern="1200">
+                <a:solidFill>
+                  <a:schemeClr val="tx1"/>
+                </a:solidFill>
+                <a:latin typeface="+mn-lt"/>
+                <a:ea typeface="+mn-ea"/>
+                <a:cs typeface="+mn-cs"/>
+              </a:defRPr>
+            </a:lvl3pPr>
+            <a:lvl4pPr marL="1097280" indent="-228600" algn="just" rtl="0" eaLnBrk="1" latinLnBrk="0" hangingPunct="1">
+              <a:spcBef>
+                <a:spcPts val="400"/>
+              </a:spcBef>
+              <a:buClr>
+                <a:schemeClr val="accent2">
+                  <a:shade val="75000"/>
+                </a:schemeClr>
+              </a:buClr>
+              <a:buSzPct val="70000"/>
+              <a:buFont typeface="Wingdings"/>
+              <a:buChar char=""/>
+              <a:defRPr kumimoji="0" sz="1800" kern="1200">
+                <a:solidFill>
+                  <a:schemeClr val="tx1"/>
+                </a:solidFill>
+                <a:latin typeface="+mn-lt"/>
+                <a:ea typeface="+mn-ea"/>
+                <a:cs typeface="+mn-cs"/>
+              </a:defRPr>
+            </a:lvl4pPr>
+            <a:lvl5pPr marL="1371600" indent="-228600" algn="just" rtl="0" eaLnBrk="1" latinLnBrk="0" hangingPunct="1">
+              <a:spcBef>
+                <a:spcPts val="300"/>
+              </a:spcBef>
+              <a:buClr>
+                <a:schemeClr val="accent2"/>
+              </a:buClr>
+              <a:buSzPct val="70000"/>
+              <a:buFont typeface="Wingdings"/>
+              <a:buChar char=""/>
+              <a:defRPr kumimoji="0" sz="1600" kern="1200">
+                <a:solidFill>
+                  <a:schemeClr val="tx1"/>
+                </a:solidFill>
+                <a:latin typeface="+mn-lt"/>
+                <a:ea typeface="+mn-ea"/>
+                <a:cs typeface="+mn-cs"/>
+              </a:defRPr>
+            </a:lvl5pPr>
+            <a:lvl6pPr marL="1645920" indent="-182880" algn="l" rtl="0" eaLnBrk="1" latinLnBrk="0" hangingPunct="1">
+              <a:spcBef>
+                <a:spcPts val="300"/>
+              </a:spcBef>
+              <a:buClr>
+                <a:srgbClr val="9FB8CD">
+                  <a:shade val="75000"/>
+                </a:srgbClr>
+              </a:buClr>
+              <a:buSzPct val="75000"/>
+              <a:buFont typeface="Wingdings 3"/>
+              <a:buChar char=""/>
+              <a:defRPr kumimoji="0" lang="en-US" sz="1600" kern="1200" smtClean="0">
+                <a:solidFill>
+                  <a:schemeClr val="tx1"/>
+                </a:solidFill>
+                <a:latin typeface="+mn-lt"/>
+                <a:ea typeface="+mn-ea"/>
+                <a:cs typeface="+mn-cs"/>
+              </a:defRPr>
+            </a:lvl6pPr>
+            <a:lvl7pPr marL="1828800" indent="-182880" algn="l" rtl="0" eaLnBrk="1" latinLnBrk="0" hangingPunct="1">
+              <a:spcBef>
+                <a:spcPts val="300"/>
+              </a:spcBef>
+              <a:buClr>
+                <a:srgbClr val="727CA3">
+                  <a:shade val="75000"/>
+                </a:srgbClr>
+              </a:buClr>
+              <a:buSzPct val="75000"/>
+              <a:buFont typeface="Wingdings 3"/>
+              <a:buChar char=""/>
+              <a:defRPr kumimoji="0" lang="en-US" sz="1400" kern="1200" smtClean="0">
+                <a:solidFill>
+                  <a:schemeClr val="tx1"/>
+                </a:solidFill>
+                <a:latin typeface="+mn-lt"/>
+                <a:ea typeface="+mn-ea"/>
+                <a:cs typeface="+mn-cs"/>
+              </a:defRPr>
+            </a:lvl7pPr>
+            <a:lvl8pPr marL="2011680" indent="-182880" algn="l" rtl="0" eaLnBrk="1" latinLnBrk="0" hangingPunct="1">
+              <a:spcBef>
+                <a:spcPts val="300"/>
+              </a:spcBef>
+              <a:buClr>
+                <a:prstClr val="white">
+                  <a:shade val="50000"/>
+                </a:prstClr>
+              </a:buClr>
+              <a:buSzPct val="75000"/>
+              <a:buFont typeface="Wingdings 3"/>
+              <a:buChar char=""/>
+              <a:defRPr kumimoji="0" lang="en-US" sz="1400" kern="1200" smtClean="0">
+                <a:solidFill>
+                  <a:schemeClr val="tx1"/>
+                </a:solidFill>
+                <a:latin typeface="+mn-lt"/>
+                <a:ea typeface="+mn-ea"/>
+                <a:cs typeface="+mn-cs"/>
+              </a:defRPr>
+            </a:lvl8pPr>
+            <a:lvl9pPr marL="2194560" indent="-182880" algn="l" rtl="0" eaLnBrk="1" latinLnBrk="0" hangingPunct="1">
+              <a:spcBef>
+                <a:spcPts val="300"/>
+              </a:spcBef>
+              <a:buClr>
+                <a:srgbClr val="9FB8CD"/>
+              </a:buClr>
+              <a:buSzPct val="75000"/>
+              <a:buFont typeface="Wingdings 3"/>
+              <a:buChar char=""/>
+              <a:defRPr kumimoji="0" lang="en-US" sz="1200" kern="1200" smtClean="0">
+                <a:solidFill>
+                  <a:schemeClr val="tx1"/>
+                </a:solidFill>
+                <a:latin typeface="+mn-lt"/>
+                <a:ea typeface="+mn-ea"/>
+                <a:cs typeface="+mn-cs"/>
+              </a:defRPr>
+            </a:lvl9pPr>
+          </a:lstStyle>
+          <a:p>
+            <a:pPr marL="0" indent="0" algn="ctr" fontAlgn="auto">
+              <a:spcAft>
+                <a:spcPts val="0"/>
+              </a:spcAft>
+              <a:buFont typeface="Wingdings 3"/>
+              <a:buNone/>
+            </a:pPr>
+            <a:r>
+              <a:rPr lang="en-US" dirty="0" err="1">
+                <a:solidFill>
+                  <a:srgbClr val="C00000"/>
+                </a:solidFill>
+              </a:rPr>
+              <a:t>FindMax</a:t>
+            </a:r>
+            <a:r>
+              <a:rPr lang="en-US" dirty="0">
+                <a:solidFill>
+                  <a:srgbClr val="C00000"/>
+                </a:solidFill>
+              </a:rPr>
+              <a:t>(list, 0, n/2)</a:t>
+            </a:r>
+          </a:p>
+          <a:p>
+            <a:pPr marL="0" indent="0" algn="ctr" fontAlgn="auto">
+              <a:spcAft>
+                <a:spcPts val="0"/>
+              </a:spcAft>
+              <a:buFont typeface="Wingdings 3"/>
+              <a:buNone/>
+            </a:pPr>
+            <a:r>
+              <a:rPr lang="en-US" dirty="0">
+                <a:solidFill>
+                  <a:srgbClr val="C00000"/>
+                </a:solidFill>
+              </a:rPr>
+              <a:t>[x</a:t>
+            </a:r>
+            <a:r>
+              <a:rPr lang="en-US" baseline="-25000" dirty="0">
+                <a:solidFill>
+                  <a:srgbClr val="C00000"/>
+                </a:solidFill>
+              </a:rPr>
+              <a:t>1</a:t>
+            </a:r>
+            <a:r>
+              <a:rPr lang="en-US" dirty="0">
+                <a:solidFill>
+                  <a:srgbClr val="C00000"/>
+                </a:solidFill>
+              </a:rPr>
+              <a:t>, …, </a:t>
+            </a:r>
+            <a:r>
+              <a:rPr lang="en-US" dirty="0" err="1">
+                <a:solidFill>
+                  <a:srgbClr val="C00000"/>
+                </a:solidFill>
+              </a:rPr>
+              <a:t>x</a:t>
+            </a:r>
+            <a:r>
+              <a:rPr lang="en-US" baseline="-25000" dirty="0" err="1">
+                <a:solidFill>
+                  <a:srgbClr val="C00000"/>
+                </a:solidFill>
+              </a:rPr>
+              <a:t>n</a:t>
+            </a:r>
+            <a:r>
+              <a:rPr lang="en-US" baseline="-25000" dirty="0">
+                <a:solidFill>
+                  <a:srgbClr val="C00000"/>
+                </a:solidFill>
+              </a:rPr>
+              <a:t>/2</a:t>
+            </a:r>
+            <a:r>
+              <a:rPr lang="en-US" dirty="0">
+                <a:solidFill>
+                  <a:srgbClr val="C00000"/>
+                </a:solidFill>
+              </a:rPr>
+              <a:t>]</a:t>
+            </a:r>
+          </a:p>
+          <a:p>
+            <a:pPr marL="0" indent="0" algn="ctr" fontAlgn="auto">
+              <a:spcAft>
+                <a:spcPts val="0"/>
+              </a:spcAft>
+              <a:buFont typeface="Wingdings 3"/>
+              <a:buNone/>
+            </a:pPr>
+            <a:endParaRPr lang="en-US" dirty="0"/>
+          </a:p>
+          <a:p>
+            <a:pPr marL="0" indent="0" algn="ctr" fontAlgn="auto">
+              <a:spcAft>
+                <a:spcPts val="0"/>
+              </a:spcAft>
+              <a:buFont typeface="Wingdings 3"/>
+              <a:buNone/>
+            </a:pPr>
+            <a:endParaRPr lang="en-US" dirty="0"/>
+          </a:p>
+        </p:txBody>
+      </p:sp>
+      <p:sp>
+        <p:nvSpPr>
+          <p:cNvPr id="8" name="Content Placeholder 2">
+            <a:extLst>
+              <a:ext uri="{FF2B5EF4-FFF2-40B4-BE49-F238E27FC236}">
+                <a16:creationId xmlns:a16="http://schemas.microsoft.com/office/drawing/2014/main" id="{B94E552E-CAF0-064F-82EA-FF21C160F284}"/>
+              </a:ext>
+            </a:extLst>
+          </p:cNvPr>
+          <p:cNvSpPr txBox="1">
+            <a:spLocks/>
+          </p:cNvSpPr>
+          <p:nvPr/>
+        </p:nvSpPr>
+        <p:spPr>
+          <a:xfrm>
+            <a:off x="7834685" y="2842588"/>
+            <a:ext cx="3625796" cy="1126435"/>
+          </a:xfrm>
+          <a:prstGeom prst="rect">
+            <a:avLst/>
+          </a:prstGeom>
+        </p:spPr>
+        <p:txBody>
+          <a:bodyPr vert="horz">
+            <a:normAutofit/>
+          </a:bodyPr>
+          <a:lstStyle>
+            <a:lvl1pPr marL="274320" indent="-274320" algn="just" rtl="0" eaLnBrk="1" latinLnBrk="0" hangingPunct="1">
+              <a:spcBef>
+                <a:spcPts val="600"/>
+              </a:spcBef>
+              <a:buClr>
+                <a:schemeClr val="accent1"/>
+              </a:buClr>
+              <a:buSzPct val="76000"/>
+              <a:buFont typeface="Wingdings 3"/>
+              <a:buChar char=""/>
+              <a:defRPr kumimoji="0" sz="2600" kern="1200">
+                <a:solidFill>
+                  <a:schemeClr val="tx1"/>
+                </a:solidFill>
+                <a:latin typeface="+mn-lt"/>
+                <a:ea typeface="+mn-ea"/>
+                <a:cs typeface="+mn-cs"/>
+              </a:defRPr>
+            </a:lvl1pPr>
+            <a:lvl2pPr marL="548640" indent="-274320" algn="just" rtl="0" eaLnBrk="1" latinLnBrk="0" hangingPunct="1">
+              <a:spcBef>
+                <a:spcPts val="500"/>
+              </a:spcBef>
+              <a:buClr>
+                <a:schemeClr val="accent2"/>
+              </a:buClr>
+              <a:buSzPct val="76000"/>
+              <a:buFont typeface="Wingdings 3"/>
+              <a:buChar char=""/>
+              <a:defRPr kumimoji="0" sz="2300" kern="1200">
+                <a:solidFill>
+                  <a:schemeClr val="tx2"/>
+                </a:solidFill>
+                <a:latin typeface="+mn-lt"/>
+                <a:ea typeface="+mn-ea"/>
+                <a:cs typeface="+mn-cs"/>
+              </a:defRPr>
+            </a:lvl2pPr>
+            <a:lvl3pPr marL="822960" indent="-228600" algn="just" rtl="0" eaLnBrk="1" latinLnBrk="0" hangingPunct="1">
+              <a:spcBef>
+                <a:spcPts val="500"/>
+              </a:spcBef>
+              <a:buClr>
+                <a:schemeClr val="bg1">
+                  <a:shade val="50000"/>
+                </a:schemeClr>
+              </a:buClr>
+              <a:buSzPct val="76000"/>
+              <a:buFont typeface="Wingdings 3"/>
+              <a:buChar char=""/>
+              <a:defRPr kumimoji="0" sz="2000" kern="1200">
+                <a:solidFill>
+                  <a:schemeClr val="tx1"/>
+                </a:solidFill>
+                <a:latin typeface="+mn-lt"/>
+                <a:ea typeface="+mn-ea"/>
+                <a:cs typeface="+mn-cs"/>
+              </a:defRPr>
+            </a:lvl3pPr>
+            <a:lvl4pPr marL="1097280" indent="-228600" algn="just" rtl="0" eaLnBrk="1" latinLnBrk="0" hangingPunct="1">
+              <a:spcBef>
+                <a:spcPts val="400"/>
+              </a:spcBef>
+              <a:buClr>
+                <a:schemeClr val="accent2">
+                  <a:shade val="75000"/>
+                </a:schemeClr>
+              </a:buClr>
+              <a:buSzPct val="70000"/>
+              <a:buFont typeface="Wingdings"/>
+              <a:buChar char=""/>
+              <a:defRPr kumimoji="0" sz="1800" kern="1200">
+                <a:solidFill>
+                  <a:schemeClr val="tx1"/>
+                </a:solidFill>
+                <a:latin typeface="+mn-lt"/>
+                <a:ea typeface="+mn-ea"/>
+                <a:cs typeface="+mn-cs"/>
+              </a:defRPr>
+            </a:lvl4pPr>
+            <a:lvl5pPr marL="1371600" indent="-228600" algn="just" rtl="0" eaLnBrk="1" latinLnBrk="0" hangingPunct="1">
+              <a:spcBef>
+                <a:spcPts val="300"/>
+              </a:spcBef>
+              <a:buClr>
+                <a:schemeClr val="accent2"/>
+              </a:buClr>
+              <a:buSzPct val="70000"/>
+              <a:buFont typeface="Wingdings"/>
+              <a:buChar char=""/>
+              <a:defRPr kumimoji="0" sz="1600" kern="1200">
+                <a:solidFill>
+                  <a:schemeClr val="tx1"/>
+                </a:solidFill>
+                <a:latin typeface="+mn-lt"/>
+                <a:ea typeface="+mn-ea"/>
+                <a:cs typeface="+mn-cs"/>
+              </a:defRPr>
+            </a:lvl5pPr>
+            <a:lvl6pPr marL="1645920" indent="-182880" algn="l" rtl="0" eaLnBrk="1" latinLnBrk="0" hangingPunct="1">
+              <a:spcBef>
+                <a:spcPts val="300"/>
+              </a:spcBef>
+              <a:buClr>
+                <a:srgbClr val="9FB8CD">
+                  <a:shade val="75000"/>
+                </a:srgbClr>
+              </a:buClr>
+              <a:buSzPct val="75000"/>
+              <a:buFont typeface="Wingdings 3"/>
+              <a:buChar char=""/>
+              <a:defRPr kumimoji="0" lang="en-US" sz="1600" kern="1200" smtClean="0">
+                <a:solidFill>
+                  <a:schemeClr val="tx1"/>
+                </a:solidFill>
+                <a:latin typeface="+mn-lt"/>
+                <a:ea typeface="+mn-ea"/>
+                <a:cs typeface="+mn-cs"/>
+              </a:defRPr>
+            </a:lvl6pPr>
+            <a:lvl7pPr marL="1828800" indent="-182880" algn="l" rtl="0" eaLnBrk="1" latinLnBrk="0" hangingPunct="1">
+              <a:spcBef>
+                <a:spcPts val="300"/>
+              </a:spcBef>
+              <a:buClr>
+                <a:srgbClr val="727CA3">
+                  <a:shade val="75000"/>
+                </a:srgbClr>
+              </a:buClr>
+              <a:buSzPct val="75000"/>
+              <a:buFont typeface="Wingdings 3"/>
+              <a:buChar char=""/>
+              <a:defRPr kumimoji="0" lang="en-US" sz="1400" kern="1200" smtClean="0">
+                <a:solidFill>
+                  <a:schemeClr val="tx1"/>
+                </a:solidFill>
+                <a:latin typeface="+mn-lt"/>
+                <a:ea typeface="+mn-ea"/>
+                <a:cs typeface="+mn-cs"/>
+              </a:defRPr>
+            </a:lvl7pPr>
+            <a:lvl8pPr marL="2011680" indent="-182880" algn="l" rtl="0" eaLnBrk="1" latinLnBrk="0" hangingPunct="1">
+              <a:spcBef>
+                <a:spcPts val="300"/>
+              </a:spcBef>
+              <a:buClr>
+                <a:prstClr val="white">
+                  <a:shade val="50000"/>
+                </a:prstClr>
+              </a:buClr>
+              <a:buSzPct val="75000"/>
+              <a:buFont typeface="Wingdings 3"/>
+              <a:buChar char=""/>
+              <a:defRPr kumimoji="0" lang="en-US" sz="1400" kern="1200" smtClean="0">
+                <a:solidFill>
+                  <a:schemeClr val="tx1"/>
+                </a:solidFill>
+                <a:latin typeface="+mn-lt"/>
+                <a:ea typeface="+mn-ea"/>
+                <a:cs typeface="+mn-cs"/>
+              </a:defRPr>
+            </a:lvl8pPr>
+            <a:lvl9pPr marL="2194560" indent="-182880" algn="l" rtl="0" eaLnBrk="1" latinLnBrk="0" hangingPunct="1">
+              <a:spcBef>
+                <a:spcPts val="300"/>
+              </a:spcBef>
+              <a:buClr>
+                <a:srgbClr val="9FB8CD"/>
+              </a:buClr>
+              <a:buSzPct val="75000"/>
+              <a:buFont typeface="Wingdings 3"/>
+              <a:buChar char=""/>
+              <a:defRPr kumimoji="0" lang="en-US" sz="1200" kern="1200" smtClean="0">
+                <a:solidFill>
+                  <a:schemeClr val="tx1"/>
+                </a:solidFill>
+                <a:latin typeface="+mn-lt"/>
+                <a:ea typeface="+mn-ea"/>
+                <a:cs typeface="+mn-cs"/>
+              </a:defRPr>
+            </a:lvl9pPr>
+          </a:lstStyle>
+          <a:p>
+            <a:pPr marL="0" indent="0" algn="ctr" fontAlgn="auto">
+              <a:spcAft>
+                <a:spcPts val="0"/>
+              </a:spcAft>
+              <a:buFont typeface="Wingdings 3"/>
+              <a:buNone/>
+            </a:pPr>
+            <a:r>
+              <a:rPr lang="en-US" dirty="0" err="1">
+                <a:solidFill>
+                  <a:srgbClr val="C00000"/>
+                </a:solidFill>
+              </a:rPr>
+              <a:t>FindMax</a:t>
+            </a:r>
+            <a:r>
+              <a:rPr lang="en-US" dirty="0">
+                <a:solidFill>
+                  <a:srgbClr val="C00000"/>
+                </a:solidFill>
+              </a:rPr>
+              <a:t>(list, n/2+1, n)</a:t>
+            </a:r>
+          </a:p>
+          <a:p>
+            <a:pPr marL="0" indent="0" algn="ctr" fontAlgn="auto">
+              <a:spcAft>
+                <a:spcPts val="0"/>
+              </a:spcAft>
+              <a:buFont typeface="Wingdings 3"/>
+              <a:buNone/>
+            </a:pPr>
+            <a:r>
+              <a:rPr lang="en-US" dirty="0">
+                <a:solidFill>
+                  <a:srgbClr val="C00000"/>
+                </a:solidFill>
+              </a:rPr>
+              <a:t>[</a:t>
+            </a:r>
+            <a:r>
+              <a:rPr lang="en-US" dirty="0" err="1">
+                <a:solidFill>
+                  <a:srgbClr val="C00000"/>
+                </a:solidFill>
+              </a:rPr>
+              <a:t>x</a:t>
+            </a:r>
+            <a:r>
+              <a:rPr lang="en-US" baseline="-25000" dirty="0" err="1">
+                <a:solidFill>
+                  <a:srgbClr val="C00000"/>
+                </a:solidFill>
+              </a:rPr>
+              <a:t>n</a:t>
+            </a:r>
+            <a:r>
+              <a:rPr lang="en-US" baseline="-25000" dirty="0">
+                <a:solidFill>
+                  <a:srgbClr val="C00000"/>
+                </a:solidFill>
+              </a:rPr>
+              <a:t>/2+1</a:t>
+            </a:r>
+            <a:r>
+              <a:rPr lang="en-US" dirty="0">
+                <a:solidFill>
+                  <a:srgbClr val="C00000"/>
+                </a:solidFill>
+              </a:rPr>
+              <a:t>, …, </a:t>
+            </a:r>
+            <a:r>
+              <a:rPr lang="en-US" dirty="0" err="1">
+                <a:solidFill>
+                  <a:srgbClr val="C00000"/>
+                </a:solidFill>
+              </a:rPr>
+              <a:t>x</a:t>
+            </a:r>
+            <a:r>
+              <a:rPr lang="en-US" baseline="-25000" dirty="0" err="1">
+                <a:solidFill>
+                  <a:srgbClr val="C00000"/>
+                </a:solidFill>
+              </a:rPr>
+              <a:t>n</a:t>
+            </a:r>
+            <a:r>
+              <a:rPr lang="en-US" dirty="0">
+                <a:solidFill>
+                  <a:srgbClr val="C00000"/>
+                </a:solidFill>
+              </a:rPr>
+              <a:t>]</a:t>
+            </a:r>
+          </a:p>
+          <a:p>
+            <a:pPr marL="0" indent="0" algn="ctr" fontAlgn="auto">
+              <a:spcAft>
+                <a:spcPts val="0"/>
+              </a:spcAft>
+              <a:buFont typeface="Wingdings 3"/>
+              <a:buNone/>
+            </a:pPr>
+            <a:endParaRPr lang="en-US" dirty="0"/>
+          </a:p>
+          <a:p>
+            <a:pPr marL="0" indent="0" algn="ctr" fontAlgn="auto">
+              <a:spcAft>
+                <a:spcPts val="0"/>
+              </a:spcAft>
+              <a:buFont typeface="Wingdings 3"/>
+              <a:buNone/>
+            </a:pPr>
+            <a:endParaRPr lang="en-US" dirty="0"/>
+          </a:p>
+        </p:txBody>
+      </p:sp>
+      <p:cxnSp>
+        <p:nvCxnSpPr>
+          <p:cNvPr id="5" name="Straight Arrow Connector 4">
+            <a:extLst>
+              <a:ext uri="{FF2B5EF4-FFF2-40B4-BE49-F238E27FC236}">
+                <a16:creationId xmlns:a16="http://schemas.microsoft.com/office/drawing/2014/main" id="{60D66250-FE6D-6D4F-B11E-6048D198BD66}"/>
+              </a:ext>
+            </a:extLst>
+          </p:cNvPr>
+          <p:cNvCxnSpPr>
+            <a:cxnSpLocks/>
+            <a:stCxn id="3" idx="1"/>
+            <a:endCxn id="7" idx="0"/>
+          </p:cNvCxnSpPr>
+          <p:nvPr/>
+        </p:nvCxnSpPr>
+        <p:spPr>
+          <a:xfrm flipH="1">
+            <a:off x="2235642" y="1782418"/>
+            <a:ext cx="1811572" cy="1060171"/>
+          </a:xfrm>
+          <a:prstGeom prst="straightConnector1">
+            <a:avLst/>
+          </a:prstGeom>
+          <a:ln>
+            <a:tailEnd type="triangle"/>
+          </a:ln>
+        </p:spPr>
+        <p:style>
+          <a:lnRef idx="1">
+            <a:schemeClr val="accent1"/>
+          </a:lnRef>
+          <a:fillRef idx="0">
+            <a:schemeClr val="accent1"/>
+          </a:fillRef>
+          <a:effectRef idx="0">
+            <a:schemeClr val="accent1"/>
+          </a:effectRef>
+          <a:fontRef idx="minor">
+            <a:schemeClr val="tx1"/>
+          </a:fontRef>
+        </p:style>
+      </p:cxnSp>
+      <p:cxnSp>
+        <p:nvCxnSpPr>
+          <p:cNvPr id="11" name="Straight Arrow Connector 10">
+            <a:extLst>
+              <a:ext uri="{FF2B5EF4-FFF2-40B4-BE49-F238E27FC236}">
+                <a16:creationId xmlns:a16="http://schemas.microsoft.com/office/drawing/2014/main" id="{0DA73B93-1F39-CD43-A57B-4D925853FCAA}"/>
+              </a:ext>
+            </a:extLst>
+          </p:cNvPr>
+          <p:cNvCxnSpPr>
+            <a:cxnSpLocks/>
+            <a:stCxn id="3" idx="3"/>
+            <a:endCxn id="8" idx="0"/>
+          </p:cNvCxnSpPr>
+          <p:nvPr/>
+        </p:nvCxnSpPr>
+        <p:spPr>
+          <a:xfrm>
+            <a:off x="7673010" y="1782418"/>
+            <a:ext cx="1974573" cy="1060170"/>
+          </a:xfrm>
+          <a:prstGeom prst="straightConnector1">
+            <a:avLst/>
+          </a:prstGeom>
+          <a:ln>
+            <a:tailEnd type="triangle"/>
+          </a:ln>
+        </p:spPr>
+        <p:style>
+          <a:lnRef idx="1">
+            <a:schemeClr val="accent1"/>
+          </a:lnRef>
+          <a:fillRef idx="0">
+            <a:schemeClr val="accent1"/>
+          </a:fillRef>
+          <a:effectRef idx="0">
+            <a:schemeClr val="accent1"/>
+          </a:effectRef>
+          <a:fontRef idx="minor">
+            <a:schemeClr val="tx1"/>
+          </a:fontRef>
+        </p:style>
+      </p:cxnSp>
+      <p:sp>
+        <p:nvSpPr>
+          <p:cNvPr id="17" name="Content Placeholder 2">
+            <a:extLst>
+              <a:ext uri="{FF2B5EF4-FFF2-40B4-BE49-F238E27FC236}">
+                <a16:creationId xmlns:a16="http://schemas.microsoft.com/office/drawing/2014/main" id="{78A93CA2-3EC1-814E-B7EA-A107EBE1770F}"/>
+              </a:ext>
+            </a:extLst>
+          </p:cNvPr>
+          <p:cNvSpPr txBox="1">
+            <a:spLocks/>
+          </p:cNvSpPr>
+          <p:nvPr/>
+        </p:nvSpPr>
+        <p:spPr>
+          <a:xfrm>
+            <a:off x="609600" y="4169743"/>
+            <a:ext cx="10609689" cy="465867"/>
+          </a:xfrm>
+          <a:prstGeom prst="rect">
+            <a:avLst/>
+          </a:prstGeom>
+        </p:spPr>
+        <p:txBody>
+          <a:bodyPr vert="horz">
+            <a:normAutofit lnSpcReduction="10000"/>
+          </a:bodyPr>
+          <a:lstStyle>
+            <a:lvl1pPr marL="274320" indent="-274320" algn="just" rtl="0" eaLnBrk="1" latinLnBrk="0" hangingPunct="1">
+              <a:spcBef>
+                <a:spcPts val="600"/>
+              </a:spcBef>
+              <a:buClr>
+                <a:schemeClr val="accent1"/>
+              </a:buClr>
+              <a:buSzPct val="76000"/>
+              <a:buFont typeface="Wingdings 3"/>
+              <a:buChar char=""/>
+              <a:defRPr kumimoji="0" sz="2600" kern="1200">
+                <a:solidFill>
+                  <a:schemeClr val="tx1"/>
+                </a:solidFill>
+                <a:latin typeface="+mn-lt"/>
+                <a:ea typeface="+mn-ea"/>
+                <a:cs typeface="+mn-cs"/>
+              </a:defRPr>
+            </a:lvl1pPr>
+            <a:lvl2pPr marL="548640" indent="-274320" algn="just" rtl="0" eaLnBrk="1" latinLnBrk="0" hangingPunct="1">
+              <a:spcBef>
+                <a:spcPts val="500"/>
+              </a:spcBef>
+              <a:buClr>
+                <a:schemeClr val="accent2"/>
+              </a:buClr>
+              <a:buSzPct val="76000"/>
+              <a:buFont typeface="Wingdings 3"/>
+              <a:buChar char=""/>
+              <a:defRPr kumimoji="0" sz="2300" kern="1200">
+                <a:solidFill>
+                  <a:schemeClr val="tx2"/>
+                </a:solidFill>
+                <a:latin typeface="+mn-lt"/>
+                <a:ea typeface="+mn-ea"/>
+                <a:cs typeface="+mn-cs"/>
+              </a:defRPr>
+            </a:lvl2pPr>
+            <a:lvl3pPr marL="822960" indent="-228600" algn="just" rtl="0" eaLnBrk="1" latinLnBrk="0" hangingPunct="1">
+              <a:spcBef>
+                <a:spcPts val="500"/>
+              </a:spcBef>
+              <a:buClr>
+                <a:schemeClr val="bg1">
+                  <a:shade val="50000"/>
+                </a:schemeClr>
+              </a:buClr>
+              <a:buSzPct val="76000"/>
+              <a:buFont typeface="Wingdings 3"/>
+              <a:buChar char=""/>
+              <a:defRPr kumimoji="0" sz="2000" kern="1200">
+                <a:solidFill>
+                  <a:schemeClr val="tx1"/>
+                </a:solidFill>
+                <a:latin typeface="+mn-lt"/>
+                <a:ea typeface="+mn-ea"/>
+                <a:cs typeface="+mn-cs"/>
+              </a:defRPr>
+            </a:lvl3pPr>
+            <a:lvl4pPr marL="1097280" indent="-228600" algn="just" rtl="0" eaLnBrk="1" latinLnBrk="0" hangingPunct="1">
+              <a:spcBef>
+                <a:spcPts val="400"/>
+              </a:spcBef>
+              <a:buClr>
+                <a:schemeClr val="accent2">
+                  <a:shade val="75000"/>
+                </a:schemeClr>
+              </a:buClr>
+              <a:buSzPct val="70000"/>
+              <a:buFont typeface="Wingdings"/>
+              <a:buChar char=""/>
+              <a:defRPr kumimoji="0" sz="1800" kern="1200">
+                <a:solidFill>
+                  <a:schemeClr val="tx1"/>
+                </a:solidFill>
+                <a:latin typeface="+mn-lt"/>
+                <a:ea typeface="+mn-ea"/>
+                <a:cs typeface="+mn-cs"/>
+              </a:defRPr>
+            </a:lvl4pPr>
+            <a:lvl5pPr marL="1371600" indent="-228600" algn="just" rtl="0" eaLnBrk="1" latinLnBrk="0" hangingPunct="1">
+              <a:spcBef>
+                <a:spcPts val="300"/>
+              </a:spcBef>
+              <a:buClr>
+                <a:schemeClr val="accent2"/>
+              </a:buClr>
+              <a:buSzPct val="70000"/>
+              <a:buFont typeface="Wingdings"/>
+              <a:buChar char=""/>
+              <a:defRPr kumimoji="0" sz="1600" kern="1200">
+                <a:solidFill>
+                  <a:schemeClr val="tx1"/>
+                </a:solidFill>
+                <a:latin typeface="+mn-lt"/>
+                <a:ea typeface="+mn-ea"/>
+                <a:cs typeface="+mn-cs"/>
+              </a:defRPr>
+            </a:lvl5pPr>
+            <a:lvl6pPr marL="1645920" indent="-182880" algn="l" rtl="0" eaLnBrk="1" latinLnBrk="0" hangingPunct="1">
+              <a:spcBef>
+                <a:spcPts val="300"/>
+              </a:spcBef>
+              <a:buClr>
+                <a:srgbClr val="9FB8CD">
+                  <a:shade val="75000"/>
+                </a:srgbClr>
+              </a:buClr>
+              <a:buSzPct val="75000"/>
+              <a:buFont typeface="Wingdings 3"/>
+              <a:buChar char=""/>
+              <a:defRPr kumimoji="0" lang="en-US" sz="1600" kern="1200" smtClean="0">
+                <a:solidFill>
+                  <a:schemeClr val="tx1"/>
+                </a:solidFill>
+                <a:latin typeface="+mn-lt"/>
+                <a:ea typeface="+mn-ea"/>
+                <a:cs typeface="+mn-cs"/>
+              </a:defRPr>
+            </a:lvl6pPr>
+            <a:lvl7pPr marL="1828800" indent="-182880" algn="l" rtl="0" eaLnBrk="1" latinLnBrk="0" hangingPunct="1">
+              <a:spcBef>
+                <a:spcPts val="300"/>
+              </a:spcBef>
+              <a:buClr>
+                <a:srgbClr val="727CA3">
+                  <a:shade val="75000"/>
+                </a:srgbClr>
+              </a:buClr>
+              <a:buSzPct val="75000"/>
+              <a:buFont typeface="Wingdings 3"/>
+              <a:buChar char=""/>
+              <a:defRPr kumimoji="0" lang="en-US" sz="1400" kern="1200" smtClean="0">
+                <a:solidFill>
+                  <a:schemeClr val="tx1"/>
+                </a:solidFill>
+                <a:latin typeface="+mn-lt"/>
+                <a:ea typeface="+mn-ea"/>
+                <a:cs typeface="+mn-cs"/>
+              </a:defRPr>
+            </a:lvl7pPr>
+            <a:lvl8pPr marL="2011680" indent="-182880" algn="l" rtl="0" eaLnBrk="1" latinLnBrk="0" hangingPunct="1">
+              <a:spcBef>
+                <a:spcPts val="300"/>
+              </a:spcBef>
+              <a:buClr>
+                <a:prstClr val="white">
+                  <a:shade val="50000"/>
+                </a:prstClr>
+              </a:buClr>
+              <a:buSzPct val="75000"/>
+              <a:buFont typeface="Wingdings 3"/>
+              <a:buChar char=""/>
+              <a:defRPr kumimoji="0" lang="en-US" sz="1400" kern="1200" smtClean="0">
+                <a:solidFill>
+                  <a:schemeClr val="tx1"/>
+                </a:solidFill>
+                <a:latin typeface="+mn-lt"/>
+                <a:ea typeface="+mn-ea"/>
+                <a:cs typeface="+mn-cs"/>
+              </a:defRPr>
+            </a:lvl8pPr>
+            <a:lvl9pPr marL="2194560" indent="-182880" algn="l" rtl="0" eaLnBrk="1" latinLnBrk="0" hangingPunct="1">
+              <a:spcBef>
+                <a:spcPts val="300"/>
+              </a:spcBef>
+              <a:buClr>
+                <a:srgbClr val="9FB8CD"/>
+              </a:buClr>
+              <a:buSzPct val="75000"/>
+              <a:buFont typeface="Wingdings 3"/>
+              <a:buChar char=""/>
+              <a:defRPr kumimoji="0" lang="en-US" sz="1200" kern="1200" smtClean="0">
+                <a:solidFill>
+                  <a:schemeClr val="tx1"/>
+                </a:solidFill>
+                <a:latin typeface="+mn-lt"/>
+                <a:ea typeface="+mn-ea"/>
+                <a:cs typeface="+mn-cs"/>
+              </a:defRPr>
+            </a:lvl9pPr>
+          </a:lstStyle>
+          <a:p>
+            <a:pPr marL="0" indent="0" algn="ctr" fontAlgn="auto">
+              <a:spcAft>
+                <a:spcPts val="0"/>
+              </a:spcAft>
+              <a:buFont typeface="Wingdings 3"/>
+              <a:buNone/>
+            </a:pPr>
+            <a:r>
+              <a:rPr lang="en-US" dirty="0">
+                <a:solidFill>
+                  <a:schemeClr val="accent1">
+                    <a:lumMod val="75000"/>
+                  </a:schemeClr>
+                </a:solidFill>
+              </a:rPr>
+              <a:t>A LOT MORE RECURSION HAPPENS HERE</a:t>
+            </a:r>
+          </a:p>
+        </p:txBody>
+      </p:sp>
+      <p:sp>
+        <p:nvSpPr>
+          <p:cNvPr id="18" name="Content Placeholder 2">
+            <a:extLst>
+              <a:ext uri="{FF2B5EF4-FFF2-40B4-BE49-F238E27FC236}">
+                <a16:creationId xmlns:a16="http://schemas.microsoft.com/office/drawing/2014/main" id="{A30B63ED-112C-E443-8FA5-1FD7445B241A}"/>
+              </a:ext>
+            </a:extLst>
+          </p:cNvPr>
+          <p:cNvSpPr txBox="1">
+            <a:spLocks/>
+          </p:cNvSpPr>
+          <p:nvPr/>
+        </p:nvSpPr>
+        <p:spPr>
+          <a:xfrm>
+            <a:off x="416118" y="5014620"/>
+            <a:ext cx="3625796" cy="1126435"/>
+          </a:xfrm>
+          <a:prstGeom prst="rect">
+            <a:avLst/>
+          </a:prstGeom>
+        </p:spPr>
+        <p:txBody>
+          <a:bodyPr vert="horz">
+            <a:normAutofit/>
+          </a:bodyPr>
+          <a:lstStyle>
+            <a:lvl1pPr marL="274320" indent="-274320" algn="just" rtl="0" eaLnBrk="1" latinLnBrk="0" hangingPunct="1">
+              <a:spcBef>
+                <a:spcPts val="600"/>
+              </a:spcBef>
+              <a:buClr>
+                <a:schemeClr val="accent1"/>
+              </a:buClr>
+              <a:buSzPct val="76000"/>
+              <a:buFont typeface="Wingdings 3"/>
+              <a:buChar char=""/>
+              <a:defRPr kumimoji="0" sz="2600" kern="1200">
+                <a:solidFill>
+                  <a:schemeClr val="tx1"/>
+                </a:solidFill>
+                <a:latin typeface="+mn-lt"/>
+                <a:ea typeface="+mn-ea"/>
+                <a:cs typeface="+mn-cs"/>
+              </a:defRPr>
+            </a:lvl1pPr>
+            <a:lvl2pPr marL="548640" indent="-274320" algn="just" rtl="0" eaLnBrk="1" latinLnBrk="0" hangingPunct="1">
+              <a:spcBef>
+                <a:spcPts val="500"/>
+              </a:spcBef>
+              <a:buClr>
+                <a:schemeClr val="accent2"/>
+              </a:buClr>
+              <a:buSzPct val="76000"/>
+              <a:buFont typeface="Wingdings 3"/>
+              <a:buChar char=""/>
+              <a:defRPr kumimoji="0" sz="2300" kern="1200">
+                <a:solidFill>
+                  <a:schemeClr val="tx2"/>
+                </a:solidFill>
+                <a:latin typeface="+mn-lt"/>
+                <a:ea typeface="+mn-ea"/>
+                <a:cs typeface="+mn-cs"/>
+              </a:defRPr>
+            </a:lvl2pPr>
+            <a:lvl3pPr marL="822960" indent="-228600" algn="just" rtl="0" eaLnBrk="1" latinLnBrk="0" hangingPunct="1">
+              <a:spcBef>
+                <a:spcPts val="500"/>
+              </a:spcBef>
+              <a:buClr>
+                <a:schemeClr val="bg1">
+                  <a:shade val="50000"/>
+                </a:schemeClr>
+              </a:buClr>
+              <a:buSzPct val="76000"/>
+              <a:buFont typeface="Wingdings 3"/>
+              <a:buChar char=""/>
+              <a:defRPr kumimoji="0" sz="2000" kern="1200">
+                <a:solidFill>
+                  <a:schemeClr val="tx1"/>
+                </a:solidFill>
+                <a:latin typeface="+mn-lt"/>
+                <a:ea typeface="+mn-ea"/>
+                <a:cs typeface="+mn-cs"/>
+              </a:defRPr>
+            </a:lvl3pPr>
+            <a:lvl4pPr marL="1097280" indent="-228600" algn="just" rtl="0" eaLnBrk="1" latinLnBrk="0" hangingPunct="1">
+              <a:spcBef>
+                <a:spcPts val="400"/>
+              </a:spcBef>
+              <a:buClr>
+                <a:schemeClr val="accent2">
+                  <a:shade val="75000"/>
+                </a:schemeClr>
+              </a:buClr>
+              <a:buSzPct val="70000"/>
+              <a:buFont typeface="Wingdings"/>
+              <a:buChar char=""/>
+              <a:defRPr kumimoji="0" sz="1800" kern="1200">
+                <a:solidFill>
+                  <a:schemeClr val="tx1"/>
+                </a:solidFill>
+                <a:latin typeface="+mn-lt"/>
+                <a:ea typeface="+mn-ea"/>
+                <a:cs typeface="+mn-cs"/>
+              </a:defRPr>
+            </a:lvl4pPr>
+            <a:lvl5pPr marL="1371600" indent="-228600" algn="just" rtl="0" eaLnBrk="1" latinLnBrk="0" hangingPunct="1">
+              <a:spcBef>
+                <a:spcPts val="300"/>
+              </a:spcBef>
+              <a:buClr>
+                <a:schemeClr val="accent2"/>
+              </a:buClr>
+              <a:buSzPct val="70000"/>
+              <a:buFont typeface="Wingdings"/>
+              <a:buChar char=""/>
+              <a:defRPr kumimoji="0" sz="1600" kern="1200">
+                <a:solidFill>
+                  <a:schemeClr val="tx1"/>
+                </a:solidFill>
+                <a:latin typeface="+mn-lt"/>
+                <a:ea typeface="+mn-ea"/>
+                <a:cs typeface="+mn-cs"/>
+              </a:defRPr>
+            </a:lvl5pPr>
+            <a:lvl6pPr marL="1645920" indent="-182880" algn="l" rtl="0" eaLnBrk="1" latinLnBrk="0" hangingPunct="1">
+              <a:spcBef>
+                <a:spcPts val="300"/>
+              </a:spcBef>
+              <a:buClr>
+                <a:srgbClr val="9FB8CD">
+                  <a:shade val="75000"/>
+                </a:srgbClr>
+              </a:buClr>
+              <a:buSzPct val="75000"/>
+              <a:buFont typeface="Wingdings 3"/>
+              <a:buChar char=""/>
+              <a:defRPr kumimoji="0" lang="en-US" sz="1600" kern="1200" smtClean="0">
+                <a:solidFill>
+                  <a:schemeClr val="tx1"/>
+                </a:solidFill>
+                <a:latin typeface="+mn-lt"/>
+                <a:ea typeface="+mn-ea"/>
+                <a:cs typeface="+mn-cs"/>
+              </a:defRPr>
+            </a:lvl6pPr>
+            <a:lvl7pPr marL="1828800" indent="-182880" algn="l" rtl="0" eaLnBrk="1" latinLnBrk="0" hangingPunct="1">
+              <a:spcBef>
+                <a:spcPts val="300"/>
+              </a:spcBef>
+              <a:buClr>
+                <a:srgbClr val="727CA3">
+                  <a:shade val="75000"/>
+                </a:srgbClr>
+              </a:buClr>
+              <a:buSzPct val="75000"/>
+              <a:buFont typeface="Wingdings 3"/>
+              <a:buChar char=""/>
+              <a:defRPr kumimoji="0" lang="en-US" sz="1400" kern="1200" smtClean="0">
+                <a:solidFill>
+                  <a:schemeClr val="tx1"/>
+                </a:solidFill>
+                <a:latin typeface="+mn-lt"/>
+                <a:ea typeface="+mn-ea"/>
+                <a:cs typeface="+mn-cs"/>
+              </a:defRPr>
+            </a:lvl7pPr>
+            <a:lvl8pPr marL="2011680" indent="-182880" algn="l" rtl="0" eaLnBrk="1" latinLnBrk="0" hangingPunct="1">
+              <a:spcBef>
+                <a:spcPts val="300"/>
+              </a:spcBef>
+              <a:buClr>
+                <a:prstClr val="white">
+                  <a:shade val="50000"/>
+                </a:prstClr>
+              </a:buClr>
+              <a:buSzPct val="75000"/>
+              <a:buFont typeface="Wingdings 3"/>
+              <a:buChar char=""/>
+              <a:defRPr kumimoji="0" lang="en-US" sz="1400" kern="1200" smtClean="0">
+                <a:solidFill>
+                  <a:schemeClr val="tx1"/>
+                </a:solidFill>
+                <a:latin typeface="+mn-lt"/>
+                <a:ea typeface="+mn-ea"/>
+                <a:cs typeface="+mn-cs"/>
+              </a:defRPr>
+            </a:lvl8pPr>
+            <a:lvl9pPr marL="2194560" indent="-182880" algn="l" rtl="0" eaLnBrk="1" latinLnBrk="0" hangingPunct="1">
+              <a:spcBef>
+                <a:spcPts val="300"/>
+              </a:spcBef>
+              <a:buClr>
+                <a:srgbClr val="9FB8CD"/>
+              </a:buClr>
+              <a:buSzPct val="75000"/>
+              <a:buFont typeface="Wingdings 3"/>
+              <a:buChar char=""/>
+              <a:defRPr kumimoji="0" lang="en-US" sz="1200" kern="1200" smtClean="0">
+                <a:solidFill>
+                  <a:schemeClr val="tx1"/>
+                </a:solidFill>
+                <a:latin typeface="+mn-lt"/>
+                <a:ea typeface="+mn-ea"/>
+                <a:cs typeface="+mn-cs"/>
+              </a:defRPr>
+            </a:lvl9pPr>
+          </a:lstStyle>
+          <a:p>
+            <a:pPr marL="0" indent="0" algn="ctr" fontAlgn="auto">
+              <a:spcAft>
+                <a:spcPts val="0"/>
+              </a:spcAft>
+              <a:buFont typeface="Wingdings 3"/>
+              <a:buNone/>
+            </a:pPr>
+            <a:r>
+              <a:rPr lang="en-US" dirty="0">
+                <a:solidFill>
+                  <a:srgbClr val="C00000"/>
+                </a:solidFill>
+              </a:rPr>
+              <a:t>max1, max2</a:t>
+            </a:r>
+          </a:p>
+          <a:p>
+            <a:pPr marL="0" indent="0" algn="ctr" fontAlgn="auto">
+              <a:spcAft>
+                <a:spcPts val="0"/>
+              </a:spcAft>
+              <a:buFont typeface="Wingdings 3"/>
+              <a:buNone/>
+            </a:pPr>
+            <a:endParaRPr lang="en-US" dirty="0">
+              <a:solidFill>
+                <a:srgbClr val="C00000"/>
+              </a:solidFill>
+            </a:endParaRPr>
+          </a:p>
+          <a:p>
+            <a:pPr marL="0" indent="0" algn="ctr" fontAlgn="auto">
+              <a:spcAft>
+                <a:spcPts val="0"/>
+              </a:spcAft>
+              <a:buFont typeface="Wingdings 3"/>
+              <a:buNone/>
+            </a:pPr>
+            <a:endParaRPr lang="en-US" dirty="0">
+              <a:solidFill>
+                <a:srgbClr val="C00000"/>
+              </a:solidFill>
+            </a:endParaRPr>
+          </a:p>
+        </p:txBody>
+      </p:sp>
+      <p:sp>
+        <p:nvSpPr>
+          <p:cNvPr id="19" name="Content Placeholder 2">
+            <a:extLst>
+              <a:ext uri="{FF2B5EF4-FFF2-40B4-BE49-F238E27FC236}">
+                <a16:creationId xmlns:a16="http://schemas.microsoft.com/office/drawing/2014/main" id="{A56B0BF9-B79D-B54E-84C6-032823D1798F}"/>
+              </a:ext>
+            </a:extLst>
+          </p:cNvPr>
+          <p:cNvSpPr txBox="1">
+            <a:spLocks/>
+          </p:cNvSpPr>
+          <p:nvPr/>
+        </p:nvSpPr>
+        <p:spPr>
+          <a:xfrm>
+            <a:off x="8040090" y="5014620"/>
+            <a:ext cx="3625796" cy="1126435"/>
+          </a:xfrm>
+          <a:prstGeom prst="rect">
+            <a:avLst/>
+          </a:prstGeom>
+        </p:spPr>
+        <p:txBody>
+          <a:bodyPr vert="horz">
+            <a:normAutofit/>
+          </a:bodyPr>
+          <a:lstStyle>
+            <a:lvl1pPr marL="274320" indent="-274320" algn="just" rtl="0" eaLnBrk="1" latinLnBrk="0" hangingPunct="1">
+              <a:spcBef>
+                <a:spcPts val="600"/>
+              </a:spcBef>
+              <a:buClr>
+                <a:schemeClr val="accent1"/>
+              </a:buClr>
+              <a:buSzPct val="76000"/>
+              <a:buFont typeface="Wingdings 3"/>
+              <a:buChar char=""/>
+              <a:defRPr kumimoji="0" sz="2600" kern="1200">
+                <a:solidFill>
+                  <a:schemeClr val="tx1"/>
+                </a:solidFill>
+                <a:latin typeface="+mn-lt"/>
+                <a:ea typeface="+mn-ea"/>
+                <a:cs typeface="+mn-cs"/>
+              </a:defRPr>
+            </a:lvl1pPr>
+            <a:lvl2pPr marL="548640" indent="-274320" algn="just" rtl="0" eaLnBrk="1" latinLnBrk="0" hangingPunct="1">
+              <a:spcBef>
+                <a:spcPts val="500"/>
+              </a:spcBef>
+              <a:buClr>
+                <a:schemeClr val="accent2"/>
+              </a:buClr>
+              <a:buSzPct val="76000"/>
+              <a:buFont typeface="Wingdings 3"/>
+              <a:buChar char=""/>
+              <a:defRPr kumimoji="0" sz="2300" kern="1200">
+                <a:solidFill>
+                  <a:schemeClr val="tx2"/>
+                </a:solidFill>
+                <a:latin typeface="+mn-lt"/>
+                <a:ea typeface="+mn-ea"/>
+                <a:cs typeface="+mn-cs"/>
+              </a:defRPr>
+            </a:lvl2pPr>
+            <a:lvl3pPr marL="822960" indent="-228600" algn="just" rtl="0" eaLnBrk="1" latinLnBrk="0" hangingPunct="1">
+              <a:spcBef>
+                <a:spcPts val="500"/>
+              </a:spcBef>
+              <a:buClr>
+                <a:schemeClr val="bg1">
+                  <a:shade val="50000"/>
+                </a:schemeClr>
+              </a:buClr>
+              <a:buSzPct val="76000"/>
+              <a:buFont typeface="Wingdings 3"/>
+              <a:buChar char=""/>
+              <a:defRPr kumimoji="0" sz="2000" kern="1200">
+                <a:solidFill>
+                  <a:schemeClr val="tx1"/>
+                </a:solidFill>
+                <a:latin typeface="+mn-lt"/>
+                <a:ea typeface="+mn-ea"/>
+                <a:cs typeface="+mn-cs"/>
+              </a:defRPr>
+            </a:lvl3pPr>
+            <a:lvl4pPr marL="1097280" indent="-228600" algn="just" rtl="0" eaLnBrk="1" latinLnBrk="0" hangingPunct="1">
+              <a:spcBef>
+                <a:spcPts val="400"/>
+              </a:spcBef>
+              <a:buClr>
+                <a:schemeClr val="accent2">
+                  <a:shade val="75000"/>
+                </a:schemeClr>
+              </a:buClr>
+              <a:buSzPct val="70000"/>
+              <a:buFont typeface="Wingdings"/>
+              <a:buChar char=""/>
+              <a:defRPr kumimoji="0" sz="1800" kern="1200">
+                <a:solidFill>
+                  <a:schemeClr val="tx1"/>
+                </a:solidFill>
+                <a:latin typeface="+mn-lt"/>
+                <a:ea typeface="+mn-ea"/>
+                <a:cs typeface="+mn-cs"/>
+              </a:defRPr>
+            </a:lvl4pPr>
+            <a:lvl5pPr marL="1371600" indent="-228600" algn="just" rtl="0" eaLnBrk="1" latinLnBrk="0" hangingPunct="1">
+              <a:spcBef>
+                <a:spcPts val="300"/>
+              </a:spcBef>
+              <a:buClr>
+                <a:schemeClr val="accent2"/>
+              </a:buClr>
+              <a:buSzPct val="70000"/>
+              <a:buFont typeface="Wingdings"/>
+              <a:buChar char=""/>
+              <a:defRPr kumimoji="0" sz="1600" kern="1200">
+                <a:solidFill>
+                  <a:schemeClr val="tx1"/>
+                </a:solidFill>
+                <a:latin typeface="+mn-lt"/>
+                <a:ea typeface="+mn-ea"/>
+                <a:cs typeface="+mn-cs"/>
+              </a:defRPr>
+            </a:lvl5pPr>
+            <a:lvl6pPr marL="1645920" indent="-182880" algn="l" rtl="0" eaLnBrk="1" latinLnBrk="0" hangingPunct="1">
+              <a:spcBef>
+                <a:spcPts val="300"/>
+              </a:spcBef>
+              <a:buClr>
+                <a:srgbClr val="9FB8CD">
+                  <a:shade val="75000"/>
+                </a:srgbClr>
+              </a:buClr>
+              <a:buSzPct val="75000"/>
+              <a:buFont typeface="Wingdings 3"/>
+              <a:buChar char=""/>
+              <a:defRPr kumimoji="0" lang="en-US" sz="1600" kern="1200" smtClean="0">
+                <a:solidFill>
+                  <a:schemeClr val="tx1"/>
+                </a:solidFill>
+                <a:latin typeface="+mn-lt"/>
+                <a:ea typeface="+mn-ea"/>
+                <a:cs typeface="+mn-cs"/>
+              </a:defRPr>
+            </a:lvl6pPr>
+            <a:lvl7pPr marL="1828800" indent="-182880" algn="l" rtl="0" eaLnBrk="1" latinLnBrk="0" hangingPunct="1">
+              <a:spcBef>
+                <a:spcPts val="300"/>
+              </a:spcBef>
+              <a:buClr>
+                <a:srgbClr val="727CA3">
+                  <a:shade val="75000"/>
+                </a:srgbClr>
+              </a:buClr>
+              <a:buSzPct val="75000"/>
+              <a:buFont typeface="Wingdings 3"/>
+              <a:buChar char=""/>
+              <a:defRPr kumimoji="0" lang="en-US" sz="1400" kern="1200" smtClean="0">
+                <a:solidFill>
+                  <a:schemeClr val="tx1"/>
+                </a:solidFill>
+                <a:latin typeface="+mn-lt"/>
+                <a:ea typeface="+mn-ea"/>
+                <a:cs typeface="+mn-cs"/>
+              </a:defRPr>
+            </a:lvl7pPr>
+            <a:lvl8pPr marL="2011680" indent="-182880" algn="l" rtl="0" eaLnBrk="1" latinLnBrk="0" hangingPunct="1">
+              <a:spcBef>
+                <a:spcPts val="300"/>
+              </a:spcBef>
+              <a:buClr>
+                <a:prstClr val="white">
+                  <a:shade val="50000"/>
+                </a:prstClr>
+              </a:buClr>
+              <a:buSzPct val="75000"/>
+              <a:buFont typeface="Wingdings 3"/>
+              <a:buChar char=""/>
+              <a:defRPr kumimoji="0" lang="en-US" sz="1400" kern="1200" smtClean="0">
+                <a:solidFill>
+                  <a:schemeClr val="tx1"/>
+                </a:solidFill>
+                <a:latin typeface="+mn-lt"/>
+                <a:ea typeface="+mn-ea"/>
+                <a:cs typeface="+mn-cs"/>
+              </a:defRPr>
+            </a:lvl8pPr>
+            <a:lvl9pPr marL="2194560" indent="-182880" algn="l" rtl="0" eaLnBrk="1" latinLnBrk="0" hangingPunct="1">
+              <a:spcBef>
+                <a:spcPts val="300"/>
+              </a:spcBef>
+              <a:buClr>
+                <a:srgbClr val="9FB8CD"/>
+              </a:buClr>
+              <a:buSzPct val="75000"/>
+              <a:buFont typeface="Wingdings 3"/>
+              <a:buChar char=""/>
+              <a:defRPr kumimoji="0" lang="en-US" sz="1200" kern="1200" smtClean="0">
+                <a:solidFill>
+                  <a:schemeClr val="tx1"/>
+                </a:solidFill>
+                <a:latin typeface="+mn-lt"/>
+                <a:ea typeface="+mn-ea"/>
+                <a:cs typeface="+mn-cs"/>
+              </a:defRPr>
+            </a:lvl9pPr>
+          </a:lstStyle>
+          <a:p>
+            <a:pPr marL="0" indent="0" algn="ctr" fontAlgn="auto">
+              <a:spcAft>
+                <a:spcPts val="0"/>
+              </a:spcAft>
+              <a:buFont typeface="Wingdings 3"/>
+              <a:buNone/>
+            </a:pPr>
+            <a:r>
+              <a:rPr lang="en-US" dirty="0">
+                <a:solidFill>
+                  <a:srgbClr val="C00000"/>
+                </a:solidFill>
+              </a:rPr>
+              <a:t>max1, max2</a:t>
+            </a:r>
+          </a:p>
+          <a:p>
+            <a:pPr marL="0" indent="0" algn="ctr" fontAlgn="auto">
+              <a:spcAft>
+                <a:spcPts val="0"/>
+              </a:spcAft>
+              <a:buFont typeface="Wingdings 3"/>
+              <a:buNone/>
+            </a:pPr>
+            <a:endParaRPr lang="en-US" dirty="0"/>
+          </a:p>
+          <a:p>
+            <a:pPr marL="0" indent="0" algn="ctr" fontAlgn="auto">
+              <a:spcAft>
+                <a:spcPts val="0"/>
+              </a:spcAft>
+              <a:buFont typeface="Wingdings 3"/>
+              <a:buNone/>
+            </a:pPr>
+            <a:endParaRPr lang="en-US" dirty="0"/>
+          </a:p>
+        </p:txBody>
+      </p:sp>
+      <p:cxnSp>
+        <p:nvCxnSpPr>
+          <p:cNvPr id="20" name="Straight Arrow Connector 19">
+            <a:extLst>
+              <a:ext uri="{FF2B5EF4-FFF2-40B4-BE49-F238E27FC236}">
+                <a16:creationId xmlns:a16="http://schemas.microsoft.com/office/drawing/2014/main" id="{84E06A6F-63CA-834B-A788-9C626E58DC3A}"/>
+              </a:ext>
+            </a:extLst>
+          </p:cNvPr>
+          <p:cNvCxnSpPr>
+            <a:cxnSpLocks/>
+          </p:cNvCxnSpPr>
+          <p:nvPr/>
+        </p:nvCxnSpPr>
+        <p:spPr>
+          <a:xfrm>
+            <a:off x="2235642" y="3872590"/>
+            <a:ext cx="626828" cy="297153"/>
+          </a:xfrm>
+          <a:prstGeom prst="straightConnector1">
+            <a:avLst/>
+          </a:prstGeom>
+          <a:ln>
+            <a:tailEnd type="triangle"/>
+          </a:ln>
+        </p:spPr>
+        <p:style>
+          <a:lnRef idx="1">
+            <a:schemeClr val="accent1"/>
+          </a:lnRef>
+          <a:fillRef idx="0">
+            <a:schemeClr val="accent1"/>
+          </a:fillRef>
+          <a:effectRef idx="0">
+            <a:schemeClr val="accent1"/>
+          </a:effectRef>
+          <a:fontRef idx="minor">
+            <a:schemeClr val="tx1"/>
+          </a:fontRef>
+        </p:style>
+      </p:cxnSp>
+      <p:cxnSp>
+        <p:nvCxnSpPr>
+          <p:cNvPr id="22" name="Straight Arrow Connector 21">
+            <a:extLst>
+              <a:ext uri="{FF2B5EF4-FFF2-40B4-BE49-F238E27FC236}">
+                <a16:creationId xmlns:a16="http://schemas.microsoft.com/office/drawing/2014/main" id="{221093DB-5588-9E49-AC0A-0CCE65E012C7}"/>
+              </a:ext>
+            </a:extLst>
+          </p:cNvPr>
+          <p:cNvCxnSpPr>
+            <a:cxnSpLocks/>
+          </p:cNvCxnSpPr>
+          <p:nvPr/>
+        </p:nvCxnSpPr>
+        <p:spPr>
+          <a:xfrm flipH="1">
+            <a:off x="2137664" y="4548753"/>
+            <a:ext cx="669146" cy="548033"/>
+          </a:xfrm>
+          <a:prstGeom prst="straightConnector1">
+            <a:avLst/>
+          </a:prstGeom>
+          <a:ln>
+            <a:tailEnd type="triangle"/>
+          </a:ln>
+        </p:spPr>
+        <p:style>
+          <a:lnRef idx="1">
+            <a:schemeClr val="accent1"/>
+          </a:lnRef>
+          <a:fillRef idx="0">
+            <a:schemeClr val="accent1"/>
+          </a:fillRef>
+          <a:effectRef idx="0">
+            <a:schemeClr val="accent1"/>
+          </a:effectRef>
+          <a:fontRef idx="minor">
+            <a:schemeClr val="tx1"/>
+          </a:fontRef>
+        </p:style>
+      </p:cxnSp>
+      <p:cxnSp>
+        <p:nvCxnSpPr>
+          <p:cNvPr id="25" name="Straight Arrow Connector 24">
+            <a:extLst>
+              <a:ext uri="{FF2B5EF4-FFF2-40B4-BE49-F238E27FC236}">
+                <a16:creationId xmlns:a16="http://schemas.microsoft.com/office/drawing/2014/main" id="{78D78C6B-90D9-0349-ACFE-663AE1C34167}"/>
+              </a:ext>
+            </a:extLst>
+          </p:cNvPr>
+          <p:cNvCxnSpPr>
+            <a:cxnSpLocks/>
+          </p:cNvCxnSpPr>
+          <p:nvPr/>
+        </p:nvCxnSpPr>
+        <p:spPr>
+          <a:xfrm flipH="1">
+            <a:off x="8935941" y="3872590"/>
+            <a:ext cx="430696" cy="297153"/>
+          </a:xfrm>
+          <a:prstGeom prst="straightConnector1">
+            <a:avLst/>
+          </a:prstGeom>
+          <a:ln>
+            <a:tailEnd type="triangle"/>
+          </a:ln>
+        </p:spPr>
+        <p:style>
+          <a:lnRef idx="1">
+            <a:schemeClr val="accent1"/>
+          </a:lnRef>
+          <a:fillRef idx="0">
+            <a:schemeClr val="accent1"/>
+          </a:fillRef>
+          <a:effectRef idx="0">
+            <a:schemeClr val="accent1"/>
+          </a:effectRef>
+          <a:fontRef idx="minor">
+            <a:schemeClr val="tx1"/>
+          </a:fontRef>
+        </p:style>
+      </p:cxnSp>
+      <p:cxnSp>
+        <p:nvCxnSpPr>
+          <p:cNvPr id="26" name="Straight Arrow Connector 25">
+            <a:extLst>
+              <a:ext uri="{FF2B5EF4-FFF2-40B4-BE49-F238E27FC236}">
+                <a16:creationId xmlns:a16="http://schemas.microsoft.com/office/drawing/2014/main" id="{9B4701F2-D63C-F04F-8ABE-F3761FC40795}"/>
+              </a:ext>
+            </a:extLst>
+          </p:cNvPr>
+          <p:cNvCxnSpPr>
+            <a:cxnSpLocks/>
+            <a:endCxn id="19" idx="0"/>
+          </p:cNvCxnSpPr>
+          <p:nvPr/>
+        </p:nvCxnSpPr>
+        <p:spPr>
+          <a:xfrm>
+            <a:off x="8929315" y="4548753"/>
+            <a:ext cx="923673" cy="465867"/>
+          </a:xfrm>
+          <a:prstGeom prst="straightConnector1">
+            <a:avLst/>
+          </a:prstGeom>
+          <a:ln>
+            <a:tailEnd type="triangle"/>
+          </a:ln>
+        </p:spPr>
+        <p:style>
+          <a:lnRef idx="1">
+            <a:schemeClr val="accent1"/>
+          </a:lnRef>
+          <a:fillRef idx="0">
+            <a:schemeClr val="accent1"/>
+          </a:fillRef>
+          <a:effectRef idx="0">
+            <a:schemeClr val="accent1"/>
+          </a:effectRef>
+          <a:fontRef idx="minor">
+            <a:schemeClr val="tx1"/>
+          </a:fontRef>
+        </p:style>
+      </p:cxnSp>
+      <p:cxnSp>
+        <p:nvCxnSpPr>
+          <p:cNvPr id="38" name="Straight Arrow Connector 37">
+            <a:extLst>
+              <a:ext uri="{FF2B5EF4-FFF2-40B4-BE49-F238E27FC236}">
+                <a16:creationId xmlns:a16="http://schemas.microsoft.com/office/drawing/2014/main" id="{EE042512-9F2A-5F41-AC3B-C1AB56C0E569}"/>
+              </a:ext>
+            </a:extLst>
+          </p:cNvPr>
+          <p:cNvCxnSpPr>
+            <a:cxnSpLocks/>
+          </p:cNvCxnSpPr>
+          <p:nvPr/>
+        </p:nvCxnSpPr>
+        <p:spPr>
+          <a:xfrm>
+            <a:off x="3141428" y="5271715"/>
+            <a:ext cx="1446451" cy="0"/>
+          </a:xfrm>
+          <a:prstGeom prst="straightConnector1">
+            <a:avLst/>
+          </a:prstGeom>
+          <a:ln>
+            <a:tailEnd type="triangle"/>
+          </a:ln>
+        </p:spPr>
+        <p:style>
+          <a:lnRef idx="1">
+            <a:schemeClr val="accent1"/>
+          </a:lnRef>
+          <a:fillRef idx="0">
+            <a:schemeClr val="accent1"/>
+          </a:fillRef>
+          <a:effectRef idx="0">
+            <a:schemeClr val="accent1"/>
+          </a:effectRef>
+          <a:fontRef idx="minor">
+            <a:schemeClr val="tx1"/>
+          </a:fontRef>
+        </p:style>
+      </p:cxnSp>
+      <p:cxnSp>
+        <p:nvCxnSpPr>
+          <p:cNvPr id="39" name="Straight Arrow Connector 38">
+            <a:extLst>
+              <a:ext uri="{FF2B5EF4-FFF2-40B4-BE49-F238E27FC236}">
+                <a16:creationId xmlns:a16="http://schemas.microsoft.com/office/drawing/2014/main" id="{3FC9D9F5-F84B-7349-BA80-F3A03323A5E5}"/>
+              </a:ext>
+            </a:extLst>
+          </p:cNvPr>
+          <p:cNvCxnSpPr>
+            <a:cxnSpLocks/>
+          </p:cNvCxnSpPr>
+          <p:nvPr/>
+        </p:nvCxnSpPr>
+        <p:spPr>
+          <a:xfrm flipH="1">
+            <a:off x="6528021" y="5296177"/>
+            <a:ext cx="2401295" cy="0"/>
+          </a:xfrm>
+          <a:prstGeom prst="straightConnector1">
+            <a:avLst/>
+          </a:prstGeom>
+          <a:ln>
+            <a:tailEnd type="triangle"/>
+          </a:ln>
+        </p:spPr>
+        <p:style>
+          <a:lnRef idx="1">
+            <a:schemeClr val="accent1"/>
+          </a:lnRef>
+          <a:fillRef idx="0">
+            <a:schemeClr val="accent1"/>
+          </a:fillRef>
+          <a:effectRef idx="0">
+            <a:schemeClr val="accent1"/>
+          </a:effectRef>
+          <a:fontRef idx="minor">
+            <a:schemeClr val="tx1"/>
+          </a:fontRef>
+        </p:style>
+      </p:cxnSp>
+      <p:sp>
+        <p:nvSpPr>
+          <p:cNvPr id="44" name="Content Placeholder 2">
+            <a:extLst>
+              <a:ext uri="{FF2B5EF4-FFF2-40B4-BE49-F238E27FC236}">
+                <a16:creationId xmlns:a16="http://schemas.microsoft.com/office/drawing/2014/main" id="{97E3AEEA-38EE-004C-95C2-04444555F012}"/>
+              </a:ext>
+            </a:extLst>
+          </p:cNvPr>
+          <p:cNvSpPr txBox="1">
+            <a:spLocks/>
+          </p:cNvSpPr>
+          <p:nvPr/>
+        </p:nvSpPr>
+        <p:spPr>
+          <a:xfrm>
+            <a:off x="4495800" y="5110035"/>
+            <a:ext cx="2263473" cy="1521353"/>
+          </a:xfrm>
+          <a:prstGeom prst="rect">
+            <a:avLst/>
+          </a:prstGeom>
+        </p:spPr>
+        <p:txBody>
+          <a:bodyPr vert="horz">
+            <a:normAutofit fontScale="92500" lnSpcReduction="20000"/>
+          </a:bodyPr>
+          <a:lstStyle>
+            <a:lvl1pPr marL="274320" indent="-274320" algn="just" rtl="0" eaLnBrk="1" latinLnBrk="0" hangingPunct="1">
+              <a:spcBef>
+                <a:spcPts val="600"/>
+              </a:spcBef>
+              <a:buClr>
+                <a:schemeClr val="accent1"/>
+              </a:buClr>
+              <a:buSzPct val="76000"/>
+              <a:buFont typeface="Wingdings 3"/>
+              <a:buChar char=""/>
+              <a:defRPr kumimoji="0" sz="2600" kern="1200">
+                <a:solidFill>
+                  <a:schemeClr val="tx1"/>
+                </a:solidFill>
+                <a:latin typeface="+mn-lt"/>
+                <a:ea typeface="+mn-ea"/>
+                <a:cs typeface="+mn-cs"/>
+              </a:defRPr>
+            </a:lvl1pPr>
+            <a:lvl2pPr marL="548640" indent="-274320" algn="just" rtl="0" eaLnBrk="1" latinLnBrk="0" hangingPunct="1">
+              <a:spcBef>
+                <a:spcPts val="500"/>
+              </a:spcBef>
+              <a:buClr>
+                <a:schemeClr val="accent2"/>
+              </a:buClr>
+              <a:buSzPct val="76000"/>
+              <a:buFont typeface="Wingdings 3"/>
+              <a:buChar char=""/>
+              <a:defRPr kumimoji="0" sz="2300" kern="1200">
+                <a:solidFill>
+                  <a:schemeClr val="tx2"/>
+                </a:solidFill>
+                <a:latin typeface="+mn-lt"/>
+                <a:ea typeface="+mn-ea"/>
+                <a:cs typeface="+mn-cs"/>
+              </a:defRPr>
+            </a:lvl2pPr>
+            <a:lvl3pPr marL="822960" indent="-228600" algn="just" rtl="0" eaLnBrk="1" latinLnBrk="0" hangingPunct="1">
+              <a:spcBef>
+                <a:spcPts val="500"/>
+              </a:spcBef>
+              <a:buClr>
+                <a:schemeClr val="bg1">
+                  <a:shade val="50000"/>
+                </a:schemeClr>
+              </a:buClr>
+              <a:buSzPct val="76000"/>
+              <a:buFont typeface="Wingdings 3"/>
+              <a:buChar char=""/>
+              <a:defRPr kumimoji="0" sz="2000" kern="1200">
+                <a:solidFill>
+                  <a:schemeClr val="tx1"/>
+                </a:solidFill>
+                <a:latin typeface="+mn-lt"/>
+                <a:ea typeface="+mn-ea"/>
+                <a:cs typeface="+mn-cs"/>
+              </a:defRPr>
+            </a:lvl3pPr>
+            <a:lvl4pPr marL="1097280" indent="-228600" algn="just" rtl="0" eaLnBrk="1" latinLnBrk="0" hangingPunct="1">
+              <a:spcBef>
+                <a:spcPts val="400"/>
+              </a:spcBef>
+              <a:buClr>
+                <a:schemeClr val="accent2">
+                  <a:shade val="75000"/>
+                </a:schemeClr>
+              </a:buClr>
+              <a:buSzPct val="70000"/>
+              <a:buFont typeface="Wingdings"/>
+              <a:buChar char=""/>
+              <a:defRPr kumimoji="0" sz="1800" kern="1200">
+                <a:solidFill>
+                  <a:schemeClr val="tx1"/>
+                </a:solidFill>
+                <a:latin typeface="+mn-lt"/>
+                <a:ea typeface="+mn-ea"/>
+                <a:cs typeface="+mn-cs"/>
+              </a:defRPr>
+            </a:lvl4pPr>
+            <a:lvl5pPr marL="1371600" indent="-228600" algn="just" rtl="0" eaLnBrk="1" latinLnBrk="0" hangingPunct="1">
+              <a:spcBef>
+                <a:spcPts val="300"/>
+              </a:spcBef>
+              <a:buClr>
+                <a:schemeClr val="accent2"/>
+              </a:buClr>
+              <a:buSzPct val="70000"/>
+              <a:buFont typeface="Wingdings"/>
+              <a:buChar char=""/>
+              <a:defRPr kumimoji="0" sz="1600" kern="1200">
+                <a:solidFill>
+                  <a:schemeClr val="tx1"/>
+                </a:solidFill>
+                <a:latin typeface="+mn-lt"/>
+                <a:ea typeface="+mn-ea"/>
+                <a:cs typeface="+mn-cs"/>
+              </a:defRPr>
+            </a:lvl5pPr>
+            <a:lvl6pPr marL="1645920" indent="-182880" algn="l" rtl="0" eaLnBrk="1" latinLnBrk="0" hangingPunct="1">
+              <a:spcBef>
+                <a:spcPts val="300"/>
+              </a:spcBef>
+              <a:buClr>
+                <a:srgbClr val="9FB8CD">
+                  <a:shade val="75000"/>
+                </a:srgbClr>
+              </a:buClr>
+              <a:buSzPct val="75000"/>
+              <a:buFont typeface="Wingdings 3"/>
+              <a:buChar char=""/>
+              <a:defRPr kumimoji="0" lang="en-US" sz="1600" kern="1200" smtClean="0">
+                <a:solidFill>
+                  <a:schemeClr val="tx1"/>
+                </a:solidFill>
+                <a:latin typeface="+mn-lt"/>
+                <a:ea typeface="+mn-ea"/>
+                <a:cs typeface="+mn-cs"/>
+              </a:defRPr>
+            </a:lvl6pPr>
+            <a:lvl7pPr marL="1828800" indent="-182880" algn="l" rtl="0" eaLnBrk="1" latinLnBrk="0" hangingPunct="1">
+              <a:spcBef>
+                <a:spcPts val="300"/>
+              </a:spcBef>
+              <a:buClr>
+                <a:srgbClr val="727CA3">
+                  <a:shade val="75000"/>
+                </a:srgbClr>
+              </a:buClr>
+              <a:buSzPct val="75000"/>
+              <a:buFont typeface="Wingdings 3"/>
+              <a:buChar char=""/>
+              <a:defRPr kumimoji="0" lang="en-US" sz="1400" kern="1200" smtClean="0">
+                <a:solidFill>
+                  <a:schemeClr val="tx1"/>
+                </a:solidFill>
+                <a:latin typeface="+mn-lt"/>
+                <a:ea typeface="+mn-ea"/>
+                <a:cs typeface="+mn-cs"/>
+              </a:defRPr>
+            </a:lvl7pPr>
+            <a:lvl8pPr marL="2011680" indent="-182880" algn="l" rtl="0" eaLnBrk="1" latinLnBrk="0" hangingPunct="1">
+              <a:spcBef>
+                <a:spcPts val="300"/>
+              </a:spcBef>
+              <a:buClr>
+                <a:prstClr val="white">
+                  <a:shade val="50000"/>
+                </a:prstClr>
+              </a:buClr>
+              <a:buSzPct val="75000"/>
+              <a:buFont typeface="Wingdings 3"/>
+              <a:buChar char=""/>
+              <a:defRPr kumimoji="0" lang="en-US" sz="1400" kern="1200" smtClean="0">
+                <a:solidFill>
+                  <a:schemeClr val="tx1"/>
+                </a:solidFill>
+                <a:latin typeface="+mn-lt"/>
+                <a:ea typeface="+mn-ea"/>
+                <a:cs typeface="+mn-cs"/>
+              </a:defRPr>
+            </a:lvl8pPr>
+            <a:lvl9pPr marL="2194560" indent="-182880" algn="l" rtl="0" eaLnBrk="1" latinLnBrk="0" hangingPunct="1">
+              <a:spcBef>
+                <a:spcPts val="300"/>
+              </a:spcBef>
+              <a:buClr>
+                <a:srgbClr val="9FB8CD"/>
+              </a:buClr>
+              <a:buSzPct val="75000"/>
+              <a:buFont typeface="Wingdings 3"/>
+              <a:buChar char=""/>
+              <a:defRPr kumimoji="0" lang="en-US" sz="1200" kern="1200" smtClean="0">
+                <a:solidFill>
+                  <a:schemeClr val="tx1"/>
+                </a:solidFill>
+                <a:latin typeface="+mn-lt"/>
+                <a:ea typeface="+mn-ea"/>
+                <a:cs typeface="+mn-cs"/>
+              </a:defRPr>
+            </a:lvl9pPr>
+          </a:lstStyle>
+          <a:p>
+            <a:pPr marL="0" indent="0" algn="ctr" fontAlgn="auto">
+              <a:spcAft>
+                <a:spcPts val="0"/>
+              </a:spcAft>
+              <a:buFont typeface="Wingdings 3"/>
+              <a:buNone/>
+            </a:pPr>
+            <a:r>
+              <a:rPr lang="en-US" dirty="0"/>
+              <a:t>combine()</a:t>
+            </a:r>
+          </a:p>
+          <a:p>
+            <a:pPr marL="0" indent="0" algn="ctr" fontAlgn="auto">
+              <a:spcAft>
+                <a:spcPts val="0"/>
+              </a:spcAft>
+              <a:buFont typeface="Wingdings 3"/>
+              <a:buNone/>
+            </a:pPr>
+            <a:endParaRPr lang="en-US" dirty="0"/>
+          </a:p>
+          <a:p>
+            <a:pPr marL="0" indent="0" algn="ctr" fontAlgn="auto">
+              <a:spcAft>
+                <a:spcPts val="0"/>
+              </a:spcAft>
+              <a:buFont typeface="Wingdings 3"/>
+              <a:buNone/>
+            </a:pPr>
+            <a:r>
+              <a:rPr lang="en-US" dirty="0">
+                <a:solidFill>
+                  <a:srgbClr val="00B050"/>
+                </a:solidFill>
+              </a:rPr>
+              <a:t>return real max1, max2</a:t>
+            </a:r>
+          </a:p>
+        </p:txBody>
+      </p:sp>
+    </p:spTree>
+    <p:extLst>
+      <p:ext uri="{BB962C8B-B14F-4D97-AF65-F5344CB8AC3E}">
+        <p14:creationId xmlns:p14="http://schemas.microsoft.com/office/powerpoint/2010/main" val="3976291500"/>
+      </p:ext>
+    </p:extLst>
+  </p:cSld>
+  <p:clrMapOvr>
+    <a:masterClrMapping/>
+  </p:clrMapOvr>
+</p:sld>
+</file>
+
+<file path=ppt/slides/slide15.xml><?xml version="1.0" encoding="utf-8"?>
+<p:sld xmlns:a="http://schemas.openxmlformats.org/drawingml/2006/main" xmlns:r="http://schemas.openxmlformats.org/officeDocument/2006/relationships" xmlns:p="http://schemas.openxmlformats.org/presentationml/2006/main">
+  <p:cSld>
+    <p:spTree>
+      <p:nvGrpSpPr>
+        <p:cNvPr id="1" name=""/>
+        <p:cNvGrpSpPr/>
+        <p:nvPr/>
+      </p:nvGrpSpPr>
+      <p:grpSpPr>
+        <a:xfrm>
+          <a:off x="0" y="0"/>
+          <a:ext cx="0" cy="0"/>
+          <a:chOff x="0" y="0"/>
+          <a:chExt cx="0" cy="0"/>
+        </a:xfrm>
+      </p:grpSpPr>
+      <p:sp>
+        <p:nvSpPr>
+          <p:cNvPr id="32770" name="Rectangle 2"/>
+          <p:cNvSpPr>
+            <a:spLocks noGrp="1" noChangeArrowheads="1"/>
+          </p:cNvSpPr>
+          <p:nvPr>
+            <p:ph type="title"/>
+            <p:custDataLst>
+              <p:tags r:id="rId1"/>
+            </p:custDataLst>
+          </p:nvPr>
+        </p:nvSpPr>
+        <p:spPr/>
+        <p:txBody>
+          <a:bodyPr/>
+          <a:lstStyle/>
+          <a:p>
+            <a:r>
+              <a:rPr lang="en-US" dirty="0"/>
+              <a:t>Solution</a:t>
+            </a:r>
+          </a:p>
+        </p:txBody>
+      </p:sp>
+      <p:sp>
+        <p:nvSpPr>
+          <p:cNvPr id="6" name="Slide Number Placeholder 5"/>
+          <p:cNvSpPr>
+            <a:spLocks noGrp="1"/>
+          </p:cNvSpPr>
+          <p:nvPr>
+            <p:ph type="sldNum" sz="quarter" idx="12"/>
+          </p:nvPr>
+        </p:nvSpPr>
+        <p:spPr/>
+        <p:txBody>
+          <a:bodyPr/>
+          <a:lstStyle/>
+          <a:p>
+            <a:fld id="{0E0CE5E1-73E6-4EC0-A549-568A23C84235}" type="slidenum">
+              <a:rPr lang="en-US" smtClean="0"/>
+              <a:pPr/>
+              <a:t>15</a:t>
+            </a:fld>
+            <a:endParaRPr lang="en-US"/>
+          </a:p>
+        </p:txBody>
+      </p:sp>
+      <p:sp>
+        <p:nvSpPr>
+          <p:cNvPr id="32771" name="Rectangle 3"/>
+          <p:cNvSpPr>
+            <a:spLocks noGrp="1" noChangeArrowheads="1"/>
+          </p:cNvSpPr>
+          <p:nvPr>
+            <p:ph sz="quarter" idx="1"/>
+            <p:custDataLst>
+              <p:tags r:id="rId2"/>
+            </p:custDataLst>
+          </p:nvPr>
+        </p:nvSpPr>
+        <p:spPr/>
+        <p:txBody>
+          <a:bodyPr/>
+          <a:lstStyle/>
+          <a:p>
+            <a:r>
+              <a:rPr lang="en-US" dirty="0"/>
+              <a:t>Base Case?</a:t>
+            </a:r>
+          </a:p>
+          <a:p>
+            <a:pPr lvl="1"/>
+            <a:r>
+              <a:rPr lang="en-US" dirty="0"/>
+              <a:t>When n is small (say, n&lt;=3), just manually check and return two largest values</a:t>
+            </a:r>
+          </a:p>
+          <a:p>
+            <a:pPr lvl="1"/>
+            <a:r>
+              <a:rPr lang="en-US" dirty="0"/>
+              <a:t>What would happen if we let n=1 during recursion? Can we solve that issue?</a:t>
+            </a:r>
+          </a:p>
+          <a:p>
+            <a:pPr lvl="1"/>
+            <a:endParaRPr lang="en-US" dirty="0"/>
+          </a:p>
+          <a:p>
+            <a:r>
+              <a:rPr lang="en-US" dirty="0"/>
+              <a:t>Divide:</a:t>
+            </a:r>
+          </a:p>
+          <a:p>
+            <a:pPr lvl="1"/>
+            <a:r>
+              <a:rPr lang="en-US" dirty="0"/>
+              <a:t>Split list in half and make two recursive calls</a:t>
+            </a:r>
+          </a:p>
+          <a:p>
+            <a:pPr lvl="1"/>
+            <a:endParaRPr lang="en-US" dirty="0"/>
+          </a:p>
+          <a:p>
+            <a:r>
+              <a:rPr lang="en-US" dirty="0"/>
+              <a:t>Combine:</a:t>
+            </a:r>
+          </a:p>
+          <a:p>
+            <a:pPr lvl="1"/>
+            <a:r>
+              <a:rPr lang="en-US" dirty="0"/>
+              <a:t>Manually find two largest values of the four returned. Largest of the four is largest overall, second largest overall is second largest overall.</a:t>
+            </a:r>
+          </a:p>
+        </p:txBody>
+      </p:sp>
+    </p:spTree>
+    <p:extLst>
+      <p:ext uri="{BB962C8B-B14F-4D97-AF65-F5344CB8AC3E}">
+        <p14:creationId xmlns:p14="http://schemas.microsoft.com/office/powerpoint/2010/main" val="160560725"/>
+      </p:ext>
+    </p:extLst>
+  </p:cSld>
+  <p:clrMapOvr>
+    <a:masterClrMapping/>
+  </p:clrMapOvr>
+</p:sld>
+</file>
+
+<file path=ppt/slides/slide16.xml><?xml version="1.0" encoding="utf-8"?>
+<p:sld xmlns:a="http://schemas.openxmlformats.org/drawingml/2006/main" xmlns:r="http://schemas.openxmlformats.org/officeDocument/2006/relationships" xmlns:p="http://schemas.openxmlformats.org/presentationml/2006/main">
+  <p:cSld>
+    <p:spTree>
+      <p:nvGrpSpPr>
+        <p:cNvPr id="1" name=""/>
+        <p:cNvGrpSpPr/>
+        <p:nvPr/>
+      </p:nvGrpSpPr>
+      <p:grpSpPr>
+        <a:xfrm>
+          <a:off x="0" y="0"/>
+          <a:ext cx="0" cy="0"/>
+          <a:chOff x="0" y="0"/>
+          <a:chExt cx="0" cy="0"/>
+        </a:xfrm>
+      </p:grpSpPr>
+      <p:sp>
+        <p:nvSpPr>
+          <p:cNvPr id="32770" name="Rectangle 2"/>
+          <p:cNvSpPr>
+            <a:spLocks noGrp="1" noChangeArrowheads="1"/>
+          </p:cNvSpPr>
+          <p:nvPr>
+            <p:ph type="title"/>
+            <p:custDataLst>
+              <p:tags r:id="rId1"/>
+            </p:custDataLst>
+          </p:nvPr>
+        </p:nvSpPr>
+        <p:spPr/>
+        <p:txBody>
+          <a:bodyPr/>
+          <a:lstStyle/>
+          <a:p>
+            <a:r>
+              <a:rPr lang="en-US" dirty="0"/>
+              <a:t>Exercise: Find Max AND Second Max</a:t>
+            </a:r>
+          </a:p>
+        </p:txBody>
+      </p:sp>
+      <p:sp>
+        <p:nvSpPr>
+          <p:cNvPr id="6" name="Slide Number Placeholder 5"/>
+          <p:cNvSpPr>
+            <a:spLocks noGrp="1"/>
+          </p:cNvSpPr>
+          <p:nvPr>
+            <p:ph type="sldNum" sz="quarter" idx="12"/>
+          </p:nvPr>
+        </p:nvSpPr>
+        <p:spPr/>
+        <p:txBody>
+          <a:bodyPr/>
+          <a:lstStyle/>
+          <a:p>
+            <a:fld id="{0E0CE5E1-73E6-4EC0-A549-568A23C84235}" type="slidenum">
+              <a:rPr lang="en-US" smtClean="0"/>
+              <a:pPr/>
+              <a:t>16</a:t>
+            </a:fld>
+            <a:endParaRPr lang="en-US"/>
+          </a:p>
+        </p:txBody>
+      </p:sp>
+      <mc:AlternateContent xmlns:mc="http://schemas.openxmlformats.org/markup-compatibility/2006" xmlns:a14="http://schemas.microsoft.com/office/drawing/2010/main">
+        <mc:Choice Requires="a14">
           <p:sp>
             <p:nvSpPr>
               <p:cNvPr id="32771" name="Rectangle 3"/>
@@ -5487,7 +7858,7 @@
                         <a:rPr lang="en-US" b="0" i="1" smtClean="0">
                           <a:latin typeface="Cambria Math" panose="02040503050406030204" pitchFamily="18" charset="0"/>
                         </a:rPr>
-                        <m:t>=</m:t>
+                        <m:t>=2</m:t>
                       </m:r>
                       <m:r>
                         <a:rPr lang="en-US" b="0" i="1" smtClean="0">
@@ -5622,7 +7993,7 @@
             </p:txBody>
           </p:sp>
         </mc:Choice>
-        <mc:Fallback>
+        <mc:Fallback xmlns="">
           <p:sp>
             <p:nvSpPr>
               <p:cNvPr id="32771" name="Rectangle 3"/>
@@ -5632,13 +8003,13 @@
               <p:nvPr>
                 <p:ph sz="quarter" idx="1"/>
                 <p:custDataLst>
-                  <p:tags r:id="rId2"/>
+                  <p:tags r:id="rId4"/>
                 </p:custDataLst>
               </p:nvPr>
             </p:nvSpPr>
             <p:spPr>
               <a:blipFill>
-                <a:blip r:embed="rId4"/>
+                <a:blip r:embed="rId5"/>
                 <a:stretch>
                   <a:fillRect l="-1042" t="-1285"/>
                 </a:stretch>
@@ -5672,7 +8043,7 @@
 </p:sld>
 </file>
 
-<file path=ppt/slides/slide15.xml><?xml version="1.0" encoding="utf-8"?>
+<file path=ppt/slides/slide17.xml><?xml version="1.0" encoding="utf-8"?>
 <p:sld xmlns:a="http://schemas.openxmlformats.org/drawingml/2006/main" xmlns:r="http://schemas.openxmlformats.org/officeDocument/2006/relationships" xmlns:p="http://schemas.openxmlformats.org/presentationml/2006/main">
   <p:cSld>
     <p:spTree>
@@ -5748,7 +8119,7 @@
             <a:fld id="{0E0CE5E1-73E6-4EC0-A549-568A23C84235}" type="slidenum">
               <a:rPr lang="en-US" smtClean="0"/>
               <a:pPr/>
-              <a:t>15</a:t>
+              <a:t>17</a:t>
             </a:fld>
             <a:endParaRPr lang="en-US"/>
           </a:p>
@@ -5767,7 +8138,7 @@
 </p:sld>
 </file>
 
-<file path=ppt/slides/slide16.xml><?xml version="1.0" encoding="utf-8"?>
+<file path=ppt/slides/slide18.xml><?xml version="1.0" encoding="utf-8"?>
 <p:sld xmlns:a="http://schemas.openxmlformats.org/drawingml/2006/main" xmlns:r="http://schemas.openxmlformats.org/officeDocument/2006/relationships" xmlns:p="http://schemas.openxmlformats.org/presentationml/2006/main">
   <p:cSld>
     <p:spTree>
@@ -5827,7 +8198,7 @@
             <a:fld id="{0E0CE5E1-73E6-4EC0-A549-568A23C84235}" type="slidenum">
               <a:rPr lang="en-US" smtClean="0"/>
               <a:pPr/>
-              <a:t>16</a:t>
+              <a:t>18</a:t>
             </a:fld>
             <a:endParaRPr lang="en-US"/>
           </a:p>
@@ -5984,7 +8355,7 @@
 </p:sld>
 </file>
 
-<file path=ppt/slides/slide17.xml><?xml version="1.0" encoding="utf-8"?>
+<file path=ppt/slides/slide19.xml><?xml version="1.0" encoding="utf-8"?>
 <p:sld xmlns:a="http://schemas.openxmlformats.org/drawingml/2006/main" xmlns:r="http://schemas.openxmlformats.org/officeDocument/2006/relationships" xmlns:p="http://schemas.openxmlformats.org/presentationml/2006/main">
   <p:cSld>
     <p:spTree>
@@ -6044,7 +8415,7 @@
             <a:fld id="{0E0CE5E1-73E6-4EC0-A549-568A23C84235}" type="slidenum">
               <a:rPr lang="en-US" smtClean="0"/>
               <a:pPr/>
-              <a:t>17</a:t>
+              <a:t>19</a:t>
             </a:fld>
             <a:endParaRPr lang="en-US"/>
           </a:p>
@@ -6174,7 +8545,7 @@
 </p:sld>
 </file>
 
-<file path=ppt/slides/slide18.xml><?xml version="1.0" encoding="utf-8"?>
+<file path=ppt/slides/slide2.xml><?xml version="1.0" encoding="utf-8"?>
 <p:sld xmlns:a="http://schemas.openxmlformats.org/drawingml/2006/main" xmlns:r="http://schemas.openxmlformats.org/officeDocument/2006/relationships" xmlns:p="http://schemas.openxmlformats.org/presentationml/2006/main">
   <p:cSld>
     <p:spTree>
@@ -6193,6 +8564,101 @@
       </p:grpSpPr>
       <p:sp>
         <p:nvSpPr>
+          <p:cNvPr id="4" name="Title 3"/>
+          <p:cNvSpPr>
+            <a:spLocks noGrp="1"/>
+          </p:cNvSpPr>
+          <p:nvPr>
+            <p:ph type="title"/>
+          </p:nvPr>
+        </p:nvSpPr>
+        <p:spPr/>
+        <p:txBody>
+          <a:bodyPr/>
+          <a:lstStyle/>
+          <a:p>
+            <a:r>
+              <a:rPr lang="en-US" dirty="0"/>
+              <a:t>Module 3: Divide and Conquer</a:t>
+            </a:r>
+          </a:p>
+        </p:txBody>
+      </p:sp>
+      <p:sp>
+        <p:nvSpPr>
+          <p:cNvPr id="5" name="Text Placeholder 4"/>
+          <p:cNvSpPr>
+            <a:spLocks noGrp="1"/>
+          </p:cNvSpPr>
+          <p:nvPr>
+            <p:ph type="body" idx="1"/>
+          </p:nvPr>
+        </p:nvSpPr>
+        <p:spPr/>
+        <p:txBody>
+          <a:bodyPr/>
+          <a:lstStyle/>
+          <a:p>
+            <a:endParaRPr lang="en-US"/>
+          </a:p>
+        </p:txBody>
+      </p:sp>
+      <p:sp>
+        <p:nvSpPr>
+          <p:cNvPr id="6" name="Slide Number Placeholder 5"/>
+          <p:cNvSpPr>
+            <a:spLocks noGrp="1"/>
+          </p:cNvSpPr>
+          <p:nvPr>
+            <p:ph type="sldNum" sz="quarter" idx="12"/>
+          </p:nvPr>
+        </p:nvSpPr>
+        <p:spPr/>
+        <p:txBody>
+          <a:bodyPr/>
+          <a:lstStyle/>
+          <a:p>
+            <a:fld id="{0E0CE5E1-73E6-4EC0-A549-568A23C84235}" type="slidenum">
+              <a:rPr lang="en-US" smtClean="0"/>
+              <a:pPr/>
+              <a:t>2</a:t>
+            </a:fld>
+            <a:endParaRPr lang="en-US"/>
+          </a:p>
+        </p:txBody>
+      </p:sp>
+    </p:spTree>
+    <p:extLst>
+      <p:ext uri="{BB962C8B-B14F-4D97-AF65-F5344CB8AC3E}">
+        <p14:creationId xmlns:p14="http://schemas.microsoft.com/office/powerpoint/2010/main" val="3506006227"/>
+      </p:ext>
+    </p:extLst>
+  </p:cSld>
+  <p:clrMapOvr>
+    <a:masterClrMapping/>
+  </p:clrMapOvr>
+</p:sld>
+</file>
+
+<file path=ppt/slides/slide20.xml><?xml version="1.0" encoding="utf-8"?>
+<p:sld xmlns:a="http://schemas.openxmlformats.org/drawingml/2006/main" xmlns:r="http://schemas.openxmlformats.org/officeDocument/2006/relationships" xmlns:p="http://schemas.openxmlformats.org/presentationml/2006/main">
+  <p:cSld>
+    <p:spTree>
+      <p:nvGrpSpPr>
+        <p:cNvPr id="1" name=""/>
+        <p:cNvGrpSpPr/>
+        <p:nvPr/>
+      </p:nvGrpSpPr>
+      <p:grpSpPr>
+        <a:xfrm>
+          <a:off x="0" y="0"/>
+          <a:ext cx="0" cy="0"/>
+          <a:chOff x="0" y="0"/>
+          <a:chExt cx="0" cy="0"/>
+        </a:xfrm>
+      </p:grpSpPr>
+      <p:sp>
+        <p:nvSpPr>
           <p:cNvPr id="33794" name="Rectangle 2"/>
           <p:cNvSpPr>
             <a:spLocks noGrp="1" noChangeArrowheads="1"/>
@@ -6234,7 +8700,7 @@
             <a:fld id="{0E0CE5E1-73E6-4EC0-A549-568A23C84235}" type="slidenum">
               <a:rPr lang="en-US" smtClean="0"/>
               <a:pPr/>
-              <a:t>18</a:t>
+              <a:t>20</a:t>
             </a:fld>
             <a:endParaRPr lang="en-US"/>
           </a:p>
@@ -6369,7 +8835,7 @@
 </p:sld>
 </file>
 
-<file path=ppt/slides/slide19.xml><?xml version="1.0" encoding="utf-8"?>
+<file path=ppt/slides/slide21.xml><?xml version="1.0" encoding="utf-8"?>
 <p:sld xmlns:a="http://schemas.openxmlformats.org/drawingml/2006/main" xmlns:r="http://schemas.openxmlformats.org/officeDocument/2006/relationships" xmlns:p="http://schemas.openxmlformats.org/presentationml/2006/main">
   <p:cSld>
     <p:spTree>
@@ -6429,7 +8895,7 @@
             <a:fld id="{0E0CE5E1-73E6-4EC0-A549-568A23C84235}" type="slidenum">
               <a:rPr lang="en-US" smtClean="0"/>
               <a:pPr/>
-              <a:t>19</a:t>
+              <a:t>21</a:t>
             </a:fld>
             <a:endParaRPr lang="en-US"/>
           </a:p>
@@ -6531,7 +8997,7 @@
 </p:sld>
 </file>
 
-<file path=ppt/slides/slide2.xml><?xml version="1.0" encoding="utf-8"?>
+<file path=ppt/slides/slide22.xml><?xml version="1.0" encoding="utf-8"?>
 <p:sld xmlns:a="http://schemas.openxmlformats.org/drawingml/2006/main" xmlns:r="http://schemas.openxmlformats.org/officeDocument/2006/relationships" xmlns:p="http://schemas.openxmlformats.org/presentationml/2006/main">
   <p:cSld>
     <p:spTree>
@@ -6550,101 +9016,6 @@
       </p:grpSpPr>
       <p:sp>
         <p:nvSpPr>
-          <p:cNvPr id="4" name="Title 3"/>
-          <p:cNvSpPr>
-            <a:spLocks noGrp="1"/>
-          </p:cNvSpPr>
-          <p:nvPr>
-            <p:ph type="title"/>
-          </p:nvPr>
-        </p:nvSpPr>
-        <p:spPr/>
-        <p:txBody>
-          <a:bodyPr/>
-          <a:lstStyle/>
-          <a:p>
-            <a:r>
-              <a:rPr lang="en-US" dirty="0"/>
-              <a:t>Module 3: Divide and Conquer</a:t>
-            </a:r>
-          </a:p>
-        </p:txBody>
-      </p:sp>
-      <p:sp>
-        <p:nvSpPr>
-          <p:cNvPr id="5" name="Text Placeholder 4"/>
-          <p:cNvSpPr>
-            <a:spLocks noGrp="1"/>
-          </p:cNvSpPr>
-          <p:nvPr>
-            <p:ph type="body" idx="1"/>
-          </p:nvPr>
-        </p:nvSpPr>
-        <p:spPr/>
-        <p:txBody>
-          <a:bodyPr/>
-          <a:lstStyle/>
-          <a:p>
-            <a:endParaRPr lang="en-US"/>
-          </a:p>
-        </p:txBody>
-      </p:sp>
-      <p:sp>
-        <p:nvSpPr>
-          <p:cNvPr id="6" name="Slide Number Placeholder 5"/>
-          <p:cNvSpPr>
-            <a:spLocks noGrp="1"/>
-          </p:cNvSpPr>
-          <p:nvPr>
-            <p:ph type="sldNum" sz="quarter" idx="12"/>
-          </p:nvPr>
-        </p:nvSpPr>
-        <p:spPr/>
-        <p:txBody>
-          <a:bodyPr/>
-          <a:lstStyle/>
-          <a:p>
-            <a:fld id="{0E0CE5E1-73E6-4EC0-A549-568A23C84235}" type="slidenum">
-              <a:rPr lang="en-US" smtClean="0"/>
-              <a:pPr/>
-              <a:t>2</a:t>
-            </a:fld>
-            <a:endParaRPr lang="en-US"/>
-          </a:p>
-        </p:txBody>
-      </p:sp>
-    </p:spTree>
-    <p:extLst>
-      <p:ext uri="{BB962C8B-B14F-4D97-AF65-F5344CB8AC3E}">
-        <p14:creationId xmlns:p14="http://schemas.microsoft.com/office/powerpoint/2010/main" val="3506006227"/>
-      </p:ext>
-    </p:extLst>
-  </p:cSld>
-  <p:clrMapOvr>
-    <a:masterClrMapping/>
-  </p:clrMapOvr>
-</p:sld>
-</file>
-
-<file path=ppt/slides/slide20.xml><?xml version="1.0" encoding="utf-8"?>
-<p:sld xmlns:a="http://schemas.openxmlformats.org/drawingml/2006/main" xmlns:r="http://schemas.openxmlformats.org/officeDocument/2006/relationships" xmlns:p="http://schemas.openxmlformats.org/presentationml/2006/main">
-  <p:cSld>
-    <p:spTree>
-      <p:nvGrpSpPr>
-        <p:cNvPr id="1" name=""/>
-        <p:cNvGrpSpPr/>
-        <p:nvPr/>
-      </p:nvGrpSpPr>
-      <p:grpSpPr>
-        <a:xfrm>
-          <a:off x="0" y="0"/>
-          <a:ext cx="0" cy="0"/>
-          <a:chOff x="0" y="0"/>
-          <a:chExt cx="0" cy="0"/>
-        </a:xfrm>
-      </p:grpSpPr>
-      <p:sp>
-        <p:nvSpPr>
           <p:cNvPr id="33794" name="Rectangle 2"/>
           <p:cNvSpPr>
             <a:spLocks noGrp="1" noChangeArrowheads="1"/>
@@ -6686,7 +9057,7 @@
             <a:fld id="{0E0CE5E1-73E6-4EC0-A549-568A23C84235}" type="slidenum">
               <a:rPr lang="en-US" smtClean="0"/>
               <a:pPr/>
-              <a:t>20</a:t>
+              <a:t>22</a:t>
             </a:fld>
             <a:endParaRPr lang="en-US"/>
           </a:p>
@@ -6835,7 +9206,7 @@
 </p:sld>
 </file>
 
-<file path=ppt/slides/slide21.xml><?xml version="1.0" encoding="utf-8"?>
+<file path=ppt/slides/slide23.xml><?xml version="1.0" encoding="utf-8"?>
 <p:sld xmlns:a="http://schemas.openxmlformats.org/drawingml/2006/main" xmlns:r="http://schemas.openxmlformats.org/officeDocument/2006/relationships" xmlns:p="http://schemas.openxmlformats.org/presentationml/2006/main">
   <p:cSld>
     <p:spTree>
@@ -6895,7 +9266,7 @@
             <a:fld id="{0E0CE5E1-73E6-4EC0-A549-568A23C84235}" type="slidenum">
               <a:rPr lang="en-US" smtClean="0"/>
               <a:pPr/>
-              <a:t>21</a:t>
+              <a:t>23</a:t>
             </a:fld>
             <a:endParaRPr lang="en-US"/>
           </a:p>
@@ -7040,7 +9411,7 @@
 </p:sld>
 </file>
 
-<file path=ppt/slides/slide22.xml><?xml version="1.0" encoding="utf-8"?>
+<file path=ppt/slides/slide24.xml><?xml version="1.0" encoding="utf-8"?>
 <p:sld xmlns:a="http://schemas.openxmlformats.org/drawingml/2006/main" xmlns:r="http://schemas.openxmlformats.org/officeDocument/2006/relationships" xmlns:p="http://schemas.openxmlformats.org/presentationml/2006/main">
   <p:cSld>
     <p:spTree>
@@ -7077,8 +9448,13 @@
           <a:p>
             <a:r>
               <a:rPr lang="en-US" dirty="0"/>
-              <a:t>Can we do better?</a:t>
-            </a:r>
+              <a:t>How to find </a:t>
+            </a:r>
+            <a:r>
+              <a:rPr lang="en-US" dirty="0" err="1"/>
+              <a:t>MaxSum_Divide</a:t>
+            </a:r>
+            <a:endParaRPr lang="en-US" dirty="0"/>
           </a:p>
         </p:txBody>
       </p:sp>
@@ -7100,7 +9476,7 @@
             <a:fld id="{0E0CE5E1-73E6-4EC0-A549-568A23C84235}" type="slidenum">
               <a:rPr lang="en-US" smtClean="0"/>
               <a:pPr/>
-              <a:t>22</a:t>
+              <a:t>24</a:t>
             </a:fld>
             <a:endParaRPr lang="en-US"/>
           </a:p>
@@ -7128,231 +9504,8 @@
           <a:p>
             <a:r>
               <a:rPr lang="en-US" dirty="0"/>
-              <a:t>Ok, so find best solution that crosses the dividing line</a:t>
-            </a:r>
-          </a:p>
-          <a:p>
-            <a:pPr lvl="1"/>
-            <a:r>
-              <a:rPr lang="en-US" dirty="0"/>
-              <a:t>How? Let’s call it </a:t>
-            </a:r>
-            <a:r>
-              <a:rPr lang="en-US" dirty="0" err="1"/>
-              <a:t>MaxSum_Divide</a:t>
-            </a:r>
-            <a:endParaRPr lang="en-US" dirty="0"/>
-          </a:p>
-          <a:p>
-            <a:pPr lvl="1"/>
-            <a:endParaRPr lang="en-US" dirty="0"/>
-          </a:p>
-          <a:p>
-            <a:r>
-              <a:rPr lang="en-US" dirty="0"/>
-              <a:t>Once we do that, solution will be</a:t>
-            </a:r>
-          </a:p>
-          <a:p>
-            <a:pPr lvl="1"/>
-            <a:r>
-              <a:rPr lang="en-US" dirty="0"/>
-              <a:t>Max(</a:t>
-            </a:r>
-            <a:r>
-              <a:rPr lang="en-US" dirty="0" err="1"/>
-              <a:t>MaxSum</a:t>
-            </a:r>
-            <a:r>
-              <a:rPr lang="en-US" dirty="0"/>
-              <a:t>(</a:t>
-            </a:r>
-            <a:r>
-              <a:rPr lang="en-US" dirty="0" err="1"/>
-              <a:t>A_left</a:t>
-            </a:r>
-            <a:r>
-              <a:rPr lang="en-US" dirty="0"/>
-              <a:t>), </a:t>
-            </a:r>
-            <a:r>
-              <a:rPr lang="en-US" dirty="0" err="1"/>
-              <a:t>MaxSum</a:t>
-            </a:r>
-            <a:r>
-              <a:rPr lang="en-US" dirty="0"/>
-              <a:t>(</a:t>
-            </a:r>
-            <a:r>
-              <a:rPr lang="en-US" dirty="0" err="1"/>
-              <a:t>A_right</a:t>
-            </a:r>
-            <a:r>
-              <a:rPr lang="en-US" dirty="0"/>
-              <a:t>), </a:t>
-            </a:r>
-            <a:r>
-              <a:rPr lang="en-US" dirty="0" err="1"/>
-              <a:t>MaxSum_Divide</a:t>
-            </a:r>
-            <a:r>
-              <a:rPr lang="en-US" dirty="0"/>
-              <a:t>)</a:t>
-            </a:r>
-          </a:p>
-        </p:txBody>
-      </p:sp>
-      <p:pic>
-        <p:nvPicPr>
-          <p:cNvPr id="3" name="Picture 2">
-            <a:extLst>
-              <a:ext uri="{FF2B5EF4-FFF2-40B4-BE49-F238E27FC236}">
-                <a16:creationId xmlns:a16="http://schemas.microsoft.com/office/drawing/2014/main" id="{07903AEB-DE9D-9045-A3D7-49DC732F67A1}"/>
-              </a:ext>
-            </a:extLst>
-          </p:cNvPr>
-          <p:cNvPicPr>
-            <a:picLocks noChangeAspect="1"/>
-          </p:cNvPicPr>
-          <p:nvPr/>
-        </p:nvPicPr>
-        <p:blipFill>
-          <a:blip r:embed="rId4"/>
-          <a:stretch>
-            <a:fillRect/>
-          </a:stretch>
-        </p:blipFill>
-        <p:spPr>
-          <a:xfrm>
-            <a:off x="1619415" y="4587521"/>
-            <a:ext cx="8881606" cy="1625097"/>
-          </a:xfrm>
-          <a:prstGeom prst="rect">
-            <a:avLst/>
-          </a:prstGeom>
-        </p:spPr>
-      </p:pic>
-    </p:spTree>
-    <p:extLst>
-      <p:ext uri="{BB962C8B-B14F-4D97-AF65-F5344CB8AC3E}">
-        <p14:creationId xmlns:p14="http://schemas.microsoft.com/office/powerpoint/2010/main" val="664316722"/>
-      </p:ext>
-    </p:extLst>
-  </p:cSld>
-  <p:clrMapOvr>
-    <a:masterClrMapping/>
-  </p:clrMapOvr>
-</p:sld>
-</file>
-
-<file path=ppt/slides/slide23.xml><?xml version="1.0" encoding="utf-8"?>
-<p:sld xmlns:a="http://schemas.openxmlformats.org/drawingml/2006/main" xmlns:r="http://schemas.openxmlformats.org/officeDocument/2006/relationships" xmlns:p="http://schemas.openxmlformats.org/presentationml/2006/main">
-  <p:cSld>
-    <p:spTree>
-      <p:nvGrpSpPr>
-        <p:cNvPr id="1" name=""/>
-        <p:cNvGrpSpPr/>
-        <p:nvPr/>
-      </p:nvGrpSpPr>
-      <p:grpSpPr>
-        <a:xfrm>
-          <a:off x="0" y="0"/>
-          <a:ext cx="0" cy="0"/>
-          <a:chOff x="0" y="0"/>
-          <a:chExt cx="0" cy="0"/>
-        </a:xfrm>
-      </p:grpSpPr>
-      <p:sp>
-        <p:nvSpPr>
-          <p:cNvPr id="33794" name="Rectangle 2"/>
-          <p:cNvSpPr>
-            <a:spLocks noGrp="1" noChangeArrowheads="1"/>
-          </p:cNvSpPr>
-          <p:nvPr>
-            <p:ph type="title"/>
-            <p:custDataLst>
-              <p:tags r:id="rId1"/>
-            </p:custDataLst>
-          </p:nvPr>
-        </p:nvSpPr>
-        <p:spPr/>
-        <p:txBody>
-          <a:bodyPr/>
-          <a:lstStyle/>
-          <a:p>
-            <a:r>
-              <a:rPr lang="en-US" dirty="0"/>
-              <a:t>How to find </a:t>
-            </a:r>
-            <a:r>
-              <a:rPr lang="en-US" dirty="0" err="1"/>
-              <a:t>MaxSum_Divide</a:t>
-            </a:r>
-            <a:endParaRPr lang="en-US" dirty="0"/>
-          </a:p>
-        </p:txBody>
-      </p:sp>
-      <p:sp>
-        <p:nvSpPr>
-          <p:cNvPr id="6" name="Slide Number Placeholder 5"/>
-          <p:cNvSpPr>
-            <a:spLocks noGrp="1"/>
-          </p:cNvSpPr>
-          <p:nvPr>
-            <p:ph type="sldNum" sz="quarter" idx="12"/>
-          </p:nvPr>
-        </p:nvSpPr>
-        <p:spPr/>
-        <p:txBody>
-          <a:bodyPr/>
-          <a:lstStyle/>
-          <a:p>
-            <a:fld id="{0E0CE5E1-73E6-4EC0-A549-568A23C84235}" type="slidenum">
-              <a:rPr lang="en-US" smtClean="0"/>
-              <a:pPr/>
-              <a:t>23</a:t>
-            </a:fld>
-            <a:endParaRPr lang="en-US"/>
-          </a:p>
-        </p:txBody>
-      </p:sp>
-      <p:sp>
-        <p:nvSpPr>
-          <p:cNvPr id="33795" name="Rectangle 3"/>
-          <p:cNvSpPr>
-            <a:spLocks noGrp="1" noChangeArrowheads="1"/>
-          </p:cNvSpPr>
-          <p:nvPr>
-            <p:ph sz="quarter" idx="1"/>
-            <p:custDataLst>
-              <p:tags r:id="rId2"/>
-            </p:custDataLst>
-          </p:nvPr>
-        </p:nvSpPr>
-        <p:spPr/>
-        <p:txBody>
-          <a:bodyPr>
-            <a:normAutofit/>
-          </a:bodyPr>
-          <a:lstStyle/>
-          <a:p>
-            <a:r>
-              <a:rPr lang="en-US" dirty="0"/>
               <a:t>Needs to be in linear time:</a:t>
             </a:r>
-          </a:p>
-          <a:p>
-            <a:r>
-              <a:rPr lang="en-US" dirty="0"/>
-              <a:t>Explain in drawing </a:t>
-            </a:r>
-            <a:r>
-              <a:rPr lang="en-US" dirty="0">
-                <a:sym typeface="Wingdings" pitchFamily="2" charset="2"/>
-              </a:rPr>
-              <a:t></a:t>
-            </a:r>
-            <a:endParaRPr lang="en-US" dirty="0"/>
           </a:p>
         </p:txBody>
       </p:sp>
@@ -7399,157 +9552,6 @@
 </p:sld>
 </file>
 
-<file path=ppt/slides/slide24.xml><?xml version="1.0" encoding="utf-8"?>
-<p:sld xmlns:a="http://schemas.openxmlformats.org/drawingml/2006/main" xmlns:r="http://schemas.openxmlformats.org/officeDocument/2006/relationships" xmlns:p="http://schemas.openxmlformats.org/presentationml/2006/main">
-  <p:cSld>
-    <p:spTree>
-      <p:nvGrpSpPr>
-        <p:cNvPr id="1" name=""/>
-        <p:cNvGrpSpPr/>
-        <p:nvPr/>
-      </p:nvGrpSpPr>
-      <p:grpSpPr>
-        <a:xfrm>
-          <a:off x="0" y="0"/>
-          <a:ext cx="0" cy="0"/>
-          <a:chOff x="0" y="0"/>
-          <a:chExt cx="0" cy="0"/>
-        </a:xfrm>
-      </p:grpSpPr>
-      <p:sp>
-        <p:nvSpPr>
-          <p:cNvPr id="33794" name="Rectangle 2"/>
-          <p:cNvSpPr>
-            <a:spLocks noGrp="1" noChangeArrowheads="1"/>
-          </p:cNvSpPr>
-          <p:nvPr>
-            <p:ph type="title"/>
-            <p:custDataLst>
-              <p:tags r:id="rId1"/>
-            </p:custDataLst>
-          </p:nvPr>
-        </p:nvSpPr>
-        <p:spPr/>
-        <p:txBody>
-          <a:bodyPr/>
-          <a:lstStyle/>
-          <a:p>
-            <a:r>
-              <a:rPr lang="en-US" dirty="0"/>
-              <a:t>How to find </a:t>
-            </a:r>
-            <a:r>
-              <a:rPr lang="en-US" dirty="0" err="1"/>
-              <a:t>MaxSum_Divide</a:t>
-            </a:r>
-            <a:endParaRPr lang="en-US" dirty="0"/>
-          </a:p>
-        </p:txBody>
-      </p:sp>
-      <p:sp>
-        <p:nvSpPr>
-          <p:cNvPr id="6" name="Slide Number Placeholder 5"/>
-          <p:cNvSpPr>
-            <a:spLocks noGrp="1"/>
-          </p:cNvSpPr>
-          <p:nvPr>
-            <p:ph type="sldNum" sz="quarter" idx="12"/>
-          </p:nvPr>
-        </p:nvSpPr>
-        <p:spPr/>
-        <p:txBody>
-          <a:bodyPr/>
-          <a:lstStyle/>
-          <a:p>
-            <a:fld id="{0E0CE5E1-73E6-4EC0-A549-568A23C84235}" type="slidenum">
-              <a:rPr lang="en-US" smtClean="0"/>
-              <a:pPr/>
-              <a:t>24</a:t>
-            </a:fld>
-            <a:endParaRPr lang="en-US"/>
-          </a:p>
-        </p:txBody>
-      </p:sp>
-      <p:sp>
-        <p:nvSpPr>
-          <p:cNvPr id="33795" name="Rectangle 3"/>
-          <p:cNvSpPr>
-            <a:spLocks noGrp="1" noChangeArrowheads="1"/>
-          </p:cNvSpPr>
-          <p:nvPr>
-            <p:ph sz="quarter" idx="1"/>
-            <p:custDataLst>
-              <p:tags r:id="rId2"/>
-            </p:custDataLst>
-          </p:nvPr>
-        </p:nvSpPr>
-        <p:spPr/>
-        <p:txBody>
-          <a:bodyPr>
-            <a:normAutofit/>
-          </a:bodyPr>
-          <a:lstStyle/>
-          <a:p>
-            <a:r>
-              <a:rPr lang="en-US" dirty="0"/>
-              <a:t>Intuition:</a:t>
-            </a:r>
-          </a:p>
-          <a:p>
-            <a:pPr lvl="1"/>
-            <a:r>
-              <a:rPr lang="en-US" dirty="0"/>
-              <a:t>Best solution that crosses divide MUST be made up of array on left side that bumps up against divide and array on right side that bumps into divide.</a:t>
-            </a:r>
-          </a:p>
-          <a:p>
-            <a:pPr lvl="1"/>
-            <a:r>
-              <a:rPr lang="en-US" dirty="0"/>
-              <a:t>So:</a:t>
-            </a:r>
-          </a:p>
-          <a:p>
-            <a:pPr lvl="2"/>
-            <a:r>
-              <a:rPr lang="en-US" dirty="0"/>
-              <a:t>Start at A[mid-1] and sum all the way down to A[0], keeping track of the best sum</a:t>
-            </a:r>
-          </a:p>
-          <a:p>
-            <a:pPr lvl="2"/>
-            <a:r>
-              <a:rPr lang="en-US" dirty="0"/>
-              <a:t>Start at A[mid] and work up to A[A.length-1] and keep track of best sum along the way</a:t>
-            </a:r>
-          </a:p>
-          <a:p>
-            <a:pPr lvl="2"/>
-            <a:r>
-              <a:rPr lang="en-US" dirty="0"/>
-              <a:t>Simply concatenate these two arrays to one another for </a:t>
-            </a:r>
-            <a:r>
-              <a:rPr lang="en-US" dirty="0" err="1"/>
-              <a:t>MaxSum_Divide</a:t>
-            </a:r>
-            <a:endParaRPr lang="en-US" dirty="0"/>
-          </a:p>
-        </p:txBody>
-      </p:sp>
-    </p:spTree>
-    <p:extLst>
-      <p:ext uri="{BB962C8B-B14F-4D97-AF65-F5344CB8AC3E}">
-        <p14:creationId xmlns:p14="http://schemas.microsoft.com/office/powerpoint/2010/main" val="1423596487"/>
-      </p:ext>
-    </p:extLst>
-  </p:cSld>
-  <p:clrMapOvr>
-    <a:masterClrMapping/>
-  </p:clrMapOvr>
-</p:sld>
-</file>
-
 <file path=ppt/slides/slide25.xml><?xml version="1.0" encoding="utf-8"?>
 <p:sld xmlns:a="http://schemas.openxmlformats.org/drawingml/2006/main" xmlns:r="http://schemas.openxmlformats.org/officeDocument/2006/relationships" xmlns:p="http://schemas.openxmlformats.org/presentationml/2006/main">
   <p:cSld>
@@ -7569,12 +9571,15 @@
       </p:grpSpPr>
       <p:sp>
         <p:nvSpPr>
-          <p:cNvPr id="40962" name="Rectangle 2"/>
+          <p:cNvPr id="33794" name="Rectangle 2"/>
           <p:cNvSpPr>
             <a:spLocks noGrp="1" noChangeArrowheads="1"/>
           </p:cNvSpPr>
           <p:nvPr>
             <p:ph type="title"/>
+            <p:custDataLst>
+              <p:tags r:id="rId1"/>
+            </p:custDataLst>
           </p:nvPr>
         </p:nvSpPr>
         <p:spPr/>
@@ -7583,15 +9588,20 @@
           <a:lstStyle/>
           <a:p>
             <a:r>
-              <a:rPr lang="en-US"/>
-              <a:t>Divide and  Conquer: Bottom-line</a:t>
-            </a:r>
-          </a:p>
-        </p:txBody>
-      </p:sp>
-      <p:sp>
-        <p:nvSpPr>
-          <p:cNvPr id="4" name="Slide Number Placeholder 3"/>
+              <a:rPr lang="en-US" dirty="0"/>
+              <a:t>How to find </a:t>
+            </a:r>
+            <a:r>
+              <a:rPr lang="en-US" dirty="0" err="1"/>
+              <a:t>MaxSum_Divide</a:t>
+            </a:r>
+            <a:endParaRPr lang="en-US" dirty="0"/>
+          </a:p>
+        </p:txBody>
+      </p:sp>
+      <p:sp>
+        <p:nvSpPr>
+          <p:cNvPr id="6" name="Slide Number Placeholder 5"/>
           <p:cNvSpPr>
             <a:spLocks noGrp="1"/>
           </p:cNvSpPr>
@@ -7615,12 +9625,749 @@
       </p:sp>
       <p:sp>
         <p:nvSpPr>
-          <p:cNvPr id="40963" name="Rectangle 3"/>
+          <p:cNvPr id="33795" name="Rectangle 3"/>
           <p:cNvSpPr>
             <a:spLocks noGrp="1" noChangeArrowheads="1"/>
           </p:cNvSpPr>
           <p:nvPr>
             <p:ph sz="quarter" idx="1"/>
+            <p:custDataLst>
+              <p:tags r:id="rId2"/>
+            </p:custDataLst>
+          </p:nvPr>
+        </p:nvSpPr>
+        <p:spPr>
+          <a:xfrm>
+            <a:off x="609600" y="1219200"/>
+            <a:ext cx="10972800" cy="657308"/>
+          </a:xfrm>
+        </p:spPr>
+        <p:txBody>
+          <a:bodyPr>
+            <a:normAutofit/>
+          </a:bodyPr>
+          <a:lstStyle/>
+          <a:p>
+            <a:r>
+              <a:rPr lang="en-US" dirty="0"/>
+              <a:t>Needs to be in linear time:</a:t>
+            </a:r>
+          </a:p>
+        </p:txBody>
+      </p:sp>
+      <p:pic>
+        <p:nvPicPr>
+          <p:cNvPr id="3" name="Picture 2">
+            <a:extLst>
+              <a:ext uri="{FF2B5EF4-FFF2-40B4-BE49-F238E27FC236}">
+                <a16:creationId xmlns:a16="http://schemas.microsoft.com/office/drawing/2014/main" id="{07903AEB-DE9D-9045-A3D7-49DC732F67A1}"/>
+              </a:ext>
+            </a:extLst>
+          </p:cNvPr>
+          <p:cNvPicPr>
+            <a:picLocks noChangeAspect="1"/>
+          </p:cNvPicPr>
+          <p:nvPr/>
+        </p:nvPicPr>
+        <p:blipFill>
+          <a:blip r:embed="rId6"/>
+          <a:stretch>
+            <a:fillRect/>
+          </a:stretch>
+        </p:blipFill>
+        <p:spPr>
+          <a:xfrm>
+            <a:off x="1524000" y="3712308"/>
+            <a:ext cx="8881606" cy="1625097"/>
+          </a:xfrm>
+          <a:prstGeom prst="rect">
+            <a:avLst/>
+          </a:prstGeom>
+        </p:spPr>
+      </p:pic>
+      <p:sp>
+        <p:nvSpPr>
+          <p:cNvPr id="2" name="Rectangle 1">
+            <a:extLst>
+              <a:ext uri="{FF2B5EF4-FFF2-40B4-BE49-F238E27FC236}">
+                <a16:creationId xmlns:a16="http://schemas.microsoft.com/office/drawing/2014/main" id="{DFD88653-41C2-3B4F-873E-5160723FD18A}"/>
+              </a:ext>
+            </a:extLst>
+          </p:cNvPr>
+          <p:cNvSpPr/>
+          <p:nvPr/>
+        </p:nvSpPr>
+        <p:spPr>
+          <a:xfrm>
+            <a:off x="5557962" y="3181276"/>
+            <a:ext cx="492981" cy="492981"/>
+          </a:xfrm>
+          <a:prstGeom prst="rect">
+            <a:avLst/>
+          </a:prstGeom>
+        </p:spPr>
+        <p:style>
+          <a:lnRef idx="2">
+            <a:schemeClr val="accent1">
+              <a:shade val="50000"/>
+            </a:schemeClr>
+          </a:lnRef>
+          <a:fillRef idx="1">
+            <a:schemeClr val="accent1"/>
+          </a:fillRef>
+          <a:effectRef idx="0">
+            <a:schemeClr val="accent1"/>
+          </a:effectRef>
+          <a:fontRef idx="minor">
+            <a:schemeClr val="lt1"/>
+          </a:fontRef>
+        </p:style>
+        <p:txBody>
+          <a:bodyPr rtlCol="0" anchor="ctr"/>
+          <a:lstStyle/>
+          <a:p>
+            <a:pPr algn="ctr"/>
+            <a:r>
+              <a:rPr lang="en-US" sz="1800" dirty="0"/>
+              <a:t>18</a:t>
+            </a:r>
+          </a:p>
+        </p:txBody>
+      </p:sp>
+      <p:sp>
+        <p:nvSpPr>
+          <p:cNvPr id="7" name="Rectangle 6">
+            <a:extLst>
+              <a:ext uri="{FF2B5EF4-FFF2-40B4-BE49-F238E27FC236}">
+                <a16:creationId xmlns:a16="http://schemas.microsoft.com/office/drawing/2014/main" id="{321BB4D7-81F0-6E4F-9986-8DD262E4D7FE}"/>
+              </a:ext>
+            </a:extLst>
+          </p:cNvPr>
+          <p:cNvSpPr/>
+          <p:nvPr/>
+        </p:nvSpPr>
+        <p:spPr>
+          <a:xfrm>
+            <a:off x="5058352" y="3182604"/>
+            <a:ext cx="492981" cy="492981"/>
+          </a:xfrm>
+          <a:prstGeom prst="rect">
+            <a:avLst/>
+          </a:prstGeom>
+        </p:spPr>
+        <p:style>
+          <a:lnRef idx="2">
+            <a:schemeClr val="accent1">
+              <a:shade val="50000"/>
+            </a:schemeClr>
+          </a:lnRef>
+          <a:fillRef idx="1">
+            <a:schemeClr val="accent1"/>
+          </a:fillRef>
+          <a:effectRef idx="0">
+            <a:schemeClr val="accent1"/>
+          </a:effectRef>
+          <a:fontRef idx="minor">
+            <a:schemeClr val="lt1"/>
+          </a:fontRef>
+        </p:style>
+        <p:txBody>
+          <a:bodyPr rtlCol="0" anchor="ctr"/>
+          <a:lstStyle/>
+          <a:p>
+            <a:pPr algn="ctr"/>
+            <a:r>
+              <a:rPr lang="en-US" sz="1800" dirty="0"/>
+              <a:t>-5</a:t>
+            </a:r>
+          </a:p>
+        </p:txBody>
+      </p:sp>
+      <p:sp>
+        <p:nvSpPr>
+          <p:cNvPr id="8" name="Rectangle 7">
+            <a:extLst>
+              <a:ext uri="{FF2B5EF4-FFF2-40B4-BE49-F238E27FC236}">
+                <a16:creationId xmlns:a16="http://schemas.microsoft.com/office/drawing/2014/main" id="{D3F33908-F1D6-2E4E-BA80-ACD57460BE38}"/>
+              </a:ext>
+            </a:extLst>
+          </p:cNvPr>
+          <p:cNvSpPr/>
+          <p:nvPr/>
+        </p:nvSpPr>
+        <p:spPr>
+          <a:xfrm>
+            <a:off x="4558745" y="3175220"/>
+            <a:ext cx="492981" cy="499037"/>
+          </a:xfrm>
+          <a:prstGeom prst="rect">
+            <a:avLst/>
+          </a:prstGeom>
+        </p:spPr>
+        <p:style>
+          <a:lnRef idx="2">
+            <a:schemeClr val="accent1">
+              <a:shade val="50000"/>
+            </a:schemeClr>
+          </a:lnRef>
+          <a:fillRef idx="1">
+            <a:schemeClr val="accent1"/>
+          </a:fillRef>
+          <a:effectRef idx="0">
+            <a:schemeClr val="accent1"/>
+          </a:effectRef>
+          <a:fontRef idx="minor">
+            <a:schemeClr val="lt1"/>
+          </a:fontRef>
+        </p:style>
+        <p:txBody>
+          <a:bodyPr rtlCol="0" anchor="ctr"/>
+          <a:lstStyle/>
+          <a:p>
+            <a:pPr algn="ctr"/>
+            <a:r>
+              <a:rPr lang="en-US" sz="1800" dirty="0"/>
+              <a:t>-21</a:t>
+            </a:r>
+          </a:p>
+        </p:txBody>
+      </p:sp>
+      <p:sp>
+        <p:nvSpPr>
+          <p:cNvPr id="9" name="Rectangle 3">
+            <a:extLst>
+              <a:ext uri="{FF2B5EF4-FFF2-40B4-BE49-F238E27FC236}">
+                <a16:creationId xmlns:a16="http://schemas.microsoft.com/office/drawing/2014/main" id="{144205B7-FC01-754C-B638-113E35257EBB}"/>
+              </a:ext>
+            </a:extLst>
+          </p:cNvPr>
+          <p:cNvSpPr txBox="1">
+            <a:spLocks noChangeArrowheads="1"/>
+          </p:cNvSpPr>
+          <p:nvPr>
+            <p:custDataLst>
+              <p:tags r:id="rId3"/>
+            </p:custDataLst>
+          </p:nvPr>
+        </p:nvSpPr>
+        <p:spPr>
+          <a:xfrm>
+            <a:off x="707666" y="2693783"/>
+            <a:ext cx="5685182" cy="449442"/>
+          </a:xfrm>
+          <a:prstGeom prst="rect">
+            <a:avLst/>
+          </a:prstGeom>
+        </p:spPr>
+        <p:txBody>
+          <a:bodyPr vert="horz">
+            <a:normAutofit/>
+          </a:bodyPr>
+          <a:lstStyle>
+            <a:lvl1pPr marL="274320" indent="-274320" algn="just" rtl="0" eaLnBrk="1" latinLnBrk="0" hangingPunct="1">
+              <a:spcBef>
+                <a:spcPts val="600"/>
+              </a:spcBef>
+              <a:buClr>
+                <a:schemeClr val="accent1"/>
+              </a:buClr>
+              <a:buSzPct val="76000"/>
+              <a:buFont typeface="Wingdings 3"/>
+              <a:buChar char=""/>
+              <a:defRPr kumimoji="0" sz="2600" kern="1200">
+                <a:solidFill>
+                  <a:schemeClr val="tx1"/>
+                </a:solidFill>
+                <a:latin typeface="+mn-lt"/>
+                <a:ea typeface="+mn-ea"/>
+                <a:cs typeface="+mn-cs"/>
+              </a:defRPr>
+            </a:lvl1pPr>
+            <a:lvl2pPr marL="548640" indent="-274320" algn="just" rtl="0" eaLnBrk="1" latinLnBrk="0" hangingPunct="1">
+              <a:spcBef>
+                <a:spcPts val="500"/>
+              </a:spcBef>
+              <a:buClr>
+                <a:schemeClr val="accent2"/>
+              </a:buClr>
+              <a:buSzPct val="76000"/>
+              <a:buFont typeface="Wingdings 3"/>
+              <a:buChar char=""/>
+              <a:defRPr kumimoji="0" sz="2300" kern="1200">
+                <a:solidFill>
+                  <a:schemeClr val="tx2"/>
+                </a:solidFill>
+                <a:latin typeface="+mn-lt"/>
+                <a:ea typeface="+mn-ea"/>
+                <a:cs typeface="+mn-cs"/>
+              </a:defRPr>
+            </a:lvl2pPr>
+            <a:lvl3pPr marL="822960" indent="-228600" algn="just" rtl="0" eaLnBrk="1" latinLnBrk="0" hangingPunct="1">
+              <a:spcBef>
+                <a:spcPts val="500"/>
+              </a:spcBef>
+              <a:buClr>
+                <a:schemeClr val="bg1">
+                  <a:shade val="50000"/>
+                </a:schemeClr>
+              </a:buClr>
+              <a:buSzPct val="76000"/>
+              <a:buFont typeface="Wingdings 3"/>
+              <a:buChar char=""/>
+              <a:defRPr kumimoji="0" sz="2000" kern="1200">
+                <a:solidFill>
+                  <a:schemeClr val="tx1"/>
+                </a:solidFill>
+                <a:latin typeface="+mn-lt"/>
+                <a:ea typeface="+mn-ea"/>
+                <a:cs typeface="+mn-cs"/>
+              </a:defRPr>
+            </a:lvl3pPr>
+            <a:lvl4pPr marL="1097280" indent="-228600" algn="just" rtl="0" eaLnBrk="1" latinLnBrk="0" hangingPunct="1">
+              <a:spcBef>
+                <a:spcPts val="400"/>
+              </a:spcBef>
+              <a:buClr>
+                <a:schemeClr val="accent2">
+                  <a:shade val="75000"/>
+                </a:schemeClr>
+              </a:buClr>
+              <a:buSzPct val="70000"/>
+              <a:buFont typeface="Wingdings"/>
+              <a:buChar char=""/>
+              <a:defRPr kumimoji="0" sz="1800" kern="1200">
+                <a:solidFill>
+                  <a:schemeClr val="tx1"/>
+                </a:solidFill>
+                <a:latin typeface="+mn-lt"/>
+                <a:ea typeface="+mn-ea"/>
+                <a:cs typeface="+mn-cs"/>
+              </a:defRPr>
+            </a:lvl4pPr>
+            <a:lvl5pPr marL="1371600" indent="-228600" algn="just" rtl="0" eaLnBrk="1" latinLnBrk="0" hangingPunct="1">
+              <a:spcBef>
+                <a:spcPts val="300"/>
+              </a:spcBef>
+              <a:buClr>
+                <a:schemeClr val="accent2"/>
+              </a:buClr>
+              <a:buSzPct val="70000"/>
+              <a:buFont typeface="Wingdings"/>
+              <a:buChar char=""/>
+              <a:defRPr kumimoji="0" sz="1600" kern="1200">
+                <a:solidFill>
+                  <a:schemeClr val="tx1"/>
+                </a:solidFill>
+                <a:latin typeface="+mn-lt"/>
+                <a:ea typeface="+mn-ea"/>
+                <a:cs typeface="+mn-cs"/>
+              </a:defRPr>
+            </a:lvl5pPr>
+            <a:lvl6pPr marL="1645920" indent="-182880" algn="l" rtl="0" eaLnBrk="1" latinLnBrk="0" hangingPunct="1">
+              <a:spcBef>
+                <a:spcPts val="300"/>
+              </a:spcBef>
+              <a:buClr>
+                <a:srgbClr val="9FB8CD">
+                  <a:shade val="75000"/>
+                </a:srgbClr>
+              </a:buClr>
+              <a:buSzPct val="75000"/>
+              <a:buFont typeface="Wingdings 3"/>
+              <a:buChar char=""/>
+              <a:defRPr kumimoji="0" lang="en-US" sz="1600" kern="1200" smtClean="0">
+                <a:solidFill>
+                  <a:schemeClr val="tx1"/>
+                </a:solidFill>
+                <a:latin typeface="+mn-lt"/>
+                <a:ea typeface="+mn-ea"/>
+                <a:cs typeface="+mn-cs"/>
+              </a:defRPr>
+            </a:lvl6pPr>
+            <a:lvl7pPr marL="1828800" indent="-182880" algn="l" rtl="0" eaLnBrk="1" latinLnBrk="0" hangingPunct="1">
+              <a:spcBef>
+                <a:spcPts val="300"/>
+              </a:spcBef>
+              <a:buClr>
+                <a:srgbClr val="727CA3">
+                  <a:shade val="75000"/>
+                </a:srgbClr>
+              </a:buClr>
+              <a:buSzPct val="75000"/>
+              <a:buFont typeface="Wingdings 3"/>
+              <a:buChar char=""/>
+              <a:defRPr kumimoji="0" lang="en-US" sz="1400" kern="1200" smtClean="0">
+                <a:solidFill>
+                  <a:schemeClr val="tx1"/>
+                </a:solidFill>
+                <a:latin typeface="+mn-lt"/>
+                <a:ea typeface="+mn-ea"/>
+                <a:cs typeface="+mn-cs"/>
+              </a:defRPr>
+            </a:lvl7pPr>
+            <a:lvl8pPr marL="2011680" indent="-182880" algn="l" rtl="0" eaLnBrk="1" latinLnBrk="0" hangingPunct="1">
+              <a:spcBef>
+                <a:spcPts val="300"/>
+              </a:spcBef>
+              <a:buClr>
+                <a:prstClr val="white">
+                  <a:shade val="50000"/>
+                </a:prstClr>
+              </a:buClr>
+              <a:buSzPct val="75000"/>
+              <a:buFont typeface="Wingdings 3"/>
+              <a:buChar char=""/>
+              <a:defRPr kumimoji="0" lang="en-US" sz="1400" kern="1200" smtClean="0">
+                <a:solidFill>
+                  <a:schemeClr val="tx1"/>
+                </a:solidFill>
+                <a:latin typeface="+mn-lt"/>
+                <a:ea typeface="+mn-ea"/>
+                <a:cs typeface="+mn-cs"/>
+              </a:defRPr>
+            </a:lvl8pPr>
+            <a:lvl9pPr marL="2194560" indent="-182880" algn="l" rtl="0" eaLnBrk="1" latinLnBrk="0" hangingPunct="1">
+              <a:spcBef>
+                <a:spcPts val="300"/>
+              </a:spcBef>
+              <a:buClr>
+                <a:srgbClr val="9FB8CD"/>
+              </a:buClr>
+              <a:buSzPct val="75000"/>
+              <a:buFont typeface="Wingdings 3"/>
+              <a:buChar char=""/>
+              <a:defRPr kumimoji="0" lang="en-US" sz="1200" kern="1200" smtClean="0">
+                <a:solidFill>
+                  <a:schemeClr val="tx1"/>
+                </a:solidFill>
+                <a:latin typeface="+mn-lt"/>
+                <a:ea typeface="+mn-ea"/>
+                <a:cs typeface="+mn-cs"/>
+              </a:defRPr>
+            </a:lvl9pPr>
+          </a:lstStyle>
+          <a:p>
+            <a:pPr marL="0" indent="0" fontAlgn="auto">
+              <a:spcAft>
+                <a:spcPts val="0"/>
+              </a:spcAft>
+              <a:buNone/>
+            </a:pPr>
+            <a:r>
+              <a:rPr lang="en-US" sz="1600" dirty="0"/>
+              <a:t>Accumulate sum from array as we move left from dividing line</a:t>
+            </a:r>
+          </a:p>
+        </p:txBody>
+      </p:sp>
+      <p:cxnSp>
+        <p:nvCxnSpPr>
+          <p:cNvPr id="5" name="Straight Connector 4">
+            <a:extLst>
+              <a:ext uri="{FF2B5EF4-FFF2-40B4-BE49-F238E27FC236}">
+                <a16:creationId xmlns:a16="http://schemas.microsoft.com/office/drawing/2014/main" id="{FAE26DD6-DABA-7840-8F2E-1730EC5576FB}"/>
+              </a:ext>
+            </a:extLst>
+          </p:cNvPr>
+          <p:cNvCxnSpPr>
+            <a:cxnSpLocks/>
+          </p:cNvCxnSpPr>
+          <p:nvPr/>
+        </p:nvCxnSpPr>
+        <p:spPr>
+          <a:xfrm>
+            <a:off x="6059652" y="2417952"/>
+            <a:ext cx="0" cy="2354344"/>
+          </a:xfrm>
+          <a:prstGeom prst="line">
+            <a:avLst/>
+          </a:prstGeom>
+          <a:ln w="53975"/>
+        </p:spPr>
+        <p:style>
+          <a:lnRef idx="1">
+            <a:schemeClr val="dk1"/>
+          </a:lnRef>
+          <a:fillRef idx="0">
+            <a:schemeClr val="dk1"/>
+          </a:fillRef>
+          <a:effectRef idx="0">
+            <a:schemeClr val="dk1"/>
+          </a:effectRef>
+          <a:fontRef idx="minor">
+            <a:schemeClr val="tx1"/>
+          </a:fontRef>
+        </p:style>
+      </p:cxnSp>
+      <p:sp>
+        <p:nvSpPr>
+          <p:cNvPr id="13" name="Rectangle 3">
+            <a:extLst>
+              <a:ext uri="{FF2B5EF4-FFF2-40B4-BE49-F238E27FC236}">
+                <a16:creationId xmlns:a16="http://schemas.microsoft.com/office/drawing/2014/main" id="{A3E70D05-F761-F74F-9EA8-D1C840943972}"/>
+              </a:ext>
+            </a:extLst>
+          </p:cNvPr>
+          <p:cNvSpPr txBox="1">
+            <a:spLocks noChangeArrowheads="1"/>
+          </p:cNvSpPr>
+          <p:nvPr>
+            <p:custDataLst>
+              <p:tags r:id="rId4"/>
+            </p:custDataLst>
+          </p:nvPr>
+        </p:nvSpPr>
+        <p:spPr>
+          <a:xfrm>
+            <a:off x="4085830" y="3203045"/>
+            <a:ext cx="437511" cy="449442"/>
+          </a:xfrm>
+          <a:prstGeom prst="rect">
+            <a:avLst/>
+          </a:prstGeom>
+        </p:spPr>
+        <p:txBody>
+          <a:bodyPr vert="horz">
+            <a:normAutofit/>
+          </a:bodyPr>
+          <a:lstStyle>
+            <a:lvl1pPr marL="274320" indent="-274320" algn="just" rtl="0" eaLnBrk="1" latinLnBrk="0" hangingPunct="1">
+              <a:spcBef>
+                <a:spcPts val="600"/>
+              </a:spcBef>
+              <a:buClr>
+                <a:schemeClr val="accent1"/>
+              </a:buClr>
+              <a:buSzPct val="76000"/>
+              <a:buFont typeface="Wingdings 3"/>
+              <a:buChar char=""/>
+              <a:defRPr kumimoji="0" sz="2600" kern="1200">
+                <a:solidFill>
+                  <a:schemeClr val="tx1"/>
+                </a:solidFill>
+                <a:latin typeface="+mn-lt"/>
+                <a:ea typeface="+mn-ea"/>
+                <a:cs typeface="+mn-cs"/>
+              </a:defRPr>
+            </a:lvl1pPr>
+            <a:lvl2pPr marL="548640" indent="-274320" algn="just" rtl="0" eaLnBrk="1" latinLnBrk="0" hangingPunct="1">
+              <a:spcBef>
+                <a:spcPts val="500"/>
+              </a:spcBef>
+              <a:buClr>
+                <a:schemeClr val="accent2"/>
+              </a:buClr>
+              <a:buSzPct val="76000"/>
+              <a:buFont typeface="Wingdings 3"/>
+              <a:buChar char=""/>
+              <a:defRPr kumimoji="0" sz="2300" kern="1200">
+                <a:solidFill>
+                  <a:schemeClr val="tx2"/>
+                </a:solidFill>
+                <a:latin typeface="+mn-lt"/>
+                <a:ea typeface="+mn-ea"/>
+                <a:cs typeface="+mn-cs"/>
+              </a:defRPr>
+            </a:lvl2pPr>
+            <a:lvl3pPr marL="822960" indent="-228600" algn="just" rtl="0" eaLnBrk="1" latinLnBrk="0" hangingPunct="1">
+              <a:spcBef>
+                <a:spcPts val="500"/>
+              </a:spcBef>
+              <a:buClr>
+                <a:schemeClr val="bg1">
+                  <a:shade val="50000"/>
+                </a:schemeClr>
+              </a:buClr>
+              <a:buSzPct val="76000"/>
+              <a:buFont typeface="Wingdings 3"/>
+              <a:buChar char=""/>
+              <a:defRPr kumimoji="0" sz="2000" kern="1200">
+                <a:solidFill>
+                  <a:schemeClr val="tx1"/>
+                </a:solidFill>
+                <a:latin typeface="+mn-lt"/>
+                <a:ea typeface="+mn-ea"/>
+                <a:cs typeface="+mn-cs"/>
+              </a:defRPr>
+            </a:lvl3pPr>
+            <a:lvl4pPr marL="1097280" indent="-228600" algn="just" rtl="0" eaLnBrk="1" latinLnBrk="0" hangingPunct="1">
+              <a:spcBef>
+                <a:spcPts val="400"/>
+              </a:spcBef>
+              <a:buClr>
+                <a:schemeClr val="accent2">
+                  <a:shade val="75000"/>
+                </a:schemeClr>
+              </a:buClr>
+              <a:buSzPct val="70000"/>
+              <a:buFont typeface="Wingdings"/>
+              <a:buChar char=""/>
+              <a:defRPr kumimoji="0" sz="1800" kern="1200">
+                <a:solidFill>
+                  <a:schemeClr val="tx1"/>
+                </a:solidFill>
+                <a:latin typeface="+mn-lt"/>
+                <a:ea typeface="+mn-ea"/>
+                <a:cs typeface="+mn-cs"/>
+              </a:defRPr>
+            </a:lvl4pPr>
+            <a:lvl5pPr marL="1371600" indent="-228600" algn="just" rtl="0" eaLnBrk="1" latinLnBrk="0" hangingPunct="1">
+              <a:spcBef>
+                <a:spcPts val="300"/>
+              </a:spcBef>
+              <a:buClr>
+                <a:schemeClr val="accent2"/>
+              </a:buClr>
+              <a:buSzPct val="70000"/>
+              <a:buFont typeface="Wingdings"/>
+              <a:buChar char=""/>
+              <a:defRPr kumimoji="0" sz="1600" kern="1200">
+                <a:solidFill>
+                  <a:schemeClr val="tx1"/>
+                </a:solidFill>
+                <a:latin typeface="+mn-lt"/>
+                <a:ea typeface="+mn-ea"/>
+                <a:cs typeface="+mn-cs"/>
+              </a:defRPr>
+            </a:lvl5pPr>
+            <a:lvl6pPr marL="1645920" indent="-182880" algn="l" rtl="0" eaLnBrk="1" latinLnBrk="0" hangingPunct="1">
+              <a:spcBef>
+                <a:spcPts val="300"/>
+              </a:spcBef>
+              <a:buClr>
+                <a:srgbClr val="9FB8CD">
+                  <a:shade val="75000"/>
+                </a:srgbClr>
+              </a:buClr>
+              <a:buSzPct val="75000"/>
+              <a:buFont typeface="Wingdings 3"/>
+              <a:buChar char=""/>
+              <a:defRPr kumimoji="0" lang="en-US" sz="1600" kern="1200" smtClean="0">
+                <a:solidFill>
+                  <a:schemeClr val="tx1"/>
+                </a:solidFill>
+                <a:latin typeface="+mn-lt"/>
+                <a:ea typeface="+mn-ea"/>
+                <a:cs typeface="+mn-cs"/>
+              </a:defRPr>
+            </a:lvl6pPr>
+            <a:lvl7pPr marL="1828800" indent="-182880" algn="l" rtl="0" eaLnBrk="1" latinLnBrk="0" hangingPunct="1">
+              <a:spcBef>
+                <a:spcPts val="300"/>
+              </a:spcBef>
+              <a:buClr>
+                <a:srgbClr val="727CA3">
+                  <a:shade val="75000"/>
+                </a:srgbClr>
+              </a:buClr>
+              <a:buSzPct val="75000"/>
+              <a:buFont typeface="Wingdings 3"/>
+              <a:buChar char=""/>
+              <a:defRPr kumimoji="0" lang="en-US" sz="1400" kern="1200" smtClean="0">
+                <a:solidFill>
+                  <a:schemeClr val="tx1"/>
+                </a:solidFill>
+                <a:latin typeface="+mn-lt"/>
+                <a:ea typeface="+mn-ea"/>
+                <a:cs typeface="+mn-cs"/>
+              </a:defRPr>
+            </a:lvl7pPr>
+            <a:lvl8pPr marL="2011680" indent="-182880" algn="l" rtl="0" eaLnBrk="1" latinLnBrk="0" hangingPunct="1">
+              <a:spcBef>
+                <a:spcPts val="300"/>
+              </a:spcBef>
+              <a:buClr>
+                <a:prstClr val="white">
+                  <a:shade val="50000"/>
+                </a:prstClr>
+              </a:buClr>
+              <a:buSzPct val="75000"/>
+              <a:buFont typeface="Wingdings 3"/>
+              <a:buChar char=""/>
+              <a:defRPr kumimoji="0" lang="en-US" sz="1400" kern="1200" smtClean="0">
+                <a:solidFill>
+                  <a:schemeClr val="tx1"/>
+                </a:solidFill>
+                <a:latin typeface="+mn-lt"/>
+                <a:ea typeface="+mn-ea"/>
+                <a:cs typeface="+mn-cs"/>
+              </a:defRPr>
+            </a:lvl8pPr>
+            <a:lvl9pPr marL="2194560" indent="-182880" algn="l" rtl="0" eaLnBrk="1" latinLnBrk="0" hangingPunct="1">
+              <a:spcBef>
+                <a:spcPts val="300"/>
+              </a:spcBef>
+              <a:buClr>
+                <a:srgbClr val="9FB8CD"/>
+              </a:buClr>
+              <a:buSzPct val="75000"/>
+              <a:buFont typeface="Wingdings 3"/>
+              <a:buChar char=""/>
+              <a:defRPr kumimoji="0" lang="en-US" sz="1200" kern="1200" smtClean="0">
+                <a:solidFill>
+                  <a:schemeClr val="tx1"/>
+                </a:solidFill>
+                <a:latin typeface="+mn-lt"/>
+                <a:ea typeface="+mn-ea"/>
+                <a:cs typeface="+mn-cs"/>
+              </a:defRPr>
+            </a:lvl9pPr>
+          </a:lstStyle>
+          <a:p>
+            <a:pPr marL="0" indent="0" fontAlgn="auto">
+              <a:spcAft>
+                <a:spcPts val="0"/>
+              </a:spcAft>
+              <a:buNone/>
+            </a:pPr>
+            <a:r>
+              <a:rPr lang="en-US" sz="1600" dirty="0"/>
+              <a:t>…</a:t>
+            </a:r>
+          </a:p>
+        </p:txBody>
+      </p:sp>
+    </p:spTree>
+    <p:extLst>
+      <p:ext uri="{BB962C8B-B14F-4D97-AF65-F5344CB8AC3E}">
+        <p14:creationId xmlns:p14="http://schemas.microsoft.com/office/powerpoint/2010/main" val="3185490581"/>
+      </p:ext>
+    </p:extLst>
+  </p:cSld>
+  <p:clrMapOvr>
+    <a:masterClrMapping/>
+  </p:clrMapOvr>
+</p:sld>
+</file>
+
+<file path=ppt/slides/slide26.xml><?xml version="1.0" encoding="utf-8"?>
+<p:sld xmlns:a="http://schemas.openxmlformats.org/drawingml/2006/main" xmlns:r="http://schemas.openxmlformats.org/officeDocument/2006/relationships" xmlns:p="http://schemas.openxmlformats.org/presentationml/2006/main">
+  <p:cSld>
+    <p:spTree>
+      <p:nvGrpSpPr>
+        <p:cNvPr id="1" name=""/>
+        <p:cNvGrpSpPr/>
+        <p:nvPr/>
+      </p:nvGrpSpPr>
+      <p:grpSpPr>
+        <a:xfrm>
+          <a:off x="0" y="0"/>
+          <a:ext cx="0" cy="0"/>
+          <a:chOff x="0" y="0"/>
+          <a:chExt cx="0" cy="0"/>
+        </a:xfrm>
+      </p:grpSpPr>
+      <p:sp>
+        <p:nvSpPr>
+          <p:cNvPr id="33794" name="Rectangle 2"/>
+          <p:cNvSpPr>
+            <a:spLocks noGrp="1" noChangeArrowheads="1"/>
+          </p:cNvSpPr>
+          <p:nvPr>
+            <p:ph type="title"/>
+            <p:custDataLst>
+              <p:tags r:id="rId1"/>
+            </p:custDataLst>
           </p:nvPr>
         </p:nvSpPr>
         <p:spPr/>
@@ -7630,39 +10377,3248 @@
           <a:p>
             <a:r>
               <a:rPr lang="en-US" dirty="0"/>
-              <a:t>Powerful technique for a wide array of problems</a:t>
-            </a:r>
-          </a:p>
+              <a:t>How to find </a:t>
+            </a:r>
+            <a:r>
+              <a:rPr lang="en-US" dirty="0" err="1"/>
+              <a:t>MaxSum_Divide</a:t>
+            </a:r>
+            <a:endParaRPr lang="en-US" dirty="0"/>
+          </a:p>
+        </p:txBody>
+      </p:sp>
+      <p:sp>
+        <p:nvSpPr>
+          <p:cNvPr id="6" name="Slide Number Placeholder 5"/>
+          <p:cNvSpPr>
+            <a:spLocks noGrp="1"/>
+          </p:cNvSpPr>
+          <p:nvPr>
+            <p:ph type="sldNum" sz="quarter" idx="12"/>
+          </p:nvPr>
+        </p:nvSpPr>
+        <p:spPr/>
+        <p:txBody>
+          <a:bodyPr/>
+          <a:lstStyle/>
+          <a:p>
+            <a:fld id="{0E0CE5E1-73E6-4EC0-A549-568A23C84235}" type="slidenum">
+              <a:rPr lang="en-US" smtClean="0"/>
+              <a:pPr/>
+              <a:t>26</a:t>
+            </a:fld>
+            <a:endParaRPr lang="en-US"/>
+          </a:p>
+        </p:txBody>
+      </p:sp>
+      <p:sp>
+        <p:nvSpPr>
+          <p:cNvPr id="33795" name="Rectangle 3"/>
+          <p:cNvSpPr>
+            <a:spLocks noGrp="1" noChangeArrowheads="1"/>
+          </p:cNvSpPr>
+          <p:nvPr>
+            <p:ph sz="quarter" idx="1"/>
+            <p:custDataLst>
+              <p:tags r:id="rId2"/>
+            </p:custDataLst>
+          </p:nvPr>
+        </p:nvSpPr>
+        <p:spPr>
+          <a:xfrm>
+            <a:off x="609600" y="1219200"/>
+            <a:ext cx="10972800" cy="657308"/>
+          </a:xfrm>
+        </p:spPr>
+        <p:txBody>
+          <a:bodyPr>
+            <a:normAutofit/>
+          </a:bodyPr>
+          <a:lstStyle/>
           <a:p>
             <a:r>
               <a:rPr lang="en-US" dirty="0"/>
-              <a:t>Don’t let a lot of “extra” work fool you:</a:t>
+              <a:t>Needs to be in linear time:</a:t>
+            </a:r>
+          </a:p>
+        </p:txBody>
+      </p:sp>
+      <p:pic>
+        <p:nvPicPr>
+          <p:cNvPr id="3" name="Picture 2">
+            <a:extLst>
+              <a:ext uri="{FF2B5EF4-FFF2-40B4-BE49-F238E27FC236}">
+                <a16:creationId xmlns:a16="http://schemas.microsoft.com/office/drawing/2014/main" id="{07903AEB-DE9D-9045-A3D7-49DC732F67A1}"/>
+              </a:ext>
+            </a:extLst>
+          </p:cNvPr>
+          <p:cNvPicPr>
+            <a:picLocks noChangeAspect="1"/>
+          </p:cNvPicPr>
+          <p:nvPr/>
+        </p:nvPicPr>
+        <p:blipFill>
+          <a:blip r:embed="rId5"/>
+          <a:stretch>
+            <a:fillRect/>
+          </a:stretch>
+        </p:blipFill>
+        <p:spPr>
+          <a:xfrm>
+            <a:off x="1524000" y="3712308"/>
+            <a:ext cx="8881606" cy="1625097"/>
+          </a:xfrm>
+          <a:prstGeom prst="rect">
+            <a:avLst/>
+          </a:prstGeom>
+        </p:spPr>
+      </p:pic>
+      <p:sp>
+        <p:nvSpPr>
+          <p:cNvPr id="2" name="Rectangle 1">
+            <a:extLst>
+              <a:ext uri="{FF2B5EF4-FFF2-40B4-BE49-F238E27FC236}">
+                <a16:creationId xmlns:a16="http://schemas.microsoft.com/office/drawing/2014/main" id="{DFD88653-41C2-3B4F-873E-5160723FD18A}"/>
+              </a:ext>
+            </a:extLst>
+          </p:cNvPr>
+          <p:cNvSpPr/>
+          <p:nvPr/>
+        </p:nvSpPr>
+        <p:spPr>
+          <a:xfrm>
+            <a:off x="5557962" y="3181276"/>
+            <a:ext cx="492981" cy="492981"/>
+          </a:xfrm>
+          <a:prstGeom prst="rect">
+            <a:avLst/>
+          </a:prstGeom>
+        </p:spPr>
+        <p:style>
+          <a:lnRef idx="2">
+            <a:schemeClr val="accent1">
+              <a:shade val="50000"/>
+            </a:schemeClr>
+          </a:lnRef>
+          <a:fillRef idx="1">
+            <a:schemeClr val="accent1"/>
+          </a:fillRef>
+          <a:effectRef idx="0">
+            <a:schemeClr val="accent1"/>
+          </a:effectRef>
+          <a:fontRef idx="minor">
+            <a:schemeClr val="lt1"/>
+          </a:fontRef>
+        </p:style>
+        <p:txBody>
+          <a:bodyPr rtlCol="0" anchor="ctr"/>
+          <a:lstStyle/>
+          <a:p>
+            <a:pPr algn="ctr"/>
+            <a:r>
+              <a:rPr lang="en-US" sz="1800" b="1" dirty="0"/>
+              <a:t>18</a:t>
+            </a:r>
+          </a:p>
+        </p:txBody>
+      </p:sp>
+      <p:sp>
+        <p:nvSpPr>
+          <p:cNvPr id="7" name="Rectangle 6">
+            <a:extLst>
+              <a:ext uri="{FF2B5EF4-FFF2-40B4-BE49-F238E27FC236}">
+                <a16:creationId xmlns:a16="http://schemas.microsoft.com/office/drawing/2014/main" id="{321BB4D7-81F0-6E4F-9986-8DD262E4D7FE}"/>
+              </a:ext>
+            </a:extLst>
+          </p:cNvPr>
+          <p:cNvSpPr/>
+          <p:nvPr/>
+        </p:nvSpPr>
+        <p:spPr>
+          <a:xfrm>
+            <a:off x="5058352" y="3182604"/>
+            <a:ext cx="492981" cy="492981"/>
+          </a:xfrm>
+          <a:prstGeom prst="rect">
+            <a:avLst/>
+          </a:prstGeom>
+        </p:spPr>
+        <p:style>
+          <a:lnRef idx="2">
+            <a:schemeClr val="accent1">
+              <a:shade val="50000"/>
+            </a:schemeClr>
+          </a:lnRef>
+          <a:fillRef idx="1">
+            <a:schemeClr val="accent1"/>
+          </a:fillRef>
+          <a:effectRef idx="0">
+            <a:schemeClr val="accent1"/>
+          </a:effectRef>
+          <a:fontRef idx="minor">
+            <a:schemeClr val="lt1"/>
+          </a:fontRef>
+        </p:style>
+        <p:txBody>
+          <a:bodyPr rtlCol="0" anchor="ctr"/>
+          <a:lstStyle/>
+          <a:p>
+            <a:pPr algn="ctr"/>
+            <a:r>
+              <a:rPr lang="en-US" sz="1800" dirty="0"/>
+              <a:t>-5</a:t>
+            </a:r>
+          </a:p>
+        </p:txBody>
+      </p:sp>
+      <p:sp>
+        <p:nvSpPr>
+          <p:cNvPr id="8" name="Rectangle 7">
+            <a:extLst>
+              <a:ext uri="{FF2B5EF4-FFF2-40B4-BE49-F238E27FC236}">
+                <a16:creationId xmlns:a16="http://schemas.microsoft.com/office/drawing/2014/main" id="{D3F33908-F1D6-2E4E-BA80-ACD57460BE38}"/>
+              </a:ext>
+            </a:extLst>
+          </p:cNvPr>
+          <p:cNvSpPr/>
+          <p:nvPr/>
+        </p:nvSpPr>
+        <p:spPr>
+          <a:xfrm>
+            <a:off x="4558745" y="3175220"/>
+            <a:ext cx="492981" cy="499037"/>
+          </a:xfrm>
+          <a:prstGeom prst="rect">
+            <a:avLst/>
+          </a:prstGeom>
+        </p:spPr>
+        <p:style>
+          <a:lnRef idx="2">
+            <a:schemeClr val="accent1">
+              <a:shade val="50000"/>
+            </a:schemeClr>
+          </a:lnRef>
+          <a:fillRef idx="1">
+            <a:schemeClr val="accent1"/>
+          </a:fillRef>
+          <a:effectRef idx="0">
+            <a:schemeClr val="accent1"/>
+          </a:effectRef>
+          <a:fontRef idx="minor">
+            <a:schemeClr val="lt1"/>
+          </a:fontRef>
+        </p:style>
+        <p:txBody>
+          <a:bodyPr rtlCol="0" anchor="ctr"/>
+          <a:lstStyle/>
+          <a:p>
+            <a:pPr algn="ctr"/>
+            <a:r>
+              <a:rPr lang="en-US" sz="1800" dirty="0"/>
+              <a:t>-21</a:t>
+            </a:r>
+          </a:p>
+        </p:txBody>
+      </p:sp>
+      <p:sp>
+        <p:nvSpPr>
+          <p:cNvPr id="9" name="Rectangle 3">
+            <a:extLst>
+              <a:ext uri="{FF2B5EF4-FFF2-40B4-BE49-F238E27FC236}">
+                <a16:creationId xmlns:a16="http://schemas.microsoft.com/office/drawing/2014/main" id="{144205B7-FC01-754C-B638-113E35257EBB}"/>
+              </a:ext>
+            </a:extLst>
+          </p:cNvPr>
+          <p:cNvSpPr txBox="1">
+            <a:spLocks noChangeArrowheads="1"/>
+          </p:cNvSpPr>
+          <p:nvPr>
+            <p:custDataLst>
+              <p:tags r:id="rId3"/>
+            </p:custDataLst>
+          </p:nvPr>
+        </p:nvSpPr>
+        <p:spPr>
+          <a:xfrm>
+            <a:off x="1384662" y="2610111"/>
+            <a:ext cx="5008185" cy="533114"/>
+          </a:xfrm>
+          <a:prstGeom prst="rect">
+            <a:avLst/>
+          </a:prstGeom>
+        </p:spPr>
+        <p:txBody>
+          <a:bodyPr vert="horz">
+            <a:normAutofit fontScale="85000" lnSpcReduction="20000"/>
+          </a:bodyPr>
+          <a:lstStyle>
+            <a:lvl1pPr marL="274320" indent="-274320" algn="just" rtl="0" eaLnBrk="1" latinLnBrk="0" hangingPunct="1">
+              <a:spcBef>
+                <a:spcPts val="600"/>
+              </a:spcBef>
+              <a:buClr>
+                <a:schemeClr val="accent1"/>
+              </a:buClr>
+              <a:buSzPct val="76000"/>
+              <a:buFont typeface="Wingdings 3"/>
+              <a:buChar char=""/>
+              <a:defRPr kumimoji="0" sz="2600" kern="1200">
+                <a:solidFill>
+                  <a:schemeClr val="tx1"/>
+                </a:solidFill>
+                <a:latin typeface="+mn-lt"/>
+                <a:ea typeface="+mn-ea"/>
+                <a:cs typeface="+mn-cs"/>
+              </a:defRPr>
+            </a:lvl1pPr>
+            <a:lvl2pPr marL="548640" indent="-274320" algn="just" rtl="0" eaLnBrk="1" latinLnBrk="0" hangingPunct="1">
+              <a:spcBef>
+                <a:spcPts val="500"/>
+              </a:spcBef>
+              <a:buClr>
+                <a:schemeClr val="accent2"/>
+              </a:buClr>
+              <a:buSzPct val="76000"/>
+              <a:buFont typeface="Wingdings 3"/>
+              <a:buChar char=""/>
+              <a:defRPr kumimoji="0" sz="2300" kern="1200">
+                <a:solidFill>
+                  <a:schemeClr val="tx2"/>
+                </a:solidFill>
+                <a:latin typeface="+mn-lt"/>
+                <a:ea typeface="+mn-ea"/>
+                <a:cs typeface="+mn-cs"/>
+              </a:defRPr>
+            </a:lvl2pPr>
+            <a:lvl3pPr marL="822960" indent="-228600" algn="just" rtl="0" eaLnBrk="1" latinLnBrk="0" hangingPunct="1">
+              <a:spcBef>
+                <a:spcPts val="500"/>
+              </a:spcBef>
+              <a:buClr>
+                <a:schemeClr val="bg1">
+                  <a:shade val="50000"/>
+                </a:schemeClr>
+              </a:buClr>
+              <a:buSzPct val="76000"/>
+              <a:buFont typeface="Wingdings 3"/>
+              <a:buChar char=""/>
+              <a:defRPr kumimoji="0" sz="2000" kern="1200">
+                <a:solidFill>
+                  <a:schemeClr val="tx1"/>
+                </a:solidFill>
+                <a:latin typeface="+mn-lt"/>
+                <a:ea typeface="+mn-ea"/>
+                <a:cs typeface="+mn-cs"/>
+              </a:defRPr>
+            </a:lvl3pPr>
+            <a:lvl4pPr marL="1097280" indent="-228600" algn="just" rtl="0" eaLnBrk="1" latinLnBrk="0" hangingPunct="1">
+              <a:spcBef>
+                <a:spcPts val="400"/>
+              </a:spcBef>
+              <a:buClr>
+                <a:schemeClr val="accent2">
+                  <a:shade val="75000"/>
+                </a:schemeClr>
+              </a:buClr>
+              <a:buSzPct val="70000"/>
+              <a:buFont typeface="Wingdings"/>
+              <a:buChar char=""/>
+              <a:defRPr kumimoji="0" sz="1800" kern="1200">
+                <a:solidFill>
+                  <a:schemeClr val="tx1"/>
+                </a:solidFill>
+                <a:latin typeface="+mn-lt"/>
+                <a:ea typeface="+mn-ea"/>
+                <a:cs typeface="+mn-cs"/>
+              </a:defRPr>
+            </a:lvl4pPr>
+            <a:lvl5pPr marL="1371600" indent="-228600" algn="just" rtl="0" eaLnBrk="1" latinLnBrk="0" hangingPunct="1">
+              <a:spcBef>
+                <a:spcPts val="300"/>
+              </a:spcBef>
+              <a:buClr>
+                <a:schemeClr val="accent2"/>
+              </a:buClr>
+              <a:buSzPct val="70000"/>
+              <a:buFont typeface="Wingdings"/>
+              <a:buChar char=""/>
+              <a:defRPr kumimoji="0" sz="1600" kern="1200">
+                <a:solidFill>
+                  <a:schemeClr val="tx1"/>
+                </a:solidFill>
+                <a:latin typeface="+mn-lt"/>
+                <a:ea typeface="+mn-ea"/>
+                <a:cs typeface="+mn-cs"/>
+              </a:defRPr>
+            </a:lvl5pPr>
+            <a:lvl6pPr marL="1645920" indent="-182880" algn="l" rtl="0" eaLnBrk="1" latinLnBrk="0" hangingPunct="1">
+              <a:spcBef>
+                <a:spcPts val="300"/>
+              </a:spcBef>
+              <a:buClr>
+                <a:srgbClr val="9FB8CD">
+                  <a:shade val="75000"/>
+                </a:srgbClr>
+              </a:buClr>
+              <a:buSzPct val="75000"/>
+              <a:buFont typeface="Wingdings 3"/>
+              <a:buChar char=""/>
+              <a:defRPr kumimoji="0" lang="en-US" sz="1600" kern="1200" smtClean="0">
+                <a:solidFill>
+                  <a:schemeClr val="tx1"/>
+                </a:solidFill>
+                <a:latin typeface="+mn-lt"/>
+                <a:ea typeface="+mn-ea"/>
+                <a:cs typeface="+mn-cs"/>
+              </a:defRPr>
+            </a:lvl6pPr>
+            <a:lvl7pPr marL="1828800" indent="-182880" algn="l" rtl="0" eaLnBrk="1" latinLnBrk="0" hangingPunct="1">
+              <a:spcBef>
+                <a:spcPts val="300"/>
+              </a:spcBef>
+              <a:buClr>
+                <a:srgbClr val="727CA3">
+                  <a:shade val="75000"/>
+                </a:srgbClr>
+              </a:buClr>
+              <a:buSzPct val="75000"/>
+              <a:buFont typeface="Wingdings 3"/>
+              <a:buChar char=""/>
+              <a:defRPr kumimoji="0" lang="en-US" sz="1400" kern="1200" smtClean="0">
+                <a:solidFill>
+                  <a:schemeClr val="tx1"/>
+                </a:solidFill>
+                <a:latin typeface="+mn-lt"/>
+                <a:ea typeface="+mn-ea"/>
+                <a:cs typeface="+mn-cs"/>
+              </a:defRPr>
+            </a:lvl7pPr>
+            <a:lvl8pPr marL="2011680" indent="-182880" algn="l" rtl="0" eaLnBrk="1" latinLnBrk="0" hangingPunct="1">
+              <a:spcBef>
+                <a:spcPts val="300"/>
+              </a:spcBef>
+              <a:buClr>
+                <a:prstClr val="white">
+                  <a:shade val="50000"/>
+                </a:prstClr>
+              </a:buClr>
+              <a:buSzPct val="75000"/>
+              <a:buFont typeface="Wingdings 3"/>
+              <a:buChar char=""/>
+              <a:defRPr kumimoji="0" lang="en-US" sz="1400" kern="1200" smtClean="0">
+                <a:solidFill>
+                  <a:schemeClr val="tx1"/>
+                </a:solidFill>
+                <a:latin typeface="+mn-lt"/>
+                <a:ea typeface="+mn-ea"/>
+                <a:cs typeface="+mn-cs"/>
+              </a:defRPr>
+            </a:lvl8pPr>
+            <a:lvl9pPr marL="2194560" indent="-182880" algn="l" rtl="0" eaLnBrk="1" latinLnBrk="0" hangingPunct="1">
+              <a:spcBef>
+                <a:spcPts val="300"/>
+              </a:spcBef>
+              <a:buClr>
+                <a:srgbClr val="9FB8CD"/>
+              </a:buClr>
+              <a:buSzPct val="75000"/>
+              <a:buFont typeface="Wingdings 3"/>
+              <a:buChar char=""/>
+              <a:defRPr kumimoji="0" lang="en-US" sz="1200" kern="1200" smtClean="0">
+                <a:solidFill>
+                  <a:schemeClr val="tx1"/>
+                </a:solidFill>
+                <a:latin typeface="+mn-lt"/>
+                <a:ea typeface="+mn-ea"/>
+                <a:cs typeface="+mn-cs"/>
+              </a:defRPr>
+            </a:lvl9pPr>
+          </a:lstStyle>
+          <a:p>
+            <a:pPr marL="0" indent="0" fontAlgn="auto">
+              <a:spcAft>
+                <a:spcPts val="0"/>
+              </a:spcAft>
+              <a:buNone/>
+            </a:pPr>
+            <a:r>
+              <a:rPr lang="en-US" sz="1600" dirty="0"/>
+              <a:t>Accumulate sum from array as we move left from dividing line</a:t>
+            </a:r>
+          </a:p>
+          <a:p>
+            <a:pPr marL="0" indent="0" fontAlgn="auto">
+              <a:spcAft>
+                <a:spcPts val="0"/>
+              </a:spcAft>
+              <a:buNone/>
+            </a:pPr>
+            <a:r>
+              <a:rPr lang="en-US" sz="1600" dirty="0"/>
+              <a:t>Best is 18. this takes linear time!</a:t>
+            </a:r>
+          </a:p>
+        </p:txBody>
+      </p:sp>
+      <p:cxnSp>
+        <p:nvCxnSpPr>
+          <p:cNvPr id="5" name="Straight Connector 4">
+            <a:extLst>
+              <a:ext uri="{FF2B5EF4-FFF2-40B4-BE49-F238E27FC236}">
+                <a16:creationId xmlns:a16="http://schemas.microsoft.com/office/drawing/2014/main" id="{FAE26DD6-DABA-7840-8F2E-1730EC5576FB}"/>
+              </a:ext>
+            </a:extLst>
+          </p:cNvPr>
+          <p:cNvCxnSpPr>
+            <a:cxnSpLocks/>
+          </p:cNvCxnSpPr>
+          <p:nvPr/>
+        </p:nvCxnSpPr>
+        <p:spPr>
+          <a:xfrm>
+            <a:off x="6059652" y="2417952"/>
+            <a:ext cx="0" cy="2354344"/>
+          </a:xfrm>
+          <a:prstGeom prst="line">
+            <a:avLst/>
+          </a:prstGeom>
+          <a:ln w="53975"/>
+        </p:spPr>
+        <p:style>
+          <a:lnRef idx="1">
+            <a:schemeClr val="dk1"/>
+          </a:lnRef>
+          <a:fillRef idx="0">
+            <a:schemeClr val="dk1"/>
+          </a:fillRef>
+          <a:effectRef idx="0">
+            <a:schemeClr val="dk1"/>
+          </a:effectRef>
+          <a:fontRef idx="minor">
+            <a:schemeClr val="tx1"/>
+          </a:fontRef>
+        </p:style>
+      </p:cxnSp>
+      <p:sp>
+        <p:nvSpPr>
+          <p:cNvPr id="12" name="Rectangle 11">
+            <a:extLst>
+              <a:ext uri="{FF2B5EF4-FFF2-40B4-BE49-F238E27FC236}">
+                <a16:creationId xmlns:a16="http://schemas.microsoft.com/office/drawing/2014/main" id="{DF71E116-C6D7-B540-BEBD-A71D8B8961BB}"/>
+              </a:ext>
+            </a:extLst>
+          </p:cNvPr>
+          <p:cNvSpPr/>
+          <p:nvPr/>
+        </p:nvSpPr>
+        <p:spPr>
+          <a:xfrm>
+            <a:off x="4055730" y="3176918"/>
+            <a:ext cx="492981" cy="501690"/>
+          </a:xfrm>
+          <a:prstGeom prst="rect">
+            <a:avLst/>
+          </a:prstGeom>
+        </p:spPr>
+        <p:style>
+          <a:lnRef idx="2">
+            <a:schemeClr val="accent1">
+              <a:shade val="50000"/>
+            </a:schemeClr>
+          </a:lnRef>
+          <a:fillRef idx="1">
+            <a:schemeClr val="accent1"/>
+          </a:fillRef>
+          <a:effectRef idx="0">
+            <a:schemeClr val="accent1"/>
+          </a:effectRef>
+          <a:fontRef idx="minor">
+            <a:schemeClr val="lt1"/>
+          </a:fontRef>
+        </p:style>
+        <p:txBody>
+          <a:bodyPr rtlCol="0" anchor="ctr"/>
+          <a:lstStyle/>
+          <a:p>
+            <a:pPr algn="ctr"/>
+            <a:r>
+              <a:rPr lang="en-US" sz="1800" dirty="0"/>
+              <a:t>-24</a:t>
+            </a:r>
+          </a:p>
+        </p:txBody>
+      </p:sp>
+      <p:sp>
+        <p:nvSpPr>
+          <p:cNvPr id="14" name="Rectangle 13">
+            <a:extLst>
+              <a:ext uri="{FF2B5EF4-FFF2-40B4-BE49-F238E27FC236}">
+                <a16:creationId xmlns:a16="http://schemas.microsoft.com/office/drawing/2014/main" id="{67B8887F-3AFF-2548-9834-D1D5B0BDEE5C}"/>
+              </a:ext>
+            </a:extLst>
+          </p:cNvPr>
+          <p:cNvSpPr/>
+          <p:nvPr/>
+        </p:nvSpPr>
+        <p:spPr>
+          <a:xfrm>
+            <a:off x="3556120" y="3178246"/>
+            <a:ext cx="492981" cy="492981"/>
+          </a:xfrm>
+          <a:prstGeom prst="rect">
+            <a:avLst/>
+          </a:prstGeom>
+        </p:spPr>
+        <p:style>
+          <a:lnRef idx="2">
+            <a:schemeClr val="accent1">
+              <a:shade val="50000"/>
+            </a:schemeClr>
+          </a:lnRef>
+          <a:fillRef idx="1">
+            <a:schemeClr val="accent1"/>
+          </a:fillRef>
+          <a:effectRef idx="0">
+            <a:schemeClr val="accent1"/>
+          </a:effectRef>
+          <a:fontRef idx="minor">
+            <a:schemeClr val="lt1"/>
+          </a:fontRef>
+        </p:style>
+        <p:txBody>
+          <a:bodyPr rtlCol="0" anchor="ctr"/>
+          <a:lstStyle/>
+          <a:p>
+            <a:pPr algn="ctr"/>
+            <a:r>
+              <a:rPr lang="en-US" sz="1800" dirty="0"/>
+              <a:t>-4</a:t>
+            </a:r>
+          </a:p>
+        </p:txBody>
+      </p:sp>
+      <p:sp>
+        <p:nvSpPr>
+          <p:cNvPr id="15" name="Rectangle 14">
+            <a:extLst>
+              <a:ext uri="{FF2B5EF4-FFF2-40B4-BE49-F238E27FC236}">
+                <a16:creationId xmlns:a16="http://schemas.microsoft.com/office/drawing/2014/main" id="{8B2B86D3-7875-BC4B-A50C-03E1EDECDDE1}"/>
+              </a:ext>
+            </a:extLst>
+          </p:cNvPr>
+          <p:cNvSpPr/>
+          <p:nvPr/>
+        </p:nvSpPr>
+        <p:spPr>
+          <a:xfrm>
+            <a:off x="3056513" y="3179571"/>
+            <a:ext cx="492981" cy="499037"/>
+          </a:xfrm>
+          <a:prstGeom prst="rect">
+            <a:avLst/>
+          </a:prstGeom>
+        </p:spPr>
+        <p:style>
+          <a:lnRef idx="2">
+            <a:schemeClr val="accent1">
+              <a:shade val="50000"/>
+            </a:schemeClr>
+          </a:lnRef>
+          <a:fillRef idx="1">
+            <a:schemeClr val="accent1"/>
+          </a:fillRef>
+          <a:effectRef idx="0">
+            <a:schemeClr val="accent1"/>
+          </a:effectRef>
+          <a:fontRef idx="minor">
+            <a:schemeClr val="lt1"/>
+          </a:fontRef>
+        </p:style>
+        <p:txBody>
+          <a:bodyPr rtlCol="0" anchor="ctr"/>
+          <a:lstStyle/>
+          <a:p>
+            <a:pPr algn="ctr"/>
+            <a:r>
+              <a:rPr lang="en-US" sz="1800" dirty="0"/>
+              <a:t>-29</a:t>
+            </a:r>
+          </a:p>
+        </p:txBody>
+      </p:sp>
+      <p:sp>
+        <p:nvSpPr>
+          <p:cNvPr id="16" name="Rectangle 15">
+            <a:extLst>
+              <a:ext uri="{FF2B5EF4-FFF2-40B4-BE49-F238E27FC236}">
+                <a16:creationId xmlns:a16="http://schemas.microsoft.com/office/drawing/2014/main" id="{E852774C-DBD2-9E49-BA40-67CDAAE6F1F6}"/>
+              </a:ext>
+            </a:extLst>
+          </p:cNvPr>
+          <p:cNvSpPr/>
+          <p:nvPr/>
+        </p:nvSpPr>
+        <p:spPr>
+          <a:xfrm>
+            <a:off x="2557472" y="3178246"/>
+            <a:ext cx="492981" cy="492981"/>
+          </a:xfrm>
+          <a:prstGeom prst="rect">
+            <a:avLst/>
+          </a:prstGeom>
+        </p:spPr>
+        <p:style>
+          <a:lnRef idx="2">
+            <a:schemeClr val="accent1">
+              <a:shade val="50000"/>
+            </a:schemeClr>
+          </a:lnRef>
+          <a:fillRef idx="1">
+            <a:schemeClr val="accent1"/>
+          </a:fillRef>
+          <a:effectRef idx="0">
+            <a:schemeClr val="accent1"/>
+          </a:effectRef>
+          <a:fontRef idx="minor">
+            <a:schemeClr val="lt1"/>
+          </a:fontRef>
+        </p:style>
+        <p:txBody>
+          <a:bodyPr rtlCol="0" anchor="ctr"/>
+          <a:lstStyle/>
+          <a:p>
+            <a:pPr algn="ctr"/>
+            <a:r>
+              <a:rPr lang="en-US" sz="1800" dirty="0"/>
+              <a:t>-32</a:t>
+            </a:r>
+          </a:p>
+        </p:txBody>
+      </p:sp>
+      <p:sp>
+        <p:nvSpPr>
+          <p:cNvPr id="17" name="Rectangle 16">
+            <a:extLst>
+              <a:ext uri="{FF2B5EF4-FFF2-40B4-BE49-F238E27FC236}">
+                <a16:creationId xmlns:a16="http://schemas.microsoft.com/office/drawing/2014/main" id="{EC721A97-D246-7A47-B853-7E22E90D5775}"/>
+              </a:ext>
+            </a:extLst>
+          </p:cNvPr>
+          <p:cNvSpPr/>
+          <p:nvPr/>
+        </p:nvSpPr>
+        <p:spPr>
+          <a:xfrm>
+            <a:off x="2057862" y="3179574"/>
+            <a:ext cx="492981" cy="492981"/>
+          </a:xfrm>
+          <a:prstGeom prst="rect">
+            <a:avLst/>
+          </a:prstGeom>
+        </p:spPr>
+        <p:style>
+          <a:lnRef idx="2">
+            <a:schemeClr val="accent1">
+              <a:shade val="50000"/>
+            </a:schemeClr>
+          </a:lnRef>
+          <a:fillRef idx="1">
+            <a:schemeClr val="accent1"/>
+          </a:fillRef>
+          <a:effectRef idx="0">
+            <a:schemeClr val="accent1"/>
+          </a:effectRef>
+          <a:fontRef idx="minor">
+            <a:schemeClr val="lt1"/>
+          </a:fontRef>
+        </p:style>
+        <p:txBody>
+          <a:bodyPr rtlCol="0" anchor="ctr"/>
+          <a:lstStyle/>
+          <a:p>
+            <a:pPr algn="ctr"/>
+            <a:r>
+              <a:rPr lang="en-US" sz="1800" dirty="0"/>
+              <a:t>-19</a:t>
+            </a:r>
+          </a:p>
+        </p:txBody>
+      </p:sp>
+    </p:spTree>
+    <p:extLst>
+      <p:ext uri="{BB962C8B-B14F-4D97-AF65-F5344CB8AC3E}">
+        <p14:creationId xmlns:p14="http://schemas.microsoft.com/office/powerpoint/2010/main" val="1664714872"/>
+      </p:ext>
+    </p:extLst>
+  </p:cSld>
+  <p:clrMapOvr>
+    <a:masterClrMapping/>
+  </p:clrMapOvr>
+</p:sld>
+</file>
+
+<file path=ppt/slides/slide27.xml><?xml version="1.0" encoding="utf-8"?>
+<p:sld xmlns:a="http://schemas.openxmlformats.org/drawingml/2006/main" xmlns:r="http://schemas.openxmlformats.org/officeDocument/2006/relationships" xmlns:p="http://schemas.openxmlformats.org/presentationml/2006/main">
+  <p:cSld>
+    <p:spTree>
+      <p:nvGrpSpPr>
+        <p:cNvPr id="1" name=""/>
+        <p:cNvGrpSpPr/>
+        <p:nvPr/>
+      </p:nvGrpSpPr>
+      <p:grpSpPr>
+        <a:xfrm>
+          <a:off x="0" y="0"/>
+          <a:ext cx="0" cy="0"/>
+          <a:chOff x="0" y="0"/>
+          <a:chExt cx="0" cy="0"/>
+        </a:xfrm>
+      </p:grpSpPr>
+      <p:sp>
+        <p:nvSpPr>
+          <p:cNvPr id="33794" name="Rectangle 2"/>
+          <p:cNvSpPr>
+            <a:spLocks noGrp="1" noChangeArrowheads="1"/>
+          </p:cNvSpPr>
+          <p:nvPr>
+            <p:ph type="title"/>
+            <p:custDataLst>
+              <p:tags r:id="rId1"/>
+            </p:custDataLst>
+          </p:nvPr>
+        </p:nvSpPr>
+        <p:spPr/>
+        <p:txBody>
+          <a:bodyPr/>
+          <a:lstStyle/>
+          <a:p>
+            <a:r>
+              <a:rPr lang="en-US" dirty="0"/>
+              <a:t>How to find </a:t>
+            </a:r>
+            <a:r>
+              <a:rPr lang="en-US" dirty="0" err="1"/>
+              <a:t>MaxSum_Divide</a:t>
+            </a:r>
+            <a:endParaRPr lang="en-US" dirty="0"/>
+          </a:p>
+        </p:txBody>
+      </p:sp>
+      <p:sp>
+        <p:nvSpPr>
+          <p:cNvPr id="6" name="Slide Number Placeholder 5"/>
+          <p:cNvSpPr>
+            <a:spLocks noGrp="1"/>
+          </p:cNvSpPr>
+          <p:nvPr>
+            <p:ph type="sldNum" sz="quarter" idx="12"/>
+          </p:nvPr>
+        </p:nvSpPr>
+        <p:spPr/>
+        <p:txBody>
+          <a:bodyPr/>
+          <a:lstStyle/>
+          <a:p>
+            <a:fld id="{0E0CE5E1-73E6-4EC0-A549-568A23C84235}" type="slidenum">
+              <a:rPr lang="en-US" smtClean="0"/>
+              <a:pPr/>
+              <a:t>27</a:t>
+            </a:fld>
+            <a:endParaRPr lang="en-US"/>
+          </a:p>
+        </p:txBody>
+      </p:sp>
+      <p:sp>
+        <p:nvSpPr>
+          <p:cNvPr id="33795" name="Rectangle 3"/>
+          <p:cNvSpPr>
+            <a:spLocks noGrp="1" noChangeArrowheads="1"/>
+          </p:cNvSpPr>
+          <p:nvPr>
+            <p:ph sz="quarter" idx="1"/>
+            <p:custDataLst>
+              <p:tags r:id="rId2"/>
+            </p:custDataLst>
+          </p:nvPr>
+        </p:nvSpPr>
+        <p:spPr>
+          <a:xfrm>
+            <a:off x="609600" y="1219200"/>
+            <a:ext cx="10972800" cy="657308"/>
+          </a:xfrm>
+        </p:spPr>
+        <p:txBody>
+          <a:bodyPr>
+            <a:normAutofit/>
+          </a:bodyPr>
+          <a:lstStyle/>
+          <a:p>
+            <a:r>
+              <a:rPr lang="en-US" dirty="0"/>
+              <a:t>Needs to be in linear time:</a:t>
+            </a:r>
+          </a:p>
+        </p:txBody>
+      </p:sp>
+      <p:pic>
+        <p:nvPicPr>
+          <p:cNvPr id="3" name="Picture 2">
+            <a:extLst>
+              <a:ext uri="{FF2B5EF4-FFF2-40B4-BE49-F238E27FC236}">
+                <a16:creationId xmlns:a16="http://schemas.microsoft.com/office/drawing/2014/main" id="{07903AEB-DE9D-9045-A3D7-49DC732F67A1}"/>
+              </a:ext>
+            </a:extLst>
+          </p:cNvPr>
+          <p:cNvPicPr>
+            <a:picLocks noChangeAspect="1"/>
+          </p:cNvPicPr>
+          <p:nvPr/>
+        </p:nvPicPr>
+        <p:blipFill>
+          <a:blip r:embed="rId6"/>
+          <a:stretch>
+            <a:fillRect/>
+          </a:stretch>
+        </p:blipFill>
+        <p:spPr>
+          <a:xfrm>
+            <a:off x="1524000" y="3712308"/>
+            <a:ext cx="8881606" cy="1625097"/>
+          </a:xfrm>
+          <a:prstGeom prst="rect">
+            <a:avLst/>
+          </a:prstGeom>
+        </p:spPr>
+      </p:pic>
+      <p:sp>
+        <p:nvSpPr>
+          <p:cNvPr id="2" name="Rectangle 1">
+            <a:extLst>
+              <a:ext uri="{FF2B5EF4-FFF2-40B4-BE49-F238E27FC236}">
+                <a16:creationId xmlns:a16="http://schemas.microsoft.com/office/drawing/2014/main" id="{DFD88653-41C2-3B4F-873E-5160723FD18A}"/>
+              </a:ext>
+            </a:extLst>
+          </p:cNvPr>
+          <p:cNvSpPr/>
+          <p:nvPr/>
+        </p:nvSpPr>
+        <p:spPr>
+          <a:xfrm>
+            <a:off x="5557962" y="3181276"/>
+            <a:ext cx="492981" cy="492981"/>
+          </a:xfrm>
+          <a:prstGeom prst="rect">
+            <a:avLst/>
+          </a:prstGeom>
+        </p:spPr>
+        <p:style>
+          <a:lnRef idx="2">
+            <a:schemeClr val="accent1">
+              <a:shade val="50000"/>
+            </a:schemeClr>
+          </a:lnRef>
+          <a:fillRef idx="1">
+            <a:schemeClr val="accent1"/>
+          </a:fillRef>
+          <a:effectRef idx="0">
+            <a:schemeClr val="accent1"/>
+          </a:effectRef>
+          <a:fontRef idx="minor">
+            <a:schemeClr val="lt1"/>
+          </a:fontRef>
+        </p:style>
+        <p:txBody>
+          <a:bodyPr rtlCol="0" anchor="ctr"/>
+          <a:lstStyle/>
+          <a:p>
+            <a:pPr algn="ctr"/>
+            <a:r>
+              <a:rPr lang="en-US" sz="1800" b="1" dirty="0"/>
+              <a:t>18</a:t>
+            </a:r>
+          </a:p>
+        </p:txBody>
+      </p:sp>
+      <p:sp>
+        <p:nvSpPr>
+          <p:cNvPr id="7" name="Rectangle 6">
+            <a:extLst>
+              <a:ext uri="{FF2B5EF4-FFF2-40B4-BE49-F238E27FC236}">
+                <a16:creationId xmlns:a16="http://schemas.microsoft.com/office/drawing/2014/main" id="{321BB4D7-81F0-6E4F-9986-8DD262E4D7FE}"/>
+              </a:ext>
+            </a:extLst>
+          </p:cNvPr>
+          <p:cNvSpPr/>
+          <p:nvPr/>
+        </p:nvSpPr>
+        <p:spPr>
+          <a:xfrm>
+            <a:off x="5058352" y="3182604"/>
+            <a:ext cx="492981" cy="492981"/>
+          </a:xfrm>
+          <a:prstGeom prst="rect">
+            <a:avLst/>
+          </a:prstGeom>
+        </p:spPr>
+        <p:style>
+          <a:lnRef idx="2">
+            <a:schemeClr val="accent1">
+              <a:shade val="50000"/>
+            </a:schemeClr>
+          </a:lnRef>
+          <a:fillRef idx="1">
+            <a:schemeClr val="accent1"/>
+          </a:fillRef>
+          <a:effectRef idx="0">
+            <a:schemeClr val="accent1"/>
+          </a:effectRef>
+          <a:fontRef idx="minor">
+            <a:schemeClr val="lt1"/>
+          </a:fontRef>
+        </p:style>
+        <p:txBody>
+          <a:bodyPr rtlCol="0" anchor="ctr"/>
+          <a:lstStyle/>
+          <a:p>
+            <a:pPr algn="ctr"/>
+            <a:r>
+              <a:rPr lang="en-US" sz="1800" dirty="0"/>
+              <a:t>-5</a:t>
+            </a:r>
+          </a:p>
+        </p:txBody>
+      </p:sp>
+      <p:sp>
+        <p:nvSpPr>
+          <p:cNvPr id="8" name="Rectangle 7">
+            <a:extLst>
+              <a:ext uri="{FF2B5EF4-FFF2-40B4-BE49-F238E27FC236}">
+                <a16:creationId xmlns:a16="http://schemas.microsoft.com/office/drawing/2014/main" id="{D3F33908-F1D6-2E4E-BA80-ACD57460BE38}"/>
+              </a:ext>
+            </a:extLst>
+          </p:cNvPr>
+          <p:cNvSpPr/>
+          <p:nvPr/>
+        </p:nvSpPr>
+        <p:spPr>
+          <a:xfrm>
+            <a:off x="4558745" y="3175220"/>
+            <a:ext cx="492981" cy="499037"/>
+          </a:xfrm>
+          <a:prstGeom prst="rect">
+            <a:avLst/>
+          </a:prstGeom>
+        </p:spPr>
+        <p:style>
+          <a:lnRef idx="2">
+            <a:schemeClr val="accent1">
+              <a:shade val="50000"/>
+            </a:schemeClr>
+          </a:lnRef>
+          <a:fillRef idx="1">
+            <a:schemeClr val="accent1"/>
+          </a:fillRef>
+          <a:effectRef idx="0">
+            <a:schemeClr val="accent1"/>
+          </a:effectRef>
+          <a:fontRef idx="minor">
+            <a:schemeClr val="lt1"/>
+          </a:fontRef>
+        </p:style>
+        <p:txBody>
+          <a:bodyPr rtlCol="0" anchor="ctr"/>
+          <a:lstStyle/>
+          <a:p>
+            <a:pPr algn="ctr"/>
+            <a:r>
+              <a:rPr lang="en-US" sz="1800" dirty="0"/>
+              <a:t>-21</a:t>
+            </a:r>
+          </a:p>
+        </p:txBody>
+      </p:sp>
+      <p:sp>
+        <p:nvSpPr>
+          <p:cNvPr id="9" name="Rectangle 3">
+            <a:extLst>
+              <a:ext uri="{FF2B5EF4-FFF2-40B4-BE49-F238E27FC236}">
+                <a16:creationId xmlns:a16="http://schemas.microsoft.com/office/drawing/2014/main" id="{144205B7-FC01-754C-B638-113E35257EBB}"/>
+              </a:ext>
+            </a:extLst>
+          </p:cNvPr>
+          <p:cNvSpPr txBox="1">
+            <a:spLocks noChangeArrowheads="1"/>
+          </p:cNvSpPr>
+          <p:nvPr>
+            <p:custDataLst>
+              <p:tags r:id="rId3"/>
+            </p:custDataLst>
+          </p:nvPr>
+        </p:nvSpPr>
+        <p:spPr>
+          <a:xfrm>
+            <a:off x="1384662" y="2610111"/>
+            <a:ext cx="5008185" cy="533114"/>
+          </a:xfrm>
+          <a:prstGeom prst="rect">
+            <a:avLst/>
+          </a:prstGeom>
+        </p:spPr>
+        <p:txBody>
+          <a:bodyPr vert="horz">
+            <a:normAutofit fontScale="85000" lnSpcReduction="20000"/>
+          </a:bodyPr>
+          <a:lstStyle>
+            <a:lvl1pPr marL="274320" indent="-274320" algn="just" rtl="0" eaLnBrk="1" latinLnBrk="0" hangingPunct="1">
+              <a:spcBef>
+                <a:spcPts val="600"/>
+              </a:spcBef>
+              <a:buClr>
+                <a:schemeClr val="accent1"/>
+              </a:buClr>
+              <a:buSzPct val="76000"/>
+              <a:buFont typeface="Wingdings 3"/>
+              <a:buChar char=""/>
+              <a:defRPr kumimoji="0" sz="2600" kern="1200">
+                <a:solidFill>
+                  <a:schemeClr val="tx1"/>
+                </a:solidFill>
+                <a:latin typeface="+mn-lt"/>
+                <a:ea typeface="+mn-ea"/>
+                <a:cs typeface="+mn-cs"/>
+              </a:defRPr>
+            </a:lvl1pPr>
+            <a:lvl2pPr marL="548640" indent="-274320" algn="just" rtl="0" eaLnBrk="1" latinLnBrk="0" hangingPunct="1">
+              <a:spcBef>
+                <a:spcPts val="500"/>
+              </a:spcBef>
+              <a:buClr>
+                <a:schemeClr val="accent2"/>
+              </a:buClr>
+              <a:buSzPct val="76000"/>
+              <a:buFont typeface="Wingdings 3"/>
+              <a:buChar char=""/>
+              <a:defRPr kumimoji="0" sz="2300" kern="1200">
+                <a:solidFill>
+                  <a:schemeClr val="tx2"/>
+                </a:solidFill>
+                <a:latin typeface="+mn-lt"/>
+                <a:ea typeface="+mn-ea"/>
+                <a:cs typeface="+mn-cs"/>
+              </a:defRPr>
+            </a:lvl2pPr>
+            <a:lvl3pPr marL="822960" indent="-228600" algn="just" rtl="0" eaLnBrk="1" latinLnBrk="0" hangingPunct="1">
+              <a:spcBef>
+                <a:spcPts val="500"/>
+              </a:spcBef>
+              <a:buClr>
+                <a:schemeClr val="bg1">
+                  <a:shade val="50000"/>
+                </a:schemeClr>
+              </a:buClr>
+              <a:buSzPct val="76000"/>
+              <a:buFont typeface="Wingdings 3"/>
+              <a:buChar char=""/>
+              <a:defRPr kumimoji="0" sz="2000" kern="1200">
+                <a:solidFill>
+                  <a:schemeClr val="tx1"/>
+                </a:solidFill>
+                <a:latin typeface="+mn-lt"/>
+                <a:ea typeface="+mn-ea"/>
+                <a:cs typeface="+mn-cs"/>
+              </a:defRPr>
+            </a:lvl3pPr>
+            <a:lvl4pPr marL="1097280" indent="-228600" algn="just" rtl="0" eaLnBrk="1" latinLnBrk="0" hangingPunct="1">
+              <a:spcBef>
+                <a:spcPts val="400"/>
+              </a:spcBef>
+              <a:buClr>
+                <a:schemeClr val="accent2">
+                  <a:shade val="75000"/>
+                </a:schemeClr>
+              </a:buClr>
+              <a:buSzPct val="70000"/>
+              <a:buFont typeface="Wingdings"/>
+              <a:buChar char=""/>
+              <a:defRPr kumimoji="0" sz="1800" kern="1200">
+                <a:solidFill>
+                  <a:schemeClr val="tx1"/>
+                </a:solidFill>
+                <a:latin typeface="+mn-lt"/>
+                <a:ea typeface="+mn-ea"/>
+                <a:cs typeface="+mn-cs"/>
+              </a:defRPr>
+            </a:lvl4pPr>
+            <a:lvl5pPr marL="1371600" indent="-228600" algn="just" rtl="0" eaLnBrk="1" latinLnBrk="0" hangingPunct="1">
+              <a:spcBef>
+                <a:spcPts val="300"/>
+              </a:spcBef>
+              <a:buClr>
+                <a:schemeClr val="accent2"/>
+              </a:buClr>
+              <a:buSzPct val="70000"/>
+              <a:buFont typeface="Wingdings"/>
+              <a:buChar char=""/>
+              <a:defRPr kumimoji="0" sz="1600" kern="1200">
+                <a:solidFill>
+                  <a:schemeClr val="tx1"/>
+                </a:solidFill>
+                <a:latin typeface="+mn-lt"/>
+                <a:ea typeface="+mn-ea"/>
+                <a:cs typeface="+mn-cs"/>
+              </a:defRPr>
+            </a:lvl5pPr>
+            <a:lvl6pPr marL="1645920" indent="-182880" algn="l" rtl="0" eaLnBrk="1" latinLnBrk="0" hangingPunct="1">
+              <a:spcBef>
+                <a:spcPts val="300"/>
+              </a:spcBef>
+              <a:buClr>
+                <a:srgbClr val="9FB8CD">
+                  <a:shade val="75000"/>
+                </a:srgbClr>
+              </a:buClr>
+              <a:buSzPct val="75000"/>
+              <a:buFont typeface="Wingdings 3"/>
+              <a:buChar char=""/>
+              <a:defRPr kumimoji="0" lang="en-US" sz="1600" kern="1200" smtClean="0">
+                <a:solidFill>
+                  <a:schemeClr val="tx1"/>
+                </a:solidFill>
+                <a:latin typeface="+mn-lt"/>
+                <a:ea typeface="+mn-ea"/>
+                <a:cs typeface="+mn-cs"/>
+              </a:defRPr>
+            </a:lvl6pPr>
+            <a:lvl7pPr marL="1828800" indent="-182880" algn="l" rtl="0" eaLnBrk="1" latinLnBrk="0" hangingPunct="1">
+              <a:spcBef>
+                <a:spcPts val="300"/>
+              </a:spcBef>
+              <a:buClr>
+                <a:srgbClr val="727CA3">
+                  <a:shade val="75000"/>
+                </a:srgbClr>
+              </a:buClr>
+              <a:buSzPct val="75000"/>
+              <a:buFont typeface="Wingdings 3"/>
+              <a:buChar char=""/>
+              <a:defRPr kumimoji="0" lang="en-US" sz="1400" kern="1200" smtClean="0">
+                <a:solidFill>
+                  <a:schemeClr val="tx1"/>
+                </a:solidFill>
+                <a:latin typeface="+mn-lt"/>
+                <a:ea typeface="+mn-ea"/>
+                <a:cs typeface="+mn-cs"/>
+              </a:defRPr>
+            </a:lvl7pPr>
+            <a:lvl8pPr marL="2011680" indent="-182880" algn="l" rtl="0" eaLnBrk="1" latinLnBrk="0" hangingPunct="1">
+              <a:spcBef>
+                <a:spcPts val="300"/>
+              </a:spcBef>
+              <a:buClr>
+                <a:prstClr val="white">
+                  <a:shade val="50000"/>
+                </a:prstClr>
+              </a:buClr>
+              <a:buSzPct val="75000"/>
+              <a:buFont typeface="Wingdings 3"/>
+              <a:buChar char=""/>
+              <a:defRPr kumimoji="0" lang="en-US" sz="1400" kern="1200" smtClean="0">
+                <a:solidFill>
+                  <a:schemeClr val="tx1"/>
+                </a:solidFill>
+                <a:latin typeface="+mn-lt"/>
+                <a:ea typeface="+mn-ea"/>
+                <a:cs typeface="+mn-cs"/>
+              </a:defRPr>
+            </a:lvl8pPr>
+            <a:lvl9pPr marL="2194560" indent="-182880" algn="l" rtl="0" eaLnBrk="1" latinLnBrk="0" hangingPunct="1">
+              <a:spcBef>
+                <a:spcPts val="300"/>
+              </a:spcBef>
+              <a:buClr>
+                <a:srgbClr val="9FB8CD"/>
+              </a:buClr>
+              <a:buSzPct val="75000"/>
+              <a:buFont typeface="Wingdings 3"/>
+              <a:buChar char=""/>
+              <a:defRPr kumimoji="0" lang="en-US" sz="1200" kern="1200" smtClean="0">
+                <a:solidFill>
+                  <a:schemeClr val="tx1"/>
+                </a:solidFill>
+                <a:latin typeface="+mn-lt"/>
+                <a:ea typeface="+mn-ea"/>
+                <a:cs typeface="+mn-cs"/>
+              </a:defRPr>
+            </a:lvl9pPr>
+          </a:lstStyle>
+          <a:p>
+            <a:pPr marL="0" indent="0" fontAlgn="auto">
+              <a:spcAft>
+                <a:spcPts val="0"/>
+              </a:spcAft>
+              <a:buNone/>
+            </a:pPr>
+            <a:r>
+              <a:rPr lang="en-US" sz="1600" dirty="0"/>
+              <a:t>Accumulate sum from array as we move left from dividing line</a:t>
+            </a:r>
+          </a:p>
+          <a:p>
+            <a:pPr marL="0" indent="0" fontAlgn="auto">
+              <a:spcAft>
+                <a:spcPts val="0"/>
+              </a:spcAft>
+              <a:buNone/>
+            </a:pPr>
+            <a:r>
+              <a:rPr lang="en-US" sz="1600" dirty="0"/>
+              <a:t>Best is 18. this takes linear time!</a:t>
+            </a:r>
+          </a:p>
+        </p:txBody>
+      </p:sp>
+      <p:cxnSp>
+        <p:nvCxnSpPr>
+          <p:cNvPr id="5" name="Straight Connector 4">
+            <a:extLst>
+              <a:ext uri="{FF2B5EF4-FFF2-40B4-BE49-F238E27FC236}">
+                <a16:creationId xmlns:a16="http://schemas.microsoft.com/office/drawing/2014/main" id="{FAE26DD6-DABA-7840-8F2E-1730EC5576FB}"/>
+              </a:ext>
+            </a:extLst>
+          </p:cNvPr>
+          <p:cNvCxnSpPr>
+            <a:cxnSpLocks/>
+          </p:cNvCxnSpPr>
+          <p:nvPr/>
+        </p:nvCxnSpPr>
+        <p:spPr>
+          <a:xfrm>
+            <a:off x="6059652" y="2417952"/>
+            <a:ext cx="0" cy="2354344"/>
+          </a:xfrm>
+          <a:prstGeom prst="line">
+            <a:avLst/>
+          </a:prstGeom>
+          <a:ln w="53975"/>
+        </p:spPr>
+        <p:style>
+          <a:lnRef idx="1">
+            <a:schemeClr val="dk1"/>
+          </a:lnRef>
+          <a:fillRef idx="0">
+            <a:schemeClr val="dk1"/>
+          </a:fillRef>
+          <a:effectRef idx="0">
+            <a:schemeClr val="dk1"/>
+          </a:effectRef>
+          <a:fontRef idx="minor">
+            <a:schemeClr val="tx1"/>
+          </a:fontRef>
+        </p:style>
+      </p:cxnSp>
+      <p:sp>
+        <p:nvSpPr>
+          <p:cNvPr id="12" name="Rectangle 11">
+            <a:extLst>
+              <a:ext uri="{FF2B5EF4-FFF2-40B4-BE49-F238E27FC236}">
+                <a16:creationId xmlns:a16="http://schemas.microsoft.com/office/drawing/2014/main" id="{DF71E116-C6D7-B540-BEBD-A71D8B8961BB}"/>
+              </a:ext>
+            </a:extLst>
+          </p:cNvPr>
+          <p:cNvSpPr/>
+          <p:nvPr/>
+        </p:nvSpPr>
+        <p:spPr>
+          <a:xfrm>
+            <a:off x="4055730" y="3176918"/>
+            <a:ext cx="492981" cy="501690"/>
+          </a:xfrm>
+          <a:prstGeom prst="rect">
+            <a:avLst/>
+          </a:prstGeom>
+        </p:spPr>
+        <p:style>
+          <a:lnRef idx="2">
+            <a:schemeClr val="accent1">
+              <a:shade val="50000"/>
+            </a:schemeClr>
+          </a:lnRef>
+          <a:fillRef idx="1">
+            <a:schemeClr val="accent1"/>
+          </a:fillRef>
+          <a:effectRef idx="0">
+            <a:schemeClr val="accent1"/>
+          </a:effectRef>
+          <a:fontRef idx="minor">
+            <a:schemeClr val="lt1"/>
+          </a:fontRef>
+        </p:style>
+        <p:txBody>
+          <a:bodyPr rtlCol="0" anchor="ctr"/>
+          <a:lstStyle/>
+          <a:p>
+            <a:pPr algn="ctr"/>
+            <a:r>
+              <a:rPr lang="en-US" sz="1800" dirty="0"/>
+              <a:t>-24</a:t>
+            </a:r>
+          </a:p>
+        </p:txBody>
+      </p:sp>
+      <p:sp>
+        <p:nvSpPr>
+          <p:cNvPr id="14" name="Rectangle 13">
+            <a:extLst>
+              <a:ext uri="{FF2B5EF4-FFF2-40B4-BE49-F238E27FC236}">
+                <a16:creationId xmlns:a16="http://schemas.microsoft.com/office/drawing/2014/main" id="{67B8887F-3AFF-2548-9834-D1D5B0BDEE5C}"/>
+              </a:ext>
+            </a:extLst>
+          </p:cNvPr>
+          <p:cNvSpPr/>
+          <p:nvPr/>
+        </p:nvSpPr>
+        <p:spPr>
+          <a:xfrm>
+            <a:off x="3556120" y="3178246"/>
+            <a:ext cx="492981" cy="492981"/>
+          </a:xfrm>
+          <a:prstGeom prst="rect">
+            <a:avLst/>
+          </a:prstGeom>
+        </p:spPr>
+        <p:style>
+          <a:lnRef idx="2">
+            <a:schemeClr val="accent1">
+              <a:shade val="50000"/>
+            </a:schemeClr>
+          </a:lnRef>
+          <a:fillRef idx="1">
+            <a:schemeClr val="accent1"/>
+          </a:fillRef>
+          <a:effectRef idx="0">
+            <a:schemeClr val="accent1"/>
+          </a:effectRef>
+          <a:fontRef idx="minor">
+            <a:schemeClr val="lt1"/>
+          </a:fontRef>
+        </p:style>
+        <p:txBody>
+          <a:bodyPr rtlCol="0" anchor="ctr"/>
+          <a:lstStyle/>
+          <a:p>
+            <a:pPr algn="ctr"/>
+            <a:r>
+              <a:rPr lang="en-US" sz="1800" dirty="0"/>
+              <a:t>-4</a:t>
+            </a:r>
+          </a:p>
+        </p:txBody>
+      </p:sp>
+      <p:sp>
+        <p:nvSpPr>
+          <p:cNvPr id="15" name="Rectangle 14">
+            <a:extLst>
+              <a:ext uri="{FF2B5EF4-FFF2-40B4-BE49-F238E27FC236}">
+                <a16:creationId xmlns:a16="http://schemas.microsoft.com/office/drawing/2014/main" id="{8B2B86D3-7875-BC4B-A50C-03E1EDECDDE1}"/>
+              </a:ext>
+            </a:extLst>
+          </p:cNvPr>
+          <p:cNvSpPr/>
+          <p:nvPr/>
+        </p:nvSpPr>
+        <p:spPr>
+          <a:xfrm>
+            <a:off x="3056513" y="3179571"/>
+            <a:ext cx="492981" cy="499037"/>
+          </a:xfrm>
+          <a:prstGeom prst="rect">
+            <a:avLst/>
+          </a:prstGeom>
+        </p:spPr>
+        <p:style>
+          <a:lnRef idx="2">
+            <a:schemeClr val="accent1">
+              <a:shade val="50000"/>
+            </a:schemeClr>
+          </a:lnRef>
+          <a:fillRef idx="1">
+            <a:schemeClr val="accent1"/>
+          </a:fillRef>
+          <a:effectRef idx="0">
+            <a:schemeClr val="accent1"/>
+          </a:effectRef>
+          <a:fontRef idx="minor">
+            <a:schemeClr val="lt1"/>
+          </a:fontRef>
+        </p:style>
+        <p:txBody>
+          <a:bodyPr rtlCol="0" anchor="ctr"/>
+          <a:lstStyle/>
+          <a:p>
+            <a:pPr algn="ctr"/>
+            <a:r>
+              <a:rPr lang="en-US" sz="1800" dirty="0"/>
+              <a:t>-29</a:t>
+            </a:r>
+          </a:p>
+        </p:txBody>
+      </p:sp>
+      <p:sp>
+        <p:nvSpPr>
+          <p:cNvPr id="16" name="Rectangle 15">
+            <a:extLst>
+              <a:ext uri="{FF2B5EF4-FFF2-40B4-BE49-F238E27FC236}">
+                <a16:creationId xmlns:a16="http://schemas.microsoft.com/office/drawing/2014/main" id="{E852774C-DBD2-9E49-BA40-67CDAAE6F1F6}"/>
+              </a:ext>
+            </a:extLst>
+          </p:cNvPr>
+          <p:cNvSpPr/>
+          <p:nvPr/>
+        </p:nvSpPr>
+        <p:spPr>
+          <a:xfrm>
+            <a:off x="2557472" y="3178246"/>
+            <a:ext cx="492981" cy="492981"/>
+          </a:xfrm>
+          <a:prstGeom prst="rect">
+            <a:avLst/>
+          </a:prstGeom>
+        </p:spPr>
+        <p:style>
+          <a:lnRef idx="2">
+            <a:schemeClr val="accent1">
+              <a:shade val="50000"/>
+            </a:schemeClr>
+          </a:lnRef>
+          <a:fillRef idx="1">
+            <a:schemeClr val="accent1"/>
+          </a:fillRef>
+          <a:effectRef idx="0">
+            <a:schemeClr val="accent1"/>
+          </a:effectRef>
+          <a:fontRef idx="minor">
+            <a:schemeClr val="lt1"/>
+          </a:fontRef>
+        </p:style>
+        <p:txBody>
+          <a:bodyPr rtlCol="0" anchor="ctr"/>
+          <a:lstStyle/>
+          <a:p>
+            <a:pPr algn="ctr"/>
+            <a:r>
+              <a:rPr lang="en-US" sz="1800" dirty="0"/>
+              <a:t>-32</a:t>
+            </a:r>
+          </a:p>
+        </p:txBody>
+      </p:sp>
+      <p:sp>
+        <p:nvSpPr>
+          <p:cNvPr id="17" name="Rectangle 16">
+            <a:extLst>
+              <a:ext uri="{FF2B5EF4-FFF2-40B4-BE49-F238E27FC236}">
+                <a16:creationId xmlns:a16="http://schemas.microsoft.com/office/drawing/2014/main" id="{EC721A97-D246-7A47-B853-7E22E90D5775}"/>
+              </a:ext>
+            </a:extLst>
+          </p:cNvPr>
+          <p:cNvSpPr/>
+          <p:nvPr/>
+        </p:nvSpPr>
+        <p:spPr>
+          <a:xfrm>
+            <a:off x="2057862" y="3179574"/>
+            <a:ext cx="492981" cy="492981"/>
+          </a:xfrm>
+          <a:prstGeom prst="rect">
+            <a:avLst/>
+          </a:prstGeom>
+        </p:spPr>
+        <p:style>
+          <a:lnRef idx="2">
+            <a:schemeClr val="accent1">
+              <a:shade val="50000"/>
+            </a:schemeClr>
+          </a:lnRef>
+          <a:fillRef idx="1">
+            <a:schemeClr val="accent1"/>
+          </a:fillRef>
+          <a:effectRef idx="0">
+            <a:schemeClr val="accent1"/>
+          </a:effectRef>
+          <a:fontRef idx="minor">
+            <a:schemeClr val="lt1"/>
+          </a:fontRef>
+        </p:style>
+        <p:txBody>
+          <a:bodyPr rtlCol="0" anchor="ctr"/>
+          <a:lstStyle/>
+          <a:p>
+            <a:pPr algn="ctr"/>
+            <a:r>
+              <a:rPr lang="en-US" sz="1800" dirty="0"/>
+              <a:t>-19</a:t>
+            </a:r>
+          </a:p>
+        </p:txBody>
+      </p:sp>
+      <p:sp>
+        <p:nvSpPr>
+          <p:cNvPr id="18" name="Rectangle 17">
+            <a:extLst>
+              <a:ext uri="{FF2B5EF4-FFF2-40B4-BE49-F238E27FC236}">
+                <a16:creationId xmlns:a16="http://schemas.microsoft.com/office/drawing/2014/main" id="{47F5AFF7-BFA2-A445-8FE5-691D1ECAB16C}"/>
+              </a:ext>
+            </a:extLst>
+          </p:cNvPr>
+          <p:cNvSpPr/>
+          <p:nvPr/>
+        </p:nvSpPr>
+        <p:spPr>
+          <a:xfrm>
+            <a:off x="9594004" y="3182604"/>
+            <a:ext cx="492981" cy="492981"/>
+          </a:xfrm>
+          <a:prstGeom prst="rect">
+            <a:avLst/>
+          </a:prstGeom>
+        </p:spPr>
+        <p:style>
+          <a:lnRef idx="2">
+            <a:schemeClr val="accent1">
+              <a:shade val="50000"/>
+            </a:schemeClr>
+          </a:lnRef>
+          <a:fillRef idx="1">
+            <a:schemeClr val="accent1"/>
+          </a:fillRef>
+          <a:effectRef idx="0">
+            <a:schemeClr val="accent1"/>
+          </a:effectRef>
+          <a:fontRef idx="minor">
+            <a:schemeClr val="lt1"/>
+          </a:fontRef>
+        </p:style>
+        <p:txBody>
+          <a:bodyPr rtlCol="0" anchor="ctr"/>
+          <a:lstStyle/>
+          <a:p>
+            <a:pPr algn="ctr"/>
+            <a:r>
+              <a:rPr lang="en-US" sz="1800" dirty="0"/>
+              <a:t>16</a:t>
+            </a:r>
+          </a:p>
+        </p:txBody>
+      </p:sp>
+      <p:sp>
+        <p:nvSpPr>
+          <p:cNvPr id="19" name="Rectangle 18">
+            <a:extLst>
+              <a:ext uri="{FF2B5EF4-FFF2-40B4-BE49-F238E27FC236}">
+                <a16:creationId xmlns:a16="http://schemas.microsoft.com/office/drawing/2014/main" id="{4B12AC83-FA4C-7C47-A3AD-C3548D97BB05}"/>
+              </a:ext>
+            </a:extLst>
+          </p:cNvPr>
+          <p:cNvSpPr/>
+          <p:nvPr/>
+        </p:nvSpPr>
+        <p:spPr>
+          <a:xfrm>
+            <a:off x="9094394" y="3182604"/>
+            <a:ext cx="492981" cy="494309"/>
+          </a:xfrm>
+          <a:prstGeom prst="rect">
+            <a:avLst/>
+          </a:prstGeom>
+        </p:spPr>
+        <p:style>
+          <a:lnRef idx="2">
+            <a:schemeClr val="accent1">
+              <a:shade val="50000"/>
+            </a:schemeClr>
+          </a:lnRef>
+          <a:fillRef idx="1">
+            <a:schemeClr val="accent1"/>
+          </a:fillRef>
+          <a:effectRef idx="0">
+            <a:schemeClr val="accent1"/>
+          </a:effectRef>
+          <a:fontRef idx="minor">
+            <a:schemeClr val="lt1"/>
+          </a:fontRef>
+        </p:style>
+        <p:txBody>
+          <a:bodyPr rtlCol="0" anchor="ctr"/>
+          <a:lstStyle/>
+          <a:p>
+            <a:pPr algn="ctr"/>
+            <a:r>
+              <a:rPr lang="en-US" sz="1800" dirty="0"/>
+              <a:t>9</a:t>
+            </a:r>
+          </a:p>
+        </p:txBody>
+      </p:sp>
+      <p:sp>
+        <p:nvSpPr>
+          <p:cNvPr id="20" name="Rectangle 19">
+            <a:extLst>
+              <a:ext uri="{FF2B5EF4-FFF2-40B4-BE49-F238E27FC236}">
+                <a16:creationId xmlns:a16="http://schemas.microsoft.com/office/drawing/2014/main" id="{E280F489-923C-B744-96D4-486227163B00}"/>
+              </a:ext>
+            </a:extLst>
+          </p:cNvPr>
+          <p:cNvSpPr/>
+          <p:nvPr/>
+        </p:nvSpPr>
+        <p:spPr>
+          <a:xfrm>
+            <a:off x="8594787" y="3176548"/>
+            <a:ext cx="492981" cy="499037"/>
+          </a:xfrm>
+          <a:prstGeom prst="rect">
+            <a:avLst/>
+          </a:prstGeom>
+        </p:spPr>
+        <p:style>
+          <a:lnRef idx="2">
+            <a:schemeClr val="accent1">
+              <a:shade val="50000"/>
+            </a:schemeClr>
+          </a:lnRef>
+          <a:fillRef idx="1">
+            <a:schemeClr val="accent1"/>
+          </a:fillRef>
+          <a:effectRef idx="0">
+            <a:schemeClr val="accent1"/>
+          </a:effectRef>
+          <a:fontRef idx="minor">
+            <a:schemeClr val="lt1"/>
+          </a:fontRef>
+        </p:style>
+        <p:txBody>
+          <a:bodyPr rtlCol="0" anchor="ctr"/>
+          <a:lstStyle/>
+          <a:p>
+            <a:pPr algn="ctr"/>
+            <a:r>
+              <a:rPr lang="en-US" sz="1800" dirty="0"/>
+              <a:t>13</a:t>
+            </a:r>
+          </a:p>
+        </p:txBody>
+      </p:sp>
+      <p:sp>
+        <p:nvSpPr>
+          <p:cNvPr id="21" name="Rectangle 20">
+            <a:extLst>
+              <a:ext uri="{FF2B5EF4-FFF2-40B4-BE49-F238E27FC236}">
+                <a16:creationId xmlns:a16="http://schemas.microsoft.com/office/drawing/2014/main" id="{29CF195C-D704-BC45-9285-9D8AF5A1547A}"/>
+              </a:ext>
+            </a:extLst>
+          </p:cNvPr>
+          <p:cNvSpPr/>
+          <p:nvPr/>
+        </p:nvSpPr>
+        <p:spPr>
+          <a:xfrm>
+            <a:off x="8091772" y="3178246"/>
+            <a:ext cx="492981" cy="492981"/>
+          </a:xfrm>
+          <a:prstGeom prst="rect">
+            <a:avLst/>
+          </a:prstGeom>
+        </p:spPr>
+        <p:style>
+          <a:lnRef idx="2">
+            <a:schemeClr val="accent1">
+              <a:shade val="50000"/>
+            </a:schemeClr>
+          </a:lnRef>
+          <a:fillRef idx="1">
+            <a:schemeClr val="accent1"/>
+          </a:fillRef>
+          <a:effectRef idx="0">
+            <a:schemeClr val="accent1"/>
+          </a:effectRef>
+          <a:fontRef idx="minor">
+            <a:schemeClr val="lt1"/>
+          </a:fontRef>
+        </p:style>
+        <p:txBody>
+          <a:bodyPr rtlCol="0" anchor="ctr"/>
+          <a:lstStyle/>
+          <a:p>
+            <a:pPr algn="ctr"/>
+            <a:r>
+              <a:rPr lang="en-US" sz="1800" dirty="0"/>
+              <a:t>-2</a:t>
+            </a:r>
+          </a:p>
+        </p:txBody>
+      </p:sp>
+      <p:sp>
+        <p:nvSpPr>
+          <p:cNvPr id="22" name="Rectangle 21">
+            <a:extLst>
+              <a:ext uri="{FF2B5EF4-FFF2-40B4-BE49-F238E27FC236}">
+                <a16:creationId xmlns:a16="http://schemas.microsoft.com/office/drawing/2014/main" id="{A414B145-7079-2E48-9A1C-2A875604D26C}"/>
+              </a:ext>
+            </a:extLst>
+          </p:cNvPr>
+          <p:cNvSpPr/>
+          <p:nvPr/>
+        </p:nvSpPr>
+        <p:spPr>
+          <a:xfrm>
+            <a:off x="7592162" y="3179574"/>
+            <a:ext cx="492981" cy="492981"/>
+          </a:xfrm>
+          <a:prstGeom prst="rect">
+            <a:avLst/>
+          </a:prstGeom>
+        </p:spPr>
+        <p:style>
+          <a:lnRef idx="2">
+            <a:schemeClr val="accent1">
+              <a:shade val="50000"/>
+            </a:schemeClr>
+          </a:lnRef>
+          <a:fillRef idx="1">
+            <a:schemeClr val="accent1"/>
+          </a:fillRef>
+          <a:effectRef idx="0">
+            <a:schemeClr val="accent1"/>
+          </a:effectRef>
+          <a:fontRef idx="minor">
+            <a:schemeClr val="lt1"/>
+          </a:fontRef>
+        </p:style>
+        <p:txBody>
+          <a:bodyPr rtlCol="0" anchor="ctr"/>
+          <a:lstStyle/>
+          <a:p>
+            <a:pPr algn="ctr"/>
+            <a:r>
+              <a:rPr lang="en-US" sz="1800" dirty="0"/>
+              <a:t>20</a:t>
+            </a:r>
+          </a:p>
+        </p:txBody>
+      </p:sp>
+      <p:sp>
+        <p:nvSpPr>
+          <p:cNvPr id="23" name="Rectangle 22">
+            <a:extLst>
+              <a:ext uri="{FF2B5EF4-FFF2-40B4-BE49-F238E27FC236}">
+                <a16:creationId xmlns:a16="http://schemas.microsoft.com/office/drawing/2014/main" id="{50BFFF5C-73CC-FE4C-BB75-2EF1CDC897C4}"/>
+              </a:ext>
+            </a:extLst>
+          </p:cNvPr>
+          <p:cNvSpPr/>
+          <p:nvPr/>
+        </p:nvSpPr>
+        <p:spPr>
+          <a:xfrm>
+            <a:off x="7092555" y="3180900"/>
+            <a:ext cx="492981" cy="490328"/>
+          </a:xfrm>
+          <a:prstGeom prst="rect">
+            <a:avLst/>
+          </a:prstGeom>
+        </p:spPr>
+        <p:style>
+          <a:lnRef idx="2">
+            <a:schemeClr val="accent1">
+              <a:shade val="50000"/>
+            </a:schemeClr>
+          </a:lnRef>
+          <a:fillRef idx="1">
+            <a:schemeClr val="accent1"/>
+          </a:fillRef>
+          <a:effectRef idx="0">
+            <a:schemeClr val="accent1"/>
+          </a:effectRef>
+          <a:fontRef idx="minor">
+            <a:schemeClr val="lt1"/>
+          </a:fontRef>
+        </p:style>
+        <p:txBody>
+          <a:bodyPr rtlCol="0" anchor="ctr"/>
+          <a:lstStyle/>
+          <a:p>
+            <a:pPr algn="ctr"/>
+            <a:r>
+              <a:rPr lang="en-US" sz="1800" b="1" dirty="0"/>
+              <a:t>25</a:t>
+            </a:r>
+          </a:p>
+        </p:txBody>
+      </p:sp>
+      <p:sp>
+        <p:nvSpPr>
+          <p:cNvPr id="24" name="Rectangle 23">
+            <a:extLst>
+              <a:ext uri="{FF2B5EF4-FFF2-40B4-BE49-F238E27FC236}">
+                <a16:creationId xmlns:a16="http://schemas.microsoft.com/office/drawing/2014/main" id="{15D77672-7D1D-204E-9CF0-1EE96D981A94}"/>
+              </a:ext>
+            </a:extLst>
+          </p:cNvPr>
+          <p:cNvSpPr/>
+          <p:nvPr/>
+        </p:nvSpPr>
+        <p:spPr>
+          <a:xfrm>
+            <a:off x="6593514" y="3179574"/>
+            <a:ext cx="492981" cy="492981"/>
+          </a:xfrm>
+          <a:prstGeom prst="rect">
+            <a:avLst/>
+          </a:prstGeom>
+        </p:spPr>
+        <p:style>
+          <a:lnRef idx="2">
+            <a:schemeClr val="accent1">
+              <a:shade val="50000"/>
+            </a:schemeClr>
+          </a:lnRef>
+          <a:fillRef idx="1">
+            <a:schemeClr val="accent1"/>
+          </a:fillRef>
+          <a:effectRef idx="0">
+            <a:schemeClr val="accent1"/>
+          </a:effectRef>
+          <a:fontRef idx="minor">
+            <a:schemeClr val="lt1"/>
+          </a:fontRef>
+        </p:style>
+        <p:txBody>
+          <a:bodyPr rtlCol="0" anchor="ctr"/>
+          <a:lstStyle/>
+          <a:p>
+            <a:pPr algn="ctr"/>
+            <a:r>
+              <a:rPr lang="en-US" sz="1800" dirty="0"/>
+              <a:t>13</a:t>
+            </a:r>
+          </a:p>
+        </p:txBody>
+      </p:sp>
+      <p:sp>
+        <p:nvSpPr>
+          <p:cNvPr id="25" name="Rectangle 24">
+            <a:extLst>
+              <a:ext uri="{FF2B5EF4-FFF2-40B4-BE49-F238E27FC236}">
+                <a16:creationId xmlns:a16="http://schemas.microsoft.com/office/drawing/2014/main" id="{D1BDC9E1-8E54-C34C-86D0-86648D45561A}"/>
+              </a:ext>
+            </a:extLst>
+          </p:cNvPr>
+          <p:cNvSpPr/>
+          <p:nvPr/>
+        </p:nvSpPr>
+        <p:spPr>
+          <a:xfrm>
+            <a:off x="6093904" y="3180902"/>
+            <a:ext cx="492981" cy="492981"/>
+          </a:xfrm>
+          <a:prstGeom prst="rect">
+            <a:avLst/>
+          </a:prstGeom>
+        </p:spPr>
+        <p:style>
+          <a:lnRef idx="2">
+            <a:schemeClr val="accent1">
+              <a:shade val="50000"/>
+            </a:schemeClr>
+          </a:lnRef>
+          <a:fillRef idx="1">
+            <a:schemeClr val="accent1"/>
+          </a:fillRef>
+          <a:effectRef idx="0">
+            <a:schemeClr val="accent1"/>
+          </a:effectRef>
+          <a:fontRef idx="minor">
+            <a:schemeClr val="lt1"/>
+          </a:fontRef>
+        </p:style>
+        <p:txBody>
+          <a:bodyPr rtlCol="0" anchor="ctr"/>
+          <a:lstStyle/>
+          <a:p>
+            <a:pPr algn="ctr"/>
+            <a:r>
+              <a:rPr lang="en-US" sz="1800" dirty="0"/>
+              <a:t>20</a:t>
+            </a:r>
+          </a:p>
+        </p:txBody>
+      </p:sp>
+      <p:sp>
+        <p:nvSpPr>
+          <p:cNvPr id="26" name="Rectangle 3">
+            <a:extLst>
+              <a:ext uri="{FF2B5EF4-FFF2-40B4-BE49-F238E27FC236}">
+                <a16:creationId xmlns:a16="http://schemas.microsoft.com/office/drawing/2014/main" id="{84E87D6C-C111-A449-A745-382BAD374414}"/>
+              </a:ext>
+            </a:extLst>
+          </p:cNvPr>
+          <p:cNvSpPr txBox="1">
+            <a:spLocks noChangeArrowheads="1"/>
+          </p:cNvSpPr>
+          <p:nvPr>
+            <p:custDataLst>
+              <p:tags r:id="rId4"/>
+            </p:custDataLst>
+          </p:nvPr>
+        </p:nvSpPr>
+        <p:spPr>
+          <a:xfrm>
+            <a:off x="6093904" y="2583250"/>
+            <a:ext cx="5008185" cy="533114"/>
+          </a:xfrm>
+          <a:prstGeom prst="rect">
+            <a:avLst/>
+          </a:prstGeom>
+        </p:spPr>
+        <p:txBody>
+          <a:bodyPr vert="horz">
+            <a:normAutofit/>
+          </a:bodyPr>
+          <a:lstStyle>
+            <a:lvl1pPr marL="274320" indent="-274320" algn="just" rtl="0" eaLnBrk="1" latinLnBrk="0" hangingPunct="1">
+              <a:spcBef>
+                <a:spcPts val="600"/>
+              </a:spcBef>
+              <a:buClr>
+                <a:schemeClr val="accent1"/>
+              </a:buClr>
+              <a:buSzPct val="76000"/>
+              <a:buFont typeface="Wingdings 3"/>
+              <a:buChar char=""/>
+              <a:defRPr kumimoji="0" sz="2600" kern="1200">
+                <a:solidFill>
+                  <a:schemeClr val="tx1"/>
+                </a:solidFill>
+                <a:latin typeface="+mn-lt"/>
+                <a:ea typeface="+mn-ea"/>
+                <a:cs typeface="+mn-cs"/>
+              </a:defRPr>
+            </a:lvl1pPr>
+            <a:lvl2pPr marL="548640" indent="-274320" algn="just" rtl="0" eaLnBrk="1" latinLnBrk="0" hangingPunct="1">
+              <a:spcBef>
+                <a:spcPts val="500"/>
+              </a:spcBef>
+              <a:buClr>
+                <a:schemeClr val="accent2"/>
+              </a:buClr>
+              <a:buSzPct val="76000"/>
+              <a:buFont typeface="Wingdings 3"/>
+              <a:buChar char=""/>
+              <a:defRPr kumimoji="0" sz="2300" kern="1200">
+                <a:solidFill>
+                  <a:schemeClr val="tx2"/>
+                </a:solidFill>
+                <a:latin typeface="+mn-lt"/>
+                <a:ea typeface="+mn-ea"/>
+                <a:cs typeface="+mn-cs"/>
+              </a:defRPr>
+            </a:lvl2pPr>
+            <a:lvl3pPr marL="822960" indent="-228600" algn="just" rtl="0" eaLnBrk="1" latinLnBrk="0" hangingPunct="1">
+              <a:spcBef>
+                <a:spcPts val="500"/>
+              </a:spcBef>
+              <a:buClr>
+                <a:schemeClr val="bg1">
+                  <a:shade val="50000"/>
+                </a:schemeClr>
+              </a:buClr>
+              <a:buSzPct val="76000"/>
+              <a:buFont typeface="Wingdings 3"/>
+              <a:buChar char=""/>
+              <a:defRPr kumimoji="0" sz="2000" kern="1200">
+                <a:solidFill>
+                  <a:schemeClr val="tx1"/>
+                </a:solidFill>
+                <a:latin typeface="+mn-lt"/>
+                <a:ea typeface="+mn-ea"/>
+                <a:cs typeface="+mn-cs"/>
+              </a:defRPr>
+            </a:lvl3pPr>
+            <a:lvl4pPr marL="1097280" indent="-228600" algn="just" rtl="0" eaLnBrk="1" latinLnBrk="0" hangingPunct="1">
+              <a:spcBef>
+                <a:spcPts val="400"/>
+              </a:spcBef>
+              <a:buClr>
+                <a:schemeClr val="accent2">
+                  <a:shade val="75000"/>
+                </a:schemeClr>
+              </a:buClr>
+              <a:buSzPct val="70000"/>
+              <a:buFont typeface="Wingdings"/>
+              <a:buChar char=""/>
+              <a:defRPr kumimoji="0" sz="1800" kern="1200">
+                <a:solidFill>
+                  <a:schemeClr val="tx1"/>
+                </a:solidFill>
+                <a:latin typeface="+mn-lt"/>
+                <a:ea typeface="+mn-ea"/>
+                <a:cs typeface="+mn-cs"/>
+              </a:defRPr>
+            </a:lvl4pPr>
+            <a:lvl5pPr marL="1371600" indent="-228600" algn="just" rtl="0" eaLnBrk="1" latinLnBrk="0" hangingPunct="1">
+              <a:spcBef>
+                <a:spcPts val="300"/>
+              </a:spcBef>
+              <a:buClr>
+                <a:schemeClr val="accent2"/>
+              </a:buClr>
+              <a:buSzPct val="70000"/>
+              <a:buFont typeface="Wingdings"/>
+              <a:buChar char=""/>
+              <a:defRPr kumimoji="0" sz="1600" kern="1200">
+                <a:solidFill>
+                  <a:schemeClr val="tx1"/>
+                </a:solidFill>
+                <a:latin typeface="+mn-lt"/>
+                <a:ea typeface="+mn-ea"/>
+                <a:cs typeface="+mn-cs"/>
+              </a:defRPr>
+            </a:lvl5pPr>
+            <a:lvl6pPr marL="1645920" indent="-182880" algn="l" rtl="0" eaLnBrk="1" latinLnBrk="0" hangingPunct="1">
+              <a:spcBef>
+                <a:spcPts val="300"/>
+              </a:spcBef>
+              <a:buClr>
+                <a:srgbClr val="9FB8CD">
+                  <a:shade val="75000"/>
+                </a:srgbClr>
+              </a:buClr>
+              <a:buSzPct val="75000"/>
+              <a:buFont typeface="Wingdings 3"/>
+              <a:buChar char=""/>
+              <a:defRPr kumimoji="0" lang="en-US" sz="1600" kern="1200" smtClean="0">
+                <a:solidFill>
+                  <a:schemeClr val="tx1"/>
+                </a:solidFill>
+                <a:latin typeface="+mn-lt"/>
+                <a:ea typeface="+mn-ea"/>
+                <a:cs typeface="+mn-cs"/>
+              </a:defRPr>
+            </a:lvl6pPr>
+            <a:lvl7pPr marL="1828800" indent="-182880" algn="l" rtl="0" eaLnBrk="1" latinLnBrk="0" hangingPunct="1">
+              <a:spcBef>
+                <a:spcPts val="300"/>
+              </a:spcBef>
+              <a:buClr>
+                <a:srgbClr val="727CA3">
+                  <a:shade val="75000"/>
+                </a:srgbClr>
+              </a:buClr>
+              <a:buSzPct val="75000"/>
+              <a:buFont typeface="Wingdings 3"/>
+              <a:buChar char=""/>
+              <a:defRPr kumimoji="0" lang="en-US" sz="1400" kern="1200" smtClean="0">
+                <a:solidFill>
+                  <a:schemeClr val="tx1"/>
+                </a:solidFill>
+                <a:latin typeface="+mn-lt"/>
+                <a:ea typeface="+mn-ea"/>
+                <a:cs typeface="+mn-cs"/>
+              </a:defRPr>
+            </a:lvl7pPr>
+            <a:lvl8pPr marL="2011680" indent="-182880" algn="l" rtl="0" eaLnBrk="1" latinLnBrk="0" hangingPunct="1">
+              <a:spcBef>
+                <a:spcPts val="300"/>
+              </a:spcBef>
+              <a:buClr>
+                <a:prstClr val="white">
+                  <a:shade val="50000"/>
+                </a:prstClr>
+              </a:buClr>
+              <a:buSzPct val="75000"/>
+              <a:buFont typeface="Wingdings 3"/>
+              <a:buChar char=""/>
+              <a:defRPr kumimoji="0" lang="en-US" sz="1400" kern="1200" smtClean="0">
+                <a:solidFill>
+                  <a:schemeClr val="tx1"/>
+                </a:solidFill>
+                <a:latin typeface="+mn-lt"/>
+                <a:ea typeface="+mn-ea"/>
+                <a:cs typeface="+mn-cs"/>
+              </a:defRPr>
+            </a:lvl8pPr>
+            <a:lvl9pPr marL="2194560" indent="-182880" algn="l" rtl="0" eaLnBrk="1" latinLnBrk="0" hangingPunct="1">
+              <a:spcBef>
+                <a:spcPts val="300"/>
+              </a:spcBef>
+              <a:buClr>
+                <a:srgbClr val="9FB8CD"/>
+              </a:buClr>
+              <a:buSzPct val="75000"/>
+              <a:buFont typeface="Wingdings 3"/>
+              <a:buChar char=""/>
+              <a:defRPr kumimoji="0" lang="en-US" sz="1200" kern="1200" smtClean="0">
+                <a:solidFill>
+                  <a:schemeClr val="tx1"/>
+                </a:solidFill>
+                <a:latin typeface="+mn-lt"/>
+                <a:ea typeface="+mn-ea"/>
+                <a:cs typeface="+mn-cs"/>
+              </a:defRPr>
+            </a:lvl9pPr>
+          </a:lstStyle>
+          <a:p>
+            <a:pPr marL="0" indent="0" fontAlgn="auto">
+              <a:spcAft>
+                <a:spcPts val="0"/>
+              </a:spcAft>
+              <a:buNone/>
+            </a:pPr>
+            <a:r>
+              <a:rPr lang="en-US" sz="1600" dirty="0"/>
+              <a:t>Do same on this side…best is 25</a:t>
+            </a:r>
+          </a:p>
+        </p:txBody>
+      </p:sp>
+    </p:spTree>
+    <p:extLst>
+      <p:ext uri="{BB962C8B-B14F-4D97-AF65-F5344CB8AC3E}">
+        <p14:creationId xmlns:p14="http://schemas.microsoft.com/office/powerpoint/2010/main" val="2670467226"/>
+      </p:ext>
+    </p:extLst>
+  </p:cSld>
+  <p:clrMapOvr>
+    <a:masterClrMapping/>
+  </p:clrMapOvr>
+</p:sld>
+</file>
+
+<file path=ppt/slides/slide28.xml><?xml version="1.0" encoding="utf-8"?>
+<p:sld xmlns:a="http://schemas.openxmlformats.org/drawingml/2006/main" xmlns:r="http://schemas.openxmlformats.org/officeDocument/2006/relationships" xmlns:p="http://schemas.openxmlformats.org/presentationml/2006/main">
+  <p:cSld>
+    <p:spTree>
+      <p:nvGrpSpPr>
+        <p:cNvPr id="1" name=""/>
+        <p:cNvGrpSpPr/>
+        <p:nvPr/>
+      </p:nvGrpSpPr>
+      <p:grpSpPr>
+        <a:xfrm>
+          <a:off x="0" y="0"/>
+          <a:ext cx="0" cy="0"/>
+          <a:chOff x="0" y="0"/>
+          <a:chExt cx="0" cy="0"/>
+        </a:xfrm>
+      </p:grpSpPr>
+      <p:sp>
+        <p:nvSpPr>
+          <p:cNvPr id="33794" name="Rectangle 2"/>
+          <p:cNvSpPr>
+            <a:spLocks noGrp="1" noChangeArrowheads="1"/>
+          </p:cNvSpPr>
+          <p:nvPr>
+            <p:ph type="title"/>
+            <p:custDataLst>
+              <p:tags r:id="rId1"/>
+            </p:custDataLst>
+          </p:nvPr>
+        </p:nvSpPr>
+        <p:spPr/>
+        <p:txBody>
+          <a:bodyPr/>
+          <a:lstStyle/>
+          <a:p>
+            <a:r>
+              <a:rPr lang="en-US" dirty="0"/>
+              <a:t>How to find </a:t>
+            </a:r>
+            <a:r>
+              <a:rPr lang="en-US" dirty="0" err="1"/>
+              <a:t>MaxSum_Divide</a:t>
+            </a:r>
+            <a:endParaRPr lang="en-US" dirty="0"/>
+          </a:p>
+        </p:txBody>
+      </p:sp>
+      <p:sp>
+        <p:nvSpPr>
+          <p:cNvPr id="6" name="Slide Number Placeholder 5"/>
+          <p:cNvSpPr>
+            <a:spLocks noGrp="1"/>
+          </p:cNvSpPr>
+          <p:nvPr>
+            <p:ph type="sldNum" sz="quarter" idx="12"/>
+          </p:nvPr>
+        </p:nvSpPr>
+        <p:spPr/>
+        <p:txBody>
+          <a:bodyPr/>
+          <a:lstStyle/>
+          <a:p>
+            <a:fld id="{0E0CE5E1-73E6-4EC0-A549-568A23C84235}" type="slidenum">
+              <a:rPr lang="en-US" smtClean="0"/>
+              <a:pPr/>
+              <a:t>28</a:t>
+            </a:fld>
+            <a:endParaRPr lang="en-US"/>
+          </a:p>
+        </p:txBody>
+      </p:sp>
+      <p:sp>
+        <p:nvSpPr>
+          <p:cNvPr id="33795" name="Rectangle 3"/>
+          <p:cNvSpPr>
+            <a:spLocks noGrp="1" noChangeArrowheads="1"/>
+          </p:cNvSpPr>
+          <p:nvPr>
+            <p:ph sz="quarter" idx="1"/>
+            <p:custDataLst>
+              <p:tags r:id="rId2"/>
+            </p:custDataLst>
+          </p:nvPr>
+        </p:nvSpPr>
+        <p:spPr>
+          <a:xfrm>
+            <a:off x="609600" y="1219200"/>
+            <a:ext cx="10972800" cy="657308"/>
+          </a:xfrm>
+        </p:spPr>
+        <p:txBody>
+          <a:bodyPr>
+            <a:normAutofit/>
+          </a:bodyPr>
+          <a:lstStyle/>
+          <a:p>
+            <a:r>
+              <a:rPr lang="en-US" dirty="0"/>
+              <a:t>Needs to be in linear time:</a:t>
+            </a:r>
+          </a:p>
+        </p:txBody>
+      </p:sp>
+      <p:pic>
+        <p:nvPicPr>
+          <p:cNvPr id="3" name="Picture 2">
+            <a:extLst>
+              <a:ext uri="{FF2B5EF4-FFF2-40B4-BE49-F238E27FC236}">
+                <a16:creationId xmlns:a16="http://schemas.microsoft.com/office/drawing/2014/main" id="{07903AEB-DE9D-9045-A3D7-49DC732F67A1}"/>
+              </a:ext>
+            </a:extLst>
+          </p:cNvPr>
+          <p:cNvPicPr>
+            <a:picLocks noChangeAspect="1"/>
+          </p:cNvPicPr>
+          <p:nvPr/>
+        </p:nvPicPr>
+        <p:blipFill>
+          <a:blip r:embed="rId6"/>
+          <a:stretch>
+            <a:fillRect/>
+          </a:stretch>
+        </p:blipFill>
+        <p:spPr>
+          <a:xfrm>
+            <a:off x="1524000" y="3712308"/>
+            <a:ext cx="8881606" cy="1625097"/>
+          </a:xfrm>
+          <a:prstGeom prst="rect">
+            <a:avLst/>
+          </a:prstGeom>
+        </p:spPr>
+      </p:pic>
+      <p:sp>
+        <p:nvSpPr>
+          <p:cNvPr id="2" name="Rectangle 1">
+            <a:extLst>
+              <a:ext uri="{FF2B5EF4-FFF2-40B4-BE49-F238E27FC236}">
+                <a16:creationId xmlns:a16="http://schemas.microsoft.com/office/drawing/2014/main" id="{DFD88653-41C2-3B4F-873E-5160723FD18A}"/>
+              </a:ext>
+            </a:extLst>
+          </p:cNvPr>
+          <p:cNvSpPr/>
+          <p:nvPr/>
+        </p:nvSpPr>
+        <p:spPr>
+          <a:xfrm>
+            <a:off x="5557962" y="3181276"/>
+            <a:ext cx="492981" cy="492981"/>
+          </a:xfrm>
+          <a:prstGeom prst="rect">
+            <a:avLst/>
+          </a:prstGeom>
+        </p:spPr>
+        <p:style>
+          <a:lnRef idx="2">
+            <a:schemeClr val="accent1">
+              <a:shade val="50000"/>
+            </a:schemeClr>
+          </a:lnRef>
+          <a:fillRef idx="1">
+            <a:schemeClr val="accent1"/>
+          </a:fillRef>
+          <a:effectRef idx="0">
+            <a:schemeClr val="accent1"/>
+          </a:effectRef>
+          <a:fontRef idx="minor">
+            <a:schemeClr val="lt1"/>
+          </a:fontRef>
+        </p:style>
+        <p:txBody>
+          <a:bodyPr rtlCol="0" anchor="ctr"/>
+          <a:lstStyle/>
+          <a:p>
+            <a:pPr algn="ctr"/>
+            <a:r>
+              <a:rPr lang="en-US" sz="1800" b="1" dirty="0"/>
+              <a:t>18</a:t>
+            </a:r>
+          </a:p>
+        </p:txBody>
+      </p:sp>
+      <p:sp>
+        <p:nvSpPr>
+          <p:cNvPr id="9" name="Rectangle 3">
+            <a:extLst>
+              <a:ext uri="{FF2B5EF4-FFF2-40B4-BE49-F238E27FC236}">
+                <a16:creationId xmlns:a16="http://schemas.microsoft.com/office/drawing/2014/main" id="{144205B7-FC01-754C-B638-113E35257EBB}"/>
+              </a:ext>
+            </a:extLst>
+          </p:cNvPr>
+          <p:cNvSpPr txBox="1">
+            <a:spLocks noChangeArrowheads="1"/>
+          </p:cNvSpPr>
+          <p:nvPr>
+            <p:custDataLst>
+              <p:tags r:id="rId3"/>
+            </p:custDataLst>
+          </p:nvPr>
+        </p:nvSpPr>
+        <p:spPr>
+          <a:xfrm>
+            <a:off x="3701142" y="2076997"/>
+            <a:ext cx="5008185" cy="533114"/>
+          </a:xfrm>
+          <a:prstGeom prst="rect">
+            <a:avLst/>
+          </a:prstGeom>
+        </p:spPr>
+        <p:txBody>
+          <a:bodyPr vert="horz">
+            <a:normAutofit/>
+          </a:bodyPr>
+          <a:lstStyle>
+            <a:lvl1pPr marL="274320" indent="-274320" algn="just" rtl="0" eaLnBrk="1" latinLnBrk="0" hangingPunct="1">
+              <a:spcBef>
+                <a:spcPts val="600"/>
+              </a:spcBef>
+              <a:buClr>
+                <a:schemeClr val="accent1"/>
+              </a:buClr>
+              <a:buSzPct val="76000"/>
+              <a:buFont typeface="Wingdings 3"/>
+              <a:buChar char=""/>
+              <a:defRPr kumimoji="0" sz="2600" kern="1200">
+                <a:solidFill>
+                  <a:schemeClr val="tx1"/>
+                </a:solidFill>
+                <a:latin typeface="+mn-lt"/>
+                <a:ea typeface="+mn-ea"/>
+                <a:cs typeface="+mn-cs"/>
+              </a:defRPr>
+            </a:lvl1pPr>
+            <a:lvl2pPr marL="548640" indent="-274320" algn="just" rtl="0" eaLnBrk="1" latinLnBrk="0" hangingPunct="1">
+              <a:spcBef>
+                <a:spcPts val="500"/>
+              </a:spcBef>
+              <a:buClr>
+                <a:schemeClr val="accent2"/>
+              </a:buClr>
+              <a:buSzPct val="76000"/>
+              <a:buFont typeface="Wingdings 3"/>
+              <a:buChar char=""/>
+              <a:defRPr kumimoji="0" sz="2300" kern="1200">
+                <a:solidFill>
+                  <a:schemeClr val="tx2"/>
+                </a:solidFill>
+                <a:latin typeface="+mn-lt"/>
+                <a:ea typeface="+mn-ea"/>
+                <a:cs typeface="+mn-cs"/>
+              </a:defRPr>
+            </a:lvl2pPr>
+            <a:lvl3pPr marL="822960" indent="-228600" algn="just" rtl="0" eaLnBrk="1" latinLnBrk="0" hangingPunct="1">
+              <a:spcBef>
+                <a:spcPts val="500"/>
+              </a:spcBef>
+              <a:buClr>
+                <a:schemeClr val="bg1">
+                  <a:shade val="50000"/>
+                </a:schemeClr>
+              </a:buClr>
+              <a:buSzPct val="76000"/>
+              <a:buFont typeface="Wingdings 3"/>
+              <a:buChar char=""/>
+              <a:defRPr kumimoji="0" sz="2000" kern="1200">
+                <a:solidFill>
+                  <a:schemeClr val="tx1"/>
+                </a:solidFill>
+                <a:latin typeface="+mn-lt"/>
+                <a:ea typeface="+mn-ea"/>
+                <a:cs typeface="+mn-cs"/>
+              </a:defRPr>
+            </a:lvl3pPr>
+            <a:lvl4pPr marL="1097280" indent="-228600" algn="just" rtl="0" eaLnBrk="1" latinLnBrk="0" hangingPunct="1">
+              <a:spcBef>
+                <a:spcPts val="400"/>
+              </a:spcBef>
+              <a:buClr>
+                <a:schemeClr val="accent2">
+                  <a:shade val="75000"/>
+                </a:schemeClr>
+              </a:buClr>
+              <a:buSzPct val="70000"/>
+              <a:buFont typeface="Wingdings"/>
+              <a:buChar char=""/>
+              <a:defRPr kumimoji="0" sz="1800" kern="1200">
+                <a:solidFill>
+                  <a:schemeClr val="tx1"/>
+                </a:solidFill>
+                <a:latin typeface="+mn-lt"/>
+                <a:ea typeface="+mn-ea"/>
+                <a:cs typeface="+mn-cs"/>
+              </a:defRPr>
+            </a:lvl4pPr>
+            <a:lvl5pPr marL="1371600" indent="-228600" algn="just" rtl="0" eaLnBrk="1" latinLnBrk="0" hangingPunct="1">
+              <a:spcBef>
+                <a:spcPts val="300"/>
+              </a:spcBef>
+              <a:buClr>
+                <a:schemeClr val="accent2"/>
+              </a:buClr>
+              <a:buSzPct val="70000"/>
+              <a:buFont typeface="Wingdings"/>
+              <a:buChar char=""/>
+              <a:defRPr kumimoji="0" sz="1600" kern="1200">
+                <a:solidFill>
+                  <a:schemeClr val="tx1"/>
+                </a:solidFill>
+                <a:latin typeface="+mn-lt"/>
+                <a:ea typeface="+mn-ea"/>
+                <a:cs typeface="+mn-cs"/>
+              </a:defRPr>
+            </a:lvl5pPr>
+            <a:lvl6pPr marL="1645920" indent="-182880" algn="l" rtl="0" eaLnBrk="1" latinLnBrk="0" hangingPunct="1">
+              <a:spcBef>
+                <a:spcPts val="300"/>
+              </a:spcBef>
+              <a:buClr>
+                <a:srgbClr val="9FB8CD">
+                  <a:shade val="75000"/>
+                </a:srgbClr>
+              </a:buClr>
+              <a:buSzPct val="75000"/>
+              <a:buFont typeface="Wingdings 3"/>
+              <a:buChar char=""/>
+              <a:defRPr kumimoji="0" lang="en-US" sz="1600" kern="1200" smtClean="0">
+                <a:solidFill>
+                  <a:schemeClr val="tx1"/>
+                </a:solidFill>
+                <a:latin typeface="+mn-lt"/>
+                <a:ea typeface="+mn-ea"/>
+                <a:cs typeface="+mn-cs"/>
+              </a:defRPr>
+            </a:lvl6pPr>
+            <a:lvl7pPr marL="1828800" indent="-182880" algn="l" rtl="0" eaLnBrk="1" latinLnBrk="0" hangingPunct="1">
+              <a:spcBef>
+                <a:spcPts val="300"/>
+              </a:spcBef>
+              <a:buClr>
+                <a:srgbClr val="727CA3">
+                  <a:shade val="75000"/>
+                </a:srgbClr>
+              </a:buClr>
+              <a:buSzPct val="75000"/>
+              <a:buFont typeface="Wingdings 3"/>
+              <a:buChar char=""/>
+              <a:defRPr kumimoji="0" lang="en-US" sz="1400" kern="1200" smtClean="0">
+                <a:solidFill>
+                  <a:schemeClr val="tx1"/>
+                </a:solidFill>
+                <a:latin typeface="+mn-lt"/>
+                <a:ea typeface="+mn-ea"/>
+                <a:cs typeface="+mn-cs"/>
+              </a:defRPr>
+            </a:lvl7pPr>
+            <a:lvl8pPr marL="2011680" indent="-182880" algn="l" rtl="0" eaLnBrk="1" latinLnBrk="0" hangingPunct="1">
+              <a:spcBef>
+                <a:spcPts val="300"/>
+              </a:spcBef>
+              <a:buClr>
+                <a:prstClr val="white">
+                  <a:shade val="50000"/>
+                </a:prstClr>
+              </a:buClr>
+              <a:buSzPct val="75000"/>
+              <a:buFont typeface="Wingdings 3"/>
+              <a:buChar char=""/>
+              <a:defRPr kumimoji="0" lang="en-US" sz="1400" kern="1200" smtClean="0">
+                <a:solidFill>
+                  <a:schemeClr val="tx1"/>
+                </a:solidFill>
+                <a:latin typeface="+mn-lt"/>
+                <a:ea typeface="+mn-ea"/>
+                <a:cs typeface="+mn-cs"/>
+              </a:defRPr>
+            </a:lvl8pPr>
+            <a:lvl9pPr marL="2194560" indent="-182880" algn="l" rtl="0" eaLnBrk="1" latinLnBrk="0" hangingPunct="1">
+              <a:spcBef>
+                <a:spcPts val="300"/>
+              </a:spcBef>
+              <a:buClr>
+                <a:srgbClr val="9FB8CD"/>
+              </a:buClr>
+              <a:buSzPct val="75000"/>
+              <a:buFont typeface="Wingdings 3"/>
+              <a:buChar char=""/>
+              <a:defRPr kumimoji="0" lang="en-US" sz="1200" kern="1200" smtClean="0">
+                <a:solidFill>
+                  <a:schemeClr val="tx1"/>
+                </a:solidFill>
+                <a:latin typeface="+mn-lt"/>
+                <a:ea typeface="+mn-ea"/>
+                <a:cs typeface="+mn-cs"/>
+              </a:defRPr>
+            </a:lvl9pPr>
+          </a:lstStyle>
+          <a:p>
+            <a:pPr marL="0" indent="0" fontAlgn="auto">
+              <a:spcAft>
+                <a:spcPts val="0"/>
+              </a:spcAft>
+              <a:buNone/>
+            </a:pPr>
+            <a:r>
+              <a:rPr lang="en-US" sz="1600" dirty="0"/>
+              <a:t>Best overall that divides the line is best two concatenated</a:t>
+            </a:r>
+          </a:p>
+        </p:txBody>
+      </p:sp>
+      <p:cxnSp>
+        <p:nvCxnSpPr>
+          <p:cNvPr id="5" name="Straight Connector 4">
+            <a:extLst>
+              <a:ext uri="{FF2B5EF4-FFF2-40B4-BE49-F238E27FC236}">
+                <a16:creationId xmlns:a16="http://schemas.microsoft.com/office/drawing/2014/main" id="{FAE26DD6-DABA-7840-8F2E-1730EC5576FB}"/>
+              </a:ext>
+            </a:extLst>
+          </p:cNvPr>
+          <p:cNvCxnSpPr>
+            <a:cxnSpLocks/>
+          </p:cNvCxnSpPr>
+          <p:nvPr/>
+        </p:nvCxnSpPr>
+        <p:spPr>
+          <a:xfrm>
+            <a:off x="6059652" y="2417952"/>
+            <a:ext cx="0" cy="2354344"/>
+          </a:xfrm>
+          <a:prstGeom prst="line">
+            <a:avLst/>
+          </a:prstGeom>
+          <a:ln w="53975"/>
+        </p:spPr>
+        <p:style>
+          <a:lnRef idx="1">
+            <a:schemeClr val="dk1"/>
+          </a:lnRef>
+          <a:fillRef idx="0">
+            <a:schemeClr val="dk1"/>
+          </a:fillRef>
+          <a:effectRef idx="0">
+            <a:schemeClr val="dk1"/>
+          </a:effectRef>
+          <a:fontRef idx="minor">
+            <a:schemeClr val="tx1"/>
+          </a:fontRef>
+        </p:style>
+      </p:cxnSp>
+      <p:sp>
+        <p:nvSpPr>
+          <p:cNvPr id="23" name="Rectangle 22">
+            <a:extLst>
+              <a:ext uri="{FF2B5EF4-FFF2-40B4-BE49-F238E27FC236}">
+                <a16:creationId xmlns:a16="http://schemas.microsoft.com/office/drawing/2014/main" id="{50BFFF5C-73CC-FE4C-BB75-2EF1CDC897C4}"/>
+              </a:ext>
+            </a:extLst>
+          </p:cNvPr>
+          <p:cNvSpPr/>
+          <p:nvPr/>
+        </p:nvSpPr>
+        <p:spPr>
+          <a:xfrm>
+            <a:off x="7092555" y="3180900"/>
+            <a:ext cx="492981" cy="490328"/>
+          </a:xfrm>
+          <a:prstGeom prst="rect">
+            <a:avLst/>
+          </a:prstGeom>
+        </p:spPr>
+        <p:style>
+          <a:lnRef idx="2">
+            <a:schemeClr val="accent1">
+              <a:shade val="50000"/>
+            </a:schemeClr>
+          </a:lnRef>
+          <a:fillRef idx="1">
+            <a:schemeClr val="accent1"/>
+          </a:fillRef>
+          <a:effectRef idx="0">
+            <a:schemeClr val="accent1"/>
+          </a:effectRef>
+          <a:fontRef idx="minor">
+            <a:schemeClr val="lt1"/>
+          </a:fontRef>
+        </p:style>
+        <p:txBody>
+          <a:bodyPr rtlCol="0" anchor="ctr"/>
+          <a:lstStyle/>
+          <a:p>
+            <a:pPr algn="ctr"/>
+            <a:r>
+              <a:rPr lang="en-US" sz="1800" b="1" dirty="0"/>
+              <a:t>25</a:t>
+            </a:r>
+          </a:p>
+        </p:txBody>
+      </p:sp>
+      <p:sp>
+        <p:nvSpPr>
+          <p:cNvPr id="24" name="Rectangle 23">
+            <a:extLst>
+              <a:ext uri="{FF2B5EF4-FFF2-40B4-BE49-F238E27FC236}">
+                <a16:creationId xmlns:a16="http://schemas.microsoft.com/office/drawing/2014/main" id="{15D77672-7D1D-204E-9CF0-1EE96D981A94}"/>
+              </a:ext>
+            </a:extLst>
+          </p:cNvPr>
+          <p:cNvSpPr/>
+          <p:nvPr/>
+        </p:nvSpPr>
+        <p:spPr>
+          <a:xfrm>
+            <a:off x="6593514" y="3179574"/>
+            <a:ext cx="492981" cy="492981"/>
+          </a:xfrm>
+          <a:prstGeom prst="rect">
+            <a:avLst/>
+          </a:prstGeom>
+        </p:spPr>
+        <p:style>
+          <a:lnRef idx="2">
+            <a:schemeClr val="accent1">
+              <a:shade val="50000"/>
+            </a:schemeClr>
+          </a:lnRef>
+          <a:fillRef idx="1">
+            <a:schemeClr val="accent1"/>
+          </a:fillRef>
+          <a:effectRef idx="0">
+            <a:schemeClr val="accent1"/>
+          </a:effectRef>
+          <a:fontRef idx="minor">
+            <a:schemeClr val="lt1"/>
+          </a:fontRef>
+        </p:style>
+        <p:txBody>
+          <a:bodyPr rtlCol="0" anchor="ctr"/>
+          <a:lstStyle/>
+          <a:p>
+            <a:pPr algn="ctr"/>
+            <a:r>
+              <a:rPr lang="en-US" sz="1800" dirty="0"/>
+              <a:t>13</a:t>
+            </a:r>
+          </a:p>
+        </p:txBody>
+      </p:sp>
+      <p:sp>
+        <p:nvSpPr>
+          <p:cNvPr id="25" name="Rectangle 24">
+            <a:extLst>
+              <a:ext uri="{FF2B5EF4-FFF2-40B4-BE49-F238E27FC236}">
+                <a16:creationId xmlns:a16="http://schemas.microsoft.com/office/drawing/2014/main" id="{D1BDC9E1-8E54-C34C-86D0-86648D45561A}"/>
+              </a:ext>
+            </a:extLst>
+          </p:cNvPr>
+          <p:cNvSpPr/>
+          <p:nvPr/>
+        </p:nvSpPr>
+        <p:spPr>
+          <a:xfrm>
+            <a:off x="6093904" y="3180902"/>
+            <a:ext cx="492981" cy="492981"/>
+          </a:xfrm>
+          <a:prstGeom prst="rect">
+            <a:avLst/>
+          </a:prstGeom>
+        </p:spPr>
+        <p:style>
+          <a:lnRef idx="2">
+            <a:schemeClr val="accent1">
+              <a:shade val="50000"/>
+            </a:schemeClr>
+          </a:lnRef>
+          <a:fillRef idx="1">
+            <a:schemeClr val="accent1"/>
+          </a:fillRef>
+          <a:effectRef idx="0">
+            <a:schemeClr val="accent1"/>
+          </a:effectRef>
+          <a:fontRef idx="minor">
+            <a:schemeClr val="lt1"/>
+          </a:fontRef>
+        </p:style>
+        <p:txBody>
+          <a:bodyPr rtlCol="0" anchor="ctr"/>
+          <a:lstStyle/>
+          <a:p>
+            <a:pPr algn="ctr"/>
+            <a:r>
+              <a:rPr lang="en-US" sz="1800" dirty="0"/>
+              <a:t>20</a:t>
+            </a:r>
+          </a:p>
+        </p:txBody>
+      </p:sp>
+      <p:sp>
+        <p:nvSpPr>
+          <p:cNvPr id="27" name="Rectangle 3">
+            <a:extLst>
+              <a:ext uri="{FF2B5EF4-FFF2-40B4-BE49-F238E27FC236}">
+                <a16:creationId xmlns:a16="http://schemas.microsoft.com/office/drawing/2014/main" id="{680D285D-C57C-1742-9B42-7B2492F4C7A8}"/>
+              </a:ext>
+            </a:extLst>
+          </p:cNvPr>
+          <p:cNvSpPr txBox="1">
+            <a:spLocks noChangeArrowheads="1"/>
+          </p:cNvSpPr>
+          <p:nvPr>
+            <p:custDataLst>
+              <p:tags r:id="rId4"/>
+            </p:custDataLst>
+          </p:nvPr>
+        </p:nvSpPr>
+        <p:spPr>
+          <a:xfrm>
+            <a:off x="1658982" y="5622842"/>
+            <a:ext cx="8895807" cy="816760"/>
+          </a:xfrm>
+          <a:prstGeom prst="rect">
+            <a:avLst/>
+          </a:prstGeom>
+        </p:spPr>
+        <p:txBody>
+          <a:bodyPr vert="horz">
+            <a:normAutofit/>
+          </a:bodyPr>
+          <a:lstStyle>
+            <a:lvl1pPr marL="274320" indent="-274320" algn="just" rtl="0" eaLnBrk="1" latinLnBrk="0" hangingPunct="1">
+              <a:spcBef>
+                <a:spcPts val="600"/>
+              </a:spcBef>
+              <a:buClr>
+                <a:schemeClr val="accent1"/>
+              </a:buClr>
+              <a:buSzPct val="76000"/>
+              <a:buFont typeface="Wingdings 3"/>
+              <a:buChar char=""/>
+              <a:defRPr kumimoji="0" sz="2600" kern="1200">
+                <a:solidFill>
+                  <a:schemeClr val="tx1"/>
+                </a:solidFill>
+                <a:latin typeface="+mn-lt"/>
+                <a:ea typeface="+mn-ea"/>
+                <a:cs typeface="+mn-cs"/>
+              </a:defRPr>
+            </a:lvl1pPr>
+            <a:lvl2pPr marL="548640" indent="-274320" algn="just" rtl="0" eaLnBrk="1" latinLnBrk="0" hangingPunct="1">
+              <a:spcBef>
+                <a:spcPts val="500"/>
+              </a:spcBef>
+              <a:buClr>
+                <a:schemeClr val="accent2"/>
+              </a:buClr>
+              <a:buSzPct val="76000"/>
+              <a:buFont typeface="Wingdings 3"/>
+              <a:buChar char=""/>
+              <a:defRPr kumimoji="0" sz="2300" kern="1200">
+                <a:solidFill>
+                  <a:schemeClr val="tx2"/>
+                </a:solidFill>
+                <a:latin typeface="+mn-lt"/>
+                <a:ea typeface="+mn-ea"/>
+                <a:cs typeface="+mn-cs"/>
+              </a:defRPr>
+            </a:lvl2pPr>
+            <a:lvl3pPr marL="822960" indent="-228600" algn="just" rtl="0" eaLnBrk="1" latinLnBrk="0" hangingPunct="1">
+              <a:spcBef>
+                <a:spcPts val="500"/>
+              </a:spcBef>
+              <a:buClr>
+                <a:schemeClr val="bg1">
+                  <a:shade val="50000"/>
+                </a:schemeClr>
+              </a:buClr>
+              <a:buSzPct val="76000"/>
+              <a:buFont typeface="Wingdings 3"/>
+              <a:buChar char=""/>
+              <a:defRPr kumimoji="0" sz="2000" kern="1200">
+                <a:solidFill>
+                  <a:schemeClr val="tx1"/>
+                </a:solidFill>
+                <a:latin typeface="+mn-lt"/>
+                <a:ea typeface="+mn-ea"/>
+                <a:cs typeface="+mn-cs"/>
+              </a:defRPr>
+            </a:lvl3pPr>
+            <a:lvl4pPr marL="1097280" indent="-228600" algn="just" rtl="0" eaLnBrk="1" latinLnBrk="0" hangingPunct="1">
+              <a:spcBef>
+                <a:spcPts val="400"/>
+              </a:spcBef>
+              <a:buClr>
+                <a:schemeClr val="accent2">
+                  <a:shade val="75000"/>
+                </a:schemeClr>
+              </a:buClr>
+              <a:buSzPct val="70000"/>
+              <a:buFont typeface="Wingdings"/>
+              <a:buChar char=""/>
+              <a:defRPr kumimoji="0" sz="1800" kern="1200">
+                <a:solidFill>
+                  <a:schemeClr val="tx1"/>
+                </a:solidFill>
+                <a:latin typeface="+mn-lt"/>
+                <a:ea typeface="+mn-ea"/>
+                <a:cs typeface="+mn-cs"/>
+              </a:defRPr>
+            </a:lvl4pPr>
+            <a:lvl5pPr marL="1371600" indent="-228600" algn="just" rtl="0" eaLnBrk="1" latinLnBrk="0" hangingPunct="1">
+              <a:spcBef>
+                <a:spcPts val="300"/>
+              </a:spcBef>
+              <a:buClr>
+                <a:schemeClr val="accent2"/>
+              </a:buClr>
+              <a:buSzPct val="70000"/>
+              <a:buFont typeface="Wingdings"/>
+              <a:buChar char=""/>
+              <a:defRPr kumimoji="0" sz="1600" kern="1200">
+                <a:solidFill>
+                  <a:schemeClr val="tx1"/>
+                </a:solidFill>
+                <a:latin typeface="+mn-lt"/>
+                <a:ea typeface="+mn-ea"/>
+                <a:cs typeface="+mn-cs"/>
+              </a:defRPr>
+            </a:lvl5pPr>
+            <a:lvl6pPr marL="1645920" indent="-182880" algn="l" rtl="0" eaLnBrk="1" latinLnBrk="0" hangingPunct="1">
+              <a:spcBef>
+                <a:spcPts val="300"/>
+              </a:spcBef>
+              <a:buClr>
+                <a:srgbClr val="9FB8CD">
+                  <a:shade val="75000"/>
+                </a:srgbClr>
+              </a:buClr>
+              <a:buSzPct val="75000"/>
+              <a:buFont typeface="Wingdings 3"/>
+              <a:buChar char=""/>
+              <a:defRPr kumimoji="0" lang="en-US" sz="1600" kern="1200" smtClean="0">
+                <a:solidFill>
+                  <a:schemeClr val="tx1"/>
+                </a:solidFill>
+                <a:latin typeface="+mn-lt"/>
+                <a:ea typeface="+mn-ea"/>
+                <a:cs typeface="+mn-cs"/>
+              </a:defRPr>
+            </a:lvl6pPr>
+            <a:lvl7pPr marL="1828800" indent="-182880" algn="l" rtl="0" eaLnBrk="1" latinLnBrk="0" hangingPunct="1">
+              <a:spcBef>
+                <a:spcPts val="300"/>
+              </a:spcBef>
+              <a:buClr>
+                <a:srgbClr val="727CA3">
+                  <a:shade val="75000"/>
+                </a:srgbClr>
+              </a:buClr>
+              <a:buSzPct val="75000"/>
+              <a:buFont typeface="Wingdings 3"/>
+              <a:buChar char=""/>
+              <a:defRPr kumimoji="0" lang="en-US" sz="1400" kern="1200" smtClean="0">
+                <a:solidFill>
+                  <a:schemeClr val="tx1"/>
+                </a:solidFill>
+                <a:latin typeface="+mn-lt"/>
+                <a:ea typeface="+mn-ea"/>
+                <a:cs typeface="+mn-cs"/>
+              </a:defRPr>
+            </a:lvl7pPr>
+            <a:lvl8pPr marL="2011680" indent="-182880" algn="l" rtl="0" eaLnBrk="1" latinLnBrk="0" hangingPunct="1">
+              <a:spcBef>
+                <a:spcPts val="300"/>
+              </a:spcBef>
+              <a:buClr>
+                <a:prstClr val="white">
+                  <a:shade val="50000"/>
+                </a:prstClr>
+              </a:buClr>
+              <a:buSzPct val="75000"/>
+              <a:buFont typeface="Wingdings 3"/>
+              <a:buChar char=""/>
+              <a:defRPr kumimoji="0" lang="en-US" sz="1400" kern="1200" smtClean="0">
+                <a:solidFill>
+                  <a:schemeClr val="tx1"/>
+                </a:solidFill>
+                <a:latin typeface="+mn-lt"/>
+                <a:ea typeface="+mn-ea"/>
+                <a:cs typeface="+mn-cs"/>
+              </a:defRPr>
+            </a:lvl8pPr>
+            <a:lvl9pPr marL="2194560" indent="-182880" algn="l" rtl="0" eaLnBrk="1" latinLnBrk="0" hangingPunct="1">
+              <a:spcBef>
+                <a:spcPts val="300"/>
+              </a:spcBef>
+              <a:buClr>
+                <a:srgbClr val="9FB8CD"/>
+              </a:buClr>
+              <a:buSzPct val="75000"/>
+              <a:buFont typeface="Wingdings 3"/>
+              <a:buChar char=""/>
+              <a:defRPr kumimoji="0" lang="en-US" sz="1200" kern="1200" smtClean="0">
+                <a:solidFill>
+                  <a:schemeClr val="tx1"/>
+                </a:solidFill>
+                <a:latin typeface="+mn-lt"/>
+                <a:ea typeface="+mn-ea"/>
+                <a:cs typeface="+mn-cs"/>
+              </a:defRPr>
+            </a:lvl9pPr>
+          </a:lstStyle>
+          <a:p>
+            <a:pPr marL="0" indent="0" fontAlgn="auto">
+              <a:spcAft>
+                <a:spcPts val="0"/>
+              </a:spcAft>
+              <a:buNone/>
+            </a:pPr>
+            <a:r>
+              <a:rPr lang="en-US" sz="1600" b="1" i="1" u="sng" dirty="0"/>
+              <a:t>REMEMBER</a:t>
+            </a:r>
+            <a:r>
+              <a:rPr lang="en-US" sz="1600" dirty="0"/>
+              <a:t>! Best solution is </a:t>
+            </a:r>
+            <a:r>
+              <a:rPr lang="en-US" sz="1600" b="1" i="1" dirty="0"/>
+              <a:t>not necessarily one that crosses the line</a:t>
+            </a:r>
+            <a:r>
+              <a:rPr lang="en-US" sz="1600" dirty="0"/>
+              <a:t>! Might be </a:t>
+            </a:r>
+            <a:r>
+              <a:rPr lang="en-US" sz="1600" i="1" dirty="0"/>
+              <a:t>solution on left</a:t>
+            </a:r>
+            <a:r>
+              <a:rPr lang="en-US" sz="1600" dirty="0"/>
+              <a:t>, </a:t>
+            </a:r>
+            <a:r>
+              <a:rPr lang="en-US" sz="1600" i="1" dirty="0"/>
+              <a:t>solution on right</a:t>
+            </a:r>
+            <a:r>
+              <a:rPr lang="en-US" sz="1600" dirty="0"/>
+              <a:t>, OR </a:t>
+            </a:r>
+            <a:r>
+              <a:rPr lang="en-US" sz="1600" i="1" dirty="0"/>
+              <a:t>solution that crosses divide line</a:t>
+            </a:r>
+            <a:r>
+              <a:rPr lang="en-US" sz="1600" dirty="0"/>
+              <a:t>. </a:t>
+            </a:r>
+            <a:r>
+              <a:rPr lang="en-US" sz="1600" b="1" i="1" u="sng" dirty="0"/>
+              <a:t>Return the highest of all three</a:t>
+            </a:r>
+            <a:r>
+              <a:rPr lang="en-US" sz="1600" dirty="0"/>
+              <a:t>!</a:t>
+            </a:r>
+          </a:p>
+        </p:txBody>
+      </p:sp>
+    </p:spTree>
+    <p:extLst>
+      <p:ext uri="{BB962C8B-B14F-4D97-AF65-F5344CB8AC3E}">
+        <p14:creationId xmlns:p14="http://schemas.microsoft.com/office/powerpoint/2010/main" val="1651254450"/>
+      </p:ext>
+    </p:extLst>
+  </p:cSld>
+  <p:clrMapOvr>
+    <a:masterClrMapping/>
+  </p:clrMapOvr>
+</p:sld>
+</file>
+
+<file path=ppt/slides/slide29.xml><?xml version="1.0" encoding="utf-8"?>
+<p:sld xmlns:a="http://schemas.openxmlformats.org/drawingml/2006/main" xmlns:r="http://schemas.openxmlformats.org/officeDocument/2006/relationships" xmlns:p="http://schemas.openxmlformats.org/presentationml/2006/main">
+  <p:cSld>
+    <p:spTree>
+      <p:nvGrpSpPr>
+        <p:cNvPr id="1" name=""/>
+        <p:cNvGrpSpPr/>
+        <p:nvPr/>
+      </p:nvGrpSpPr>
+      <p:grpSpPr>
+        <a:xfrm>
+          <a:off x="0" y="0"/>
+          <a:ext cx="0" cy="0"/>
+          <a:chOff x="0" y="0"/>
+          <a:chExt cx="0" cy="0"/>
+        </a:xfrm>
+      </p:grpSpPr>
+      <p:sp>
+        <p:nvSpPr>
+          <p:cNvPr id="33794" name="Rectangle 2"/>
+          <p:cNvSpPr>
+            <a:spLocks noGrp="1" noChangeArrowheads="1"/>
+          </p:cNvSpPr>
+          <p:nvPr>
+            <p:ph type="title"/>
+            <p:custDataLst>
+              <p:tags r:id="rId1"/>
+            </p:custDataLst>
+          </p:nvPr>
+        </p:nvSpPr>
+        <p:spPr/>
+        <p:txBody>
+          <a:bodyPr/>
+          <a:lstStyle/>
+          <a:p>
+            <a:r>
+              <a:rPr lang="en-US" dirty="0"/>
+              <a:t>How to find </a:t>
+            </a:r>
+            <a:r>
+              <a:rPr lang="en-US" dirty="0" err="1"/>
+              <a:t>MaxSum_Divide</a:t>
+            </a:r>
+            <a:endParaRPr lang="en-US" dirty="0"/>
+          </a:p>
+        </p:txBody>
+      </p:sp>
+      <p:sp>
+        <p:nvSpPr>
+          <p:cNvPr id="6" name="Slide Number Placeholder 5"/>
+          <p:cNvSpPr>
+            <a:spLocks noGrp="1"/>
+          </p:cNvSpPr>
+          <p:nvPr>
+            <p:ph type="sldNum" sz="quarter" idx="12"/>
+          </p:nvPr>
+        </p:nvSpPr>
+        <p:spPr/>
+        <p:txBody>
+          <a:bodyPr/>
+          <a:lstStyle/>
+          <a:p>
+            <a:fld id="{0E0CE5E1-73E6-4EC0-A549-568A23C84235}" type="slidenum">
+              <a:rPr lang="en-US" smtClean="0"/>
+              <a:pPr/>
+              <a:t>29</a:t>
+            </a:fld>
+            <a:endParaRPr lang="en-US"/>
+          </a:p>
+        </p:txBody>
+      </p:sp>
+      <p:sp>
+        <p:nvSpPr>
+          <p:cNvPr id="33795" name="Rectangle 3"/>
+          <p:cNvSpPr>
+            <a:spLocks noGrp="1" noChangeArrowheads="1"/>
+          </p:cNvSpPr>
+          <p:nvPr>
+            <p:ph sz="quarter" idx="1"/>
+            <p:custDataLst>
+              <p:tags r:id="rId2"/>
+            </p:custDataLst>
+          </p:nvPr>
+        </p:nvSpPr>
+        <p:spPr/>
+        <p:txBody>
+          <a:bodyPr>
+            <a:normAutofit/>
+          </a:bodyPr>
+          <a:lstStyle/>
+          <a:p>
+            <a:r>
+              <a:rPr lang="en-US" dirty="0"/>
+              <a:t>Intuition:</a:t>
             </a:r>
           </a:p>
           <a:p>
             <a:pPr lvl="1"/>
             <a:r>
               <a:rPr lang="en-US" dirty="0"/>
-              <a:t>Sometimes recursive pays off</a:t>
+              <a:t>Best solution that crosses divide MUST be made up of array on left side that bumps up against divide and array on right side that bumps into divide.</a:t>
             </a:r>
           </a:p>
           <a:p>
             <a:pPr lvl="1"/>
             <a:r>
               <a:rPr lang="en-US" dirty="0"/>
-              <a:t>But you need to know when</a:t>
-            </a:r>
-          </a:p>
-          <a:p>
-            <a:pPr lvl="1"/>
+              <a:t>So:</a:t>
+            </a:r>
+          </a:p>
+          <a:p>
+            <a:pPr lvl="2"/>
             <a:r>
               <a:rPr lang="en-US" dirty="0"/>
-              <a:t>Algorithm analysis!</a:t>
-            </a:r>
+              <a:t>Start at A[mid-1] and sum all the way down to A[0], keeping track of the best sum</a:t>
+            </a:r>
+          </a:p>
+          <a:p>
+            <a:pPr lvl="2"/>
+            <a:r>
+              <a:rPr lang="en-US" dirty="0"/>
+              <a:t>Start at A[mid] and work up to A[A.length-1] and keep track of best sum along the way</a:t>
+            </a:r>
+          </a:p>
+          <a:p>
+            <a:pPr lvl="2"/>
+            <a:r>
+              <a:rPr lang="en-US" dirty="0"/>
+              <a:t>Simply concatenate these two arrays to one another for </a:t>
+            </a:r>
+            <a:r>
+              <a:rPr lang="en-US" dirty="0" err="1"/>
+              <a:t>MaxSum_Divide</a:t>
+            </a:r>
+            <a:endParaRPr lang="en-US" dirty="0"/>
           </a:p>
         </p:txBody>
       </p:sp>
     </p:spTree>
+    <p:extLst>
+      <p:ext uri="{BB962C8B-B14F-4D97-AF65-F5344CB8AC3E}">
+        <p14:creationId xmlns:p14="http://schemas.microsoft.com/office/powerpoint/2010/main" val="1423596487"/>
+      </p:ext>
+    </p:extLst>
   </p:cSld>
   <p:clrMapOvr>
     <a:masterClrMapping/>
@@ -7822,6 +13778,126 @@
             <a:r>
               <a:rPr lang="en-US" dirty="0"/>
               <a:t>Strassen’s Algorithm</a:t>
+            </a:r>
+          </a:p>
+        </p:txBody>
+      </p:sp>
+    </p:spTree>
+  </p:cSld>
+  <p:clrMapOvr>
+    <a:masterClrMapping/>
+  </p:clrMapOvr>
+</p:sld>
+</file>
+
+<file path=ppt/slides/slide30.xml><?xml version="1.0" encoding="utf-8"?>
+<p:sld xmlns:a="http://schemas.openxmlformats.org/drawingml/2006/main" xmlns:r="http://schemas.openxmlformats.org/officeDocument/2006/relationships" xmlns:p="http://schemas.openxmlformats.org/presentationml/2006/main">
+  <p:cSld>
+    <p:spTree>
+      <p:nvGrpSpPr>
+        <p:cNvPr id="1" name=""/>
+        <p:cNvGrpSpPr/>
+        <p:nvPr/>
+      </p:nvGrpSpPr>
+      <p:grpSpPr>
+        <a:xfrm>
+          <a:off x="0" y="0"/>
+          <a:ext cx="0" cy="0"/>
+          <a:chOff x="0" y="0"/>
+          <a:chExt cx="0" cy="0"/>
+        </a:xfrm>
+      </p:grpSpPr>
+      <p:sp>
+        <p:nvSpPr>
+          <p:cNvPr id="40962" name="Rectangle 2"/>
+          <p:cNvSpPr>
+            <a:spLocks noGrp="1" noChangeArrowheads="1"/>
+          </p:cNvSpPr>
+          <p:nvPr>
+            <p:ph type="title"/>
+          </p:nvPr>
+        </p:nvSpPr>
+        <p:spPr/>
+        <p:txBody>
+          <a:bodyPr/>
+          <a:lstStyle/>
+          <a:p>
+            <a:r>
+              <a:rPr lang="en-US"/>
+              <a:t>Divide and  Conquer: Bottom-line</a:t>
+            </a:r>
+          </a:p>
+        </p:txBody>
+      </p:sp>
+      <p:sp>
+        <p:nvSpPr>
+          <p:cNvPr id="4" name="Slide Number Placeholder 3"/>
+          <p:cNvSpPr>
+            <a:spLocks noGrp="1"/>
+          </p:cNvSpPr>
+          <p:nvPr>
+            <p:ph type="sldNum" sz="quarter" idx="12"/>
+          </p:nvPr>
+        </p:nvSpPr>
+        <p:spPr/>
+        <p:txBody>
+          <a:bodyPr/>
+          <a:lstStyle/>
+          <a:p>
+            <a:fld id="{0E0CE5E1-73E6-4EC0-A549-568A23C84235}" type="slidenum">
+              <a:rPr lang="en-US" smtClean="0"/>
+              <a:pPr/>
+              <a:t>30</a:t>
+            </a:fld>
+            <a:endParaRPr lang="en-US"/>
+          </a:p>
+        </p:txBody>
+      </p:sp>
+      <p:sp>
+        <p:nvSpPr>
+          <p:cNvPr id="40963" name="Rectangle 3"/>
+          <p:cNvSpPr>
+            <a:spLocks noGrp="1" noChangeArrowheads="1"/>
+          </p:cNvSpPr>
+          <p:nvPr>
+            <p:ph sz="quarter" idx="1"/>
+          </p:nvPr>
+        </p:nvSpPr>
+        <p:spPr/>
+        <p:txBody>
+          <a:bodyPr/>
+          <a:lstStyle/>
+          <a:p>
+            <a:r>
+              <a:rPr lang="en-US" dirty="0"/>
+              <a:t>Powerful technique for a wide array of problems</a:t>
+            </a:r>
+          </a:p>
+          <a:p>
+            <a:r>
+              <a:rPr lang="en-US" dirty="0"/>
+              <a:t>Don’t let a lot of “extra” work fool you:</a:t>
+            </a:r>
+          </a:p>
+          <a:p>
+            <a:pPr lvl="1"/>
+            <a:r>
+              <a:rPr lang="en-US" dirty="0"/>
+              <a:t>Sometimes recursive pays off</a:t>
+            </a:r>
+          </a:p>
+          <a:p>
+            <a:pPr lvl="1"/>
+            <a:r>
+              <a:rPr lang="en-US" dirty="0"/>
+              <a:t>But you need to know when</a:t>
+            </a:r>
+          </a:p>
+          <a:p>
+            <a:pPr lvl="1"/>
+            <a:r>
+              <a:rPr lang="en-US" dirty="0"/>
+              <a:t>Algorithm analysis!</a:t>
             </a:r>
           </a:p>
         </p:txBody>
@@ -9549,7 +15625,103 @@
 </p:tagLst>
 </file>
 
+<file path=ppt/tags/tag40.xml><?xml version="1.0" encoding="utf-8"?>
+<p:tagLst xmlns:a="http://schemas.openxmlformats.org/drawingml/2006/main" xmlns:r="http://schemas.openxmlformats.org/officeDocument/2006/relationships" xmlns:p="http://schemas.openxmlformats.org/presentationml/2006/main">
+  <p:tag name="_INSTRUCTOR VIEW19C14C36-AC8E-43BC-9DB6-C2AAF774C7DC|PANE__TAG" val="_"/>
+</p:tagLst>
+</file>
+
+<file path=ppt/tags/tag41.xml><?xml version="1.0" encoding="utf-8"?>
+<p:tagLst xmlns:a="http://schemas.openxmlformats.org/drawingml/2006/main" xmlns:r="http://schemas.openxmlformats.org/officeDocument/2006/relationships" xmlns:p="http://schemas.openxmlformats.org/presentationml/2006/main">
+  <p:tag name="_INSTRUCTOR VIEW19C14C36-AC8E-43BC-9DB6-C2AAF774C7DC|PANE__TAG" val="_"/>
+</p:tagLst>
+</file>
+
+<file path=ppt/tags/tag42.xml><?xml version="1.0" encoding="utf-8"?>
+<p:tagLst xmlns:a="http://schemas.openxmlformats.org/drawingml/2006/main" xmlns:r="http://schemas.openxmlformats.org/officeDocument/2006/relationships" xmlns:p="http://schemas.openxmlformats.org/presentationml/2006/main">
+  <p:tag name="_INSTRUCTOR VIEW19C14C36-AC8E-43BC-9DB6-C2AAF774C7DC|PANE__TAG" val="_"/>
+</p:tagLst>
+</file>
+
+<file path=ppt/tags/tag43.xml><?xml version="1.0" encoding="utf-8"?>
+<p:tagLst xmlns:a="http://schemas.openxmlformats.org/drawingml/2006/main" xmlns:r="http://schemas.openxmlformats.org/officeDocument/2006/relationships" xmlns:p="http://schemas.openxmlformats.org/presentationml/2006/main">
+  <p:tag name="_INSTRUCTOR VIEW19C14C36-AC8E-43BC-9DB6-C2AAF774C7DC|PANE__TAG" val="_"/>
+</p:tagLst>
+</file>
+
+<file path=ppt/tags/tag44.xml><?xml version="1.0" encoding="utf-8"?>
+<p:tagLst xmlns:a="http://schemas.openxmlformats.org/drawingml/2006/main" xmlns:r="http://schemas.openxmlformats.org/officeDocument/2006/relationships" xmlns:p="http://schemas.openxmlformats.org/presentationml/2006/main">
+  <p:tag name="_INSTRUCTOR VIEW19C14C36-AC8E-43BC-9DB6-C2AAF774C7DC|PANE__TAG" val="_"/>
+</p:tagLst>
+</file>
+
+<file path=ppt/tags/tag45.xml><?xml version="1.0" encoding="utf-8"?>
+<p:tagLst xmlns:a="http://schemas.openxmlformats.org/drawingml/2006/main" xmlns:r="http://schemas.openxmlformats.org/officeDocument/2006/relationships" xmlns:p="http://schemas.openxmlformats.org/presentationml/2006/main">
+  <p:tag name="_INSTRUCTOR VIEW19C14C36-AC8E-43BC-9DB6-C2AAF774C7DC|PANE__TAG" val="_"/>
+</p:tagLst>
+</file>
+
+<file path=ppt/tags/tag46.xml><?xml version="1.0" encoding="utf-8"?>
+<p:tagLst xmlns:a="http://schemas.openxmlformats.org/drawingml/2006/main" xmlns:r="http://schemas.openxmlformats.org/officeDocument/2006/relationships" xmlns:p="http://schemas.openxmlformats.org/presentationml/2006/main">
+  <p:tag name="_INSTRUCTOR VIEW19C14C36-AC8E-43BC-9DB6-C2AAF774C7DC|PANE__TAG" val="_"/>
+</p:tagLst>
+</file>
+
+<file path=ppt/tags/tag47.xml><?xml version="1.0" encoding="utf-8"?>
+<p:tagLst xmlns:a="http://schemas.openxmlformats.org/drawingml/2006/main" xmlns:r="http://schemas.openxmlformats.org/officeDocument/2006/relationships" xmlns:p="http://schemas.openxmlformats.org/presentationml/2006/main">
+  <p:tag name="_INSTRUCTOR VIEW19C14C36-AC8E-43BC-9DB6-C2AAF774C7DC|PANE__TAG" val="_"/>
+</p:tagLst>
+</file>
+
+<file path=ppt/tags/tag48.xml><?xml version="1.0" encoding="utf-8"?>
+<p:tagLst xmlns:a="http://schemas.openxmlformats.org/drawingml/2006/main" xmlns:r="http://schemas.openxmlformats.org/officeDocument/2006/relationships" xmlns:p="http://schemas.openxmlformats.org/presentationml/2006/main">
+  <p:tag name="_INSTRUCTOR VIEW19C14C36-AC8E-43BC-9DB6-C2AAF774C7DC|PANE__TAG" val="_"/>
+</p:tagLst>
+</file>
+
+<file path=ppt/tags/tag49.xml><?xml version="1.0" encoding="utf-8"?>
+<p:tagLst xmlns:a="http://schemas.openxmlformats.org/drawingml/2006/main" xmlns:r="http://schemas.openxmlformats.org/officeDocument/2006/relationships" xmlns:p="http://schemas.openxmlformats.org/presentationml/2006/main">
+  <p:tag name="_INSTRUCTOR VIEW19C14C36-AC8E-43BC-9DB6-C2AAF774C7DC|PANE__TAG" val="_"/>
+</p:tagLst>
+</file>
+
 <file path=ppt/tags/tag5.xml><?xml version="1.0" encoding="utf-8"?>
+<p:tagLst xmlns:a="http://schemas.openxmlformats.org/drawingml/2006/main" xmlns:r="http://schemas.openxmlformats.org/officeDocument/2006/relationships" xmlns:p="http://schemas.openxmlformats.org/presentationml/2006/main">
+  <p:tag name="_INSTRUCTOR VIEW19C14C36-AC8E-43BC-9DB6-C2AAF774C7DC|PANE__TAG" val="_"/>
+</p:tagLst>
+</file>
+
+<file path=ppt/tags/tag50.xml><?xml version="1.0" encoding="utf-8"?>
+<p:tagLst xmlns:a="http://schemas.openxmlformats.org/drawingml/2006/main" xmlns:r="http://schemas.openxmlformats.org/officeDocument/2006/relationships" xmlns:p="http://schemas.openxmlformats.org/presentationml/2006/main">
+  <p:tag name="_INSTRUCTOR VIEW19C14C36-AC8E-43BC-9DB6-C2AAF774C7DC|PANE__TAG" val="_"/>
+</p:tagLst>
+</file>
+
+<file path=ppt/tags/tag51.xml><?xml version="1.0" encoding="utf-8"?>
+<p:tagLst xmlns:a="http://schemas.openxmlformats.org/drawingml/2006/main" xmlns:r="http://schemas.openxmlformats.org/officeDocument/2006/relationships" xmlns:p="http://schemas.openxmlformats.org/presentationml/2006/main">
+  <p:tag name="_INSTRUCTOR VIEW19C14C36-AC8E-43BC-9DB6-C2AAF774C7DC|PANE__TAG" val="_"/>
+</p:tagLst>
+</file>
+
+<file path=ppt/tags/tag52.xml><?xml version="1.0" encoding="utf-8"?>
+<p:tagLst xmlns:a="http://schemas.openxmlformats.org/drawingml/2006/main" xmlns:r="http://schemas.openxmlformats.org/officeDocument/2006/relationships" xmlns:p="http://schemas.openxmlformats.org/presentationml/2006/main">
+  <p:tag name="_INSTRUCTOR VIEW19C14C36-AC8E-43BC-9DB6-C2AAF774C7DC|PANE__TAG" val="_"/>
+</p:tagLst>
+</file>
+
+<file path=ppt/tags/tag53.xml><?xml version="1.0" encoding="utf-8"?>
+<p:tagLst xmlns:a="http://schemas.openxmlformats.org/drawingml/2006/main" xmlns:r="http://schemas.openxmlformats.org/officeDocument/2006/relationships" xmlns:p="http://schemas.openxmlformats.org/presentationml/2006/main">
+  <p:tag name="_INSTRUCTOR VIEW19C14C36-AC8E-43BC-9DB6-C2AAF774C7DC|PANE__TAG" val="_"/>
+</p:tagLst>
+</file>
+
+<file path=ppt/tags/tag54.xml><?xml version="1.0" encoding="utf-8"?>
+<p:tagLst xmlns:a="http://schemas.openxmlformats.org/drawingml/2006/main" xmlns:r="http://schemas.openxmlformats.org/officeDocument/2006/relationships" xmlns:p="http://schemas.openxmlformats.org/presentationml/2006/main">
+  <p:tag name="_INSTRUCTOR VIEW19C14C36-AC8E-43BC-9DB6-C2AAF774C7DC|PANE__TAG" val="_"/>
+</p:tagLst>
+</file>
+
+<file path=ppt/tags/tag55.xml><?xml version="1.0" encoding="utf-8"?>
 <p:tagLst xmlns:a="http://schemas.openxmlformats.org/drawingml/2006/main" xmlns:r="http://schemas.openxmlformats.org/officeDocument/2006/relationships" xmlns:p="http://schemas.openxmlformats.org/presentationml/2006/main">
   <p:tag name="_INSTRUCTOR VIEW19C14C36-AC8E-43BC-9DB6-C2AAF774C7DC|PANE__TAG" val="_"/>
 </p:tagLst>
